--- a/Test/项目报告.pptx
+++ b/Test/项目报告.pptx
@@ -2,21 +2,22 @@
 <file path=ppt/presentation.xml><?xml version="1.0" encoding="utf-8"?>
 <p:presentation xmlns:a="http://schemas.openxmlformats.org/drawingml/2006/main" xmlns:r="http://schemas.openxmlformats.org/officeDocument/2006/relationships" xmlns:p="http://schemas.openxmlformats.org/presentationml/2006/main" saveSubsetFonts="1">
   <p:sldMasterIdLst>
-    <p:sldMasterId id="2147483648" r:id="rId1"/>
+    <p:sldMasterId id="2147483660" r:id="rId1"/>
   </p:sldMasterIdLst>
   <p:notesMasterIdLst>
-    <p:notesMasterId r:id="rId11"/>
+    <p:notesMasterId r:id="rId12"/>
   </p:notesMasterIdLst>
   <p:sldIdLst>
     <p:sldId id="256" r:id="rId2"/>
-    <p:sldId id="257" r:id="rId3"/>
-    <p:sldId id="258" r:id="rId4"/>
-    <p:sldId id="259" r:id="rId5"/>
-    <p:sldId id="260" r:id="rId6"/>
-    <p:sldId id="263" r:id="rId7"/>
-    <p:sldId id="264" r:id="rId8"/>
-    <p:sldId id="261" r:id="rId9"/>
-    <p:sldId id="262" r:id="rId10"/>
+    <p:sldId id="259" r:id="rId3"/>
+    <p:sldId id="265" r:id="rId4"/>
+    <p:sldId id="257" r:id="rId5"/>
+    <p:sldId id="258" r:id="rId6"/>
+    <p:sldId id="260" r:id="rId7"/>
+    <p:sldId id="261" r:id="rId8"/>
+    <p:sldId id="262" r:id="rId9"/>
+    <p:sldId id="263" r:id="rId10"/>
+    <p:sldId id="264" r:id="rId11"/>
   </p:sldIdLst>
   <p:sldSz cx="12192000" cy="6858000"/>
   <p:notesSz cx="6858000" cy="9144000"/>
@@ -474,7 +475,7 @@
 </file>
 
 <file path=ppt/slideLayouts/slideLayout1.xml><?xml version="1.0" encoding="utf-8"?>
-<p:sldLayout xmlns:a="http://schemas.openxmlformats.org/drawingml/2006/main" xmlns:r="http://schemas.openxmlformats.org/officeDocument/2006/relationships" xmlns:p="http://schemas.openxmlformats.org/presentationml/2006/main" type="title" preserve="1">
+<p:sldLayout xmlns:a="http://schemas.openxmlformats.org/drawingml/2006/main" xmlns:r="http://schemas.openxmlformats.org/officeDocument/2006/relationships" xmlns:p="http://schemas.openxmlformats.org/presentationml/2006/main" showMasterSp="0" type="title" preserve="1">
   <p:cSld name="标题幻灯片">
     <p:spTree>
       <p:nvGrpSpPr>
@@ -492,7 +493,7 @@
       </p:grpSpPr>
       <p:sp>
         <p:nvSpPr>
-          <p:cNvPr id="2" name="标题 1"/>
+          <p:cNvPr id="2" name="Title 1"/>
           <p:cNvSpPr>
             <a:spLocks noGrp="1"/>
           </p:cNvSpPr>
@@ -502,15 +503,19 @@
         </p:nvSpPr>
         <p:spPr>
           <a:xfrm>
-            <a:off x="1524000" y="1122363"/>
-            <a:ext cx="9144000" cy="2387600"/>
+            <a:off x="684212" y="685799"/>
+            <a:ext cx="8001000" cy="2971801"/>
           </a:xfrm>
         </p:spPr>
         <p:txBody>
-          <a:bodyPr anchor="b"/>
+          <a:bodyPr anchor="b">
+            <a:normAutofit/>
+          </a:bodyPr>
           <a:lstStyle>
-            <a:lvl1pPr algn="ctr">
-              <a:defRPr sz="6000"/>
+            <a:lvl1pPr algn="l">
+              <a:defRPr sz="4800">
+                <a:effectLst/>
+              </a:defRPr>
             </a:lvl1pPr>
           </a:lstStyle>
           <a:p>
@@ -518,13 +523,13 @@
               <a:rPr lang="zh-CN" altLang="en-US" smtClean="0"/>
               <a:t>单击此处编辑母版标题样式</a:t>
             </a:r>
-            <a:endParaRPr lang="zh-CN" altLang="en-US"/>
-          </a:p>
-        </p:txBody>
-      </p:sp>
-      <p:sp>
-        <p:nvSpPr>
-          <p:cNvPr id="3" name="副标题 2"/>
+            <a:endParaRPr lang="en-US" dirty="0"/>
+          </a:p>
+        </p:txBody>
+      </p:sp>
+      <p:sp>
+        <p:nvSpPr>
+          <p:cNvPr id="3" name="Subtitle 2"/>
           <p:cNvSpPr>
             <a:spLocks noGrp="1"/>
           </p:cNvSpPr>
@@ -534,48 +539,104 @@
         </p:nvSpPr>
         <p:spPr>
           <a:xfrm>
-            <a:off x="1524000" y="3602038"/>
-            <a:ext cx="9144000" cy="1655762"/>
+            <a:off x="684212" y="3843867"/>
+            <a:ext cx="6400800" cy="1947333"/>
           </a:xfrm>
         </p:spPr>
         <p:txBody>
-          <a:bodyPr/>
+          <a:bodyPr anchor="t">
+            <a:normAutofit/>
+          </a:bodyPr>
           <a:lstStyle>
-            <a:lvl1pPr marL="0" indent="0" algn="ctr">
-              <a:buNone/>
-              <a:defRPr sz="2400"/>
+            <a:lvl1pPr marL="0" indent="0" algn="l">
+              <a:buNone/>
+              <a:defRPr sz="2100">
+                <a:solidFill>
+                  <a:schemeClr val="bg2">
+                    <a:lumMod val="75000"/>
+                  </a:schemeClr>
+                </a:solidFill>
+              </a:defRPr>
             </a:lvl1pPr>
             <a:lvl2pPr marL="457200" indent="0" algn="ctr">
               <a:buNone/>
-              <a:defRPr sz="2000"/>
+              <a:defRPr>
+                <a:solidFill>
+                  <a:schemeClr val="tx1">
+                    <a:tint val="75000"/>
+                  </a:schemeClr>
+                </a:solidFill>
+              </a:defRPr>
             </a:lvl2pPr>
             <a:lvl3pPr marL="914400" indent="0" algn="ctr">
               <a:buNone/>
-              <a:defRPr sz="1800"/>
+              <a:defRPr>
+                <a:solidFill>
+                  <a:schemeClr val="tx1">
+                    <a:tint val="75000"/>
+                  </a:schemeClr>
+                </a:solidFill>
+              </a:defRPr>
             </a:lvl3pPr>
             <a:lvl4pPr marL="1371600" indent="0" algn="ctr">
               <a:buNone/>
-              <a:defRPr sz="1600"/>
+              <a:defRPr>
+                <a:solidFill>
+                  <a:schemeClr val="tx1">
+                    <a:tint val="75000"/>
+                  </a:schemeClr>
+                </a:solidFill>
+              </a:defRPr>
             </a:lvl4pPr>
             <a:lvl5pPr marL="1828800" indent="0" algn="ctr">
               <a:buNone/>
-              <a:defRPr sz="1600"/>
+              <a:defRPr>
+                <a:solidFill>
+                  <a:schemeClr val="tx1">
+                    <a:tint val="75000"/>
+                  </a:schemeClr>
+                </a:solidFill>
+              </a:defRPr>
             </a:lvl5pPr>
             <a:lvl6pPr marL="2286000" indent="0" algn="ctr">
               <a:buNone/>
-              <a:defRPr sz="1600"/>
+              <a:defRPr>
+                <a:solidFill>
+                  <a:schemeClr val="tx1">
+                    <a:tint val="75000"/>
+                  </a:schemeClr>
+                </a:solidFill>
+              </a:defRPr>
             </a:lvl6pPr>
             <a:lvl7pPr marL="2743200" indent="0" algn="ctr">
               <a:buNone/>
-              <a:defRPr sz="1600"/>
+              <a:defRPr>
+                <a:solidFill>
+                  <a:schemeClr val="tx1">
+                    <a:tint val="75000"/>
+                  </a:schemeClr>
+                </a:solidFill>
+              </a:defRPr>
             </a:lvl7pPr>
             <a:lvl8pPr marL="3200400" indent="0" algn="ctr">
               <a:buNone/>
-              <a:defRPr sz="1600"/>
+              <a:defRPr>
+                <a:solidFill>
+                  <a:schemeClr val="tx1">
+                    <a:tint val="75000"/>
+                  </a:schemeClr>
+                </a:solidFill>
+              </a:defRPr>
             </a:lvl8pPr>
             <a:lvl9pPr marL="3657600" indent="0" algn="ctr">
               <a:buNone/>
-              <a:defRPr sz="1600"/>
+              <a:defRPr>
+                <a:solidFill>
+                  <a:schemeClr val="tx1">
+                    <a:tint val="75000"/>
+                  </a:schemeClr>
+                </a:solidFill>
+              </a:defRPr>
             </a:lvl9pPr>
           </a:lstStyle>
           <a:p>
@@ -583,13 +644,13 @@
               <a:rPr lang="zh-CN" altLang="en-US" smtClean="0"/>
               <a:t>单击以编辑母版副标题样式</a:t>
             </a:r>
-            <a:endParaRPr lang="zh-CN" altLang="en-US"/>
-          </a:p>
-        </p:txBody>
-      </p:sp>
-      <p:sp>
-        <p:nvSpPr>
-          <p:cNvPr id="4" name="日期占位符 3"/>
+            <a:endParaRPr lang="en-US" dirty="0"/>
+          </a:p>
+        </p:txBody>
+      </p:sp>
+      <p:sp>
+        <p:nvSpPr>
+          <p:cNvPr id="4" name="Date Placeholder 3"/>
           <p:cNvSpPr>
             <a:spLocks noGrp="1"/>
           </p:cNvSpPr>
@@ -612,7 +673,7 @@
       </p:sp>
       <p:sp>
         <p:nvSpPr>
-          <p:cNvPr id="5" name="页脚占位符 4"/>
+          <p:cNvPr id="5" name="Footer Placeholder 4"/>
           <p:cNvSpPr>
             <a:spLocks noGrp="1"/>
           </p:cNvSpPr>
@@ -631,7 +692,7 @@
       </p:sp>
       <p:sp>
         <p:nvSpPr>
-          <p:cNvPr id="6" name="灯片编号占位符 5"/>
+          <p:cNvPr id="6" name="Slide Number Placeholder 5"/>
           <p:cNvSpPr>
             <a:spLocks noGrp="1"/>
           </p:cNvSpPr>
@@ -652,10 +713,185 @@
           </a:p>
         </p:txBody>
       </p:sp>
+      <p:cxnSp>
+        <p:nvCxnSpPr>
+          <p:cNvPr id="16" name="Straight Connector 15"/>
+          <p:cNvCxnSpPr/>
+          <p:nvPr/>
+        </p:nvCxnSpPr>
+        <p:spPr>
+          <a:xfrm flipH="1">
+            <a:off x="8228012" y="8467"/>
+            <a:ext cx="3810000" cy="3810000"/>
+          </a:xfrm>
+          <a:prstGeom prst="line">
+            <a:avLst/>
+          </a:prstGeom>
+          <a:ln w="12700">
+            <a:solidFill>
+              <a:schemeClr val="tx1"/>
+            </a:solidFill>
+          </a:ln>
+        </p:spPr>
+        <p:style>
+          <a:lnRef idx="2">
+            <a:schemeClr val="accent1"/>
+          </a:lnRef>
+          <a:fillRef idx="0">
+            <a:schemeClr val="accent1"/>
+          </a:fillRef>
+          <a:effectRef idx="1">
+            <a:schemeClr val="accent1"/>
+          </a:effectRef>
+          <a:fontRef idx="minor">
+            <a:schemeClr val="tx1"/>
+          </a:fontRef>
+        </p:style>
+      </p:cxnSp>
+      <p:cxnSp>
+        <p:nvCxnSpPr>
+          <p:cNvPr id="17" name="Straight Connector 16"/>
+          <p:cNvCxnSpPr/>
+          <p:nvPr/>
+        </p:nvCxnSpPr>
+        <p:spPr>
+          <a:xfrm flipH="1">
+            <a:off x="6108170" y="91545"/>
+            <a:ext cx="6080655" cy="6080655"/>
+          </a:xfrm>
+          <a:prstGeom prst="line">
+            <a:avLst/>
+          </a:prstGeom>
+          <a:ln w="12700">
+            <a:solidFill>
+              <a:schemeClr val="tx1"/>
+            </a:solidFill>
+          </a:ln>
+        </p:spPr>
+        <p:style>
+          <a:lnRef idx="2">
+            <a:schemeClr val="accent1"/>
+          </a:lnRef>
+          <a:fillRef idx="0">
+            <a:schemeClr val="accent1"/>
+          </a:fillRef>
+          <a:effectRef idx="1">
+            <a:schemeClr val="accent1"/>
+          </a:effectRef>
+          <a:fontRef idx="minor">
+            <a:schemeClr val="tx1"/>
+          </a:fontRef>
+        </p:style>
+      </p:cxnSp>
+      <p:cxnSp>
+        <p:nvCxnSpPr>
+          <p:cNvPr id="19" name="Straight Connector 18"/>
+          <p:cNvCxnSpPr/>
+          <p:nvPr/>
+        </p:nvCxnSpPr>
+        <p:spPr>
+          <a:xfrm flipH="1">
+            <a:off x="7235825" y="228600"/>
+            <a:ext cx="4953000" cy="4953000"/>
+          </a:xfrm>
+          <a:prstGeom prst="line">
+            <a:avLst/>
+          </a:prstGeom>
+          <a:ln w="12700">
+            <a:solidFill>
+              <a:schemeClr val="tx1"/>
+            </a:solidFill>
+          </a:ln>
+        </p:spPr>
+        <p:style>
+          <a:lnRef idx="2">
+            <a:schemeClr val="accent1"/>
+          </a:lnRef>
+          <a:fillRef idx="0">
+            <a:schemeClr val="accent1"/>
+          </a:fillRef>
+          <a:effectRef idx="1">
+            <a:schemeClr val="accent1"/>
+          </a:effectRef>
+          <a:fontRef idx="minor">
+            <a:schemeClr val="tx1"/>
+          </a:fontRef>
+        </p:style>
+      </p:cxnSp>
+      <p:cxnSp>
+        <p:nvCxnSpPr>
+          <p:cNvPr id="21" name="Straight Connector 20"/>
+          <p:cNvCxnSpPr/>
+          <p:nvPr/>
+        </p:nvCxnSpPr>
+        <p:spPr>
+          <a:xfrm flipH="1">
+            <a:off x="7335837" y="32278"/>
+            <a:ext cx="4852989" cy="4852989"/>
+          </a:xfrm>
+          <a:prstGeom prst="line">
+            <a:avLst/>
+          </a:prstGeom>
+          <a:ln w="31750">
+            <a:solidFill>
+              <a:schemeClr val="tx1"/>
+            </a:solidFill>
+          </a:ln>
+        </p:spPr>
+        <p:style>
+          <a:lnRef idx="2">
+            <a:schemeClr val="accent1"/>
+          </a:lnRef>
+          <a:fillRef idx="0">
+            <a:schemeClr val="accent1"/>
+          </a:fillRef>
+          <a:effectRef idx="1">
+            <a:schemeClr val="accent1"/>
+          </a:effectRef>
+          <a:fontRef idx="minor">
+            <a:schemeClr val="tx1"/>
+          </a:fontRef>
+        </p:style>
+      </p:cxnSp>
+      <p:cxnSp>
+        <p:nvCxnSpPr>
+          <p:cNvPr id="23" name="Straight Connector 22"/>
+          <p:cNvCxnSpPr/>
+          <p:nvPr/>
+        </p:nvCxnSpPr>
+        <p:spPr>
+          <a:xfrm flipH="1">
+            <a:off x="7845426" y="609601"/>
+            <a:ext cx="4343399" cy="4343399"/>
+          </a:xfrm>
+          <a:prstGeom prst="line">
+            <a:avLst/>
+          </a:prstGeom>
+          <a:ln w="31750">
+            <a:solidFill>
+              <a:schemeClr val="tx1"/>
+            </a:solidFill>
+          </a:ln>
+        </p:spPr>
+        <p:style>
+          <a:lnRef idx="2">
+            <a:schemeClr val="accent1"/>
+          </a:lnRef>
+          <a:fillRef idx="0">
+            <a:schemeClr val="accent1"/>
+          </a:fillRef>
+          <a:effectRef idx="1">
+            <a:schemeClr val="accent1"/>
+          </a:effectRef>
+          <a:fontRef idx="minor">
+            <a:schemeClr val="tx1"/>
+          </a:fontRef>
+        </p:style>
+      </p:cxnSp>
     </p:spTree>
     <p:extLst>
       <p:ext uri="{BB962C8B-B14F-4D97-AF65-F5344CB8AC3E}">
-        <p14:creationId xmlns:p14="http://schemas.microsoft.com/office/powerpoint/2010/main" val="2320605325"/>
+        <p14:creationId xmlns:p14="http://schemas.microsoft.com/office/powerpoint/2010/main" val="2275270020"/>
       </p:ext>
     </p:extLst>
   </p:cSld>
@@ -666,6 +902,1812 @@
 </file>
 
 <file path=ppt/slideLayouts/slideLayout10.xml><?xml version="1.0" encoding="utf-8"?>
+<p:sldLayout xmlns:a="http://schemas.openxmlformats.org/drawingml/2006/main" xmlns:r="http://schemas.openxmlformats.org/officeDocument/2006/relationships" xmlns:p="http://schemas.openxmlformats.org/presentationml/2006/main" preserve="1">
+  <p:cSld name="带描述的全景图片">
+    <p:spTree>
+      <p:nvGrpSpPr>
+        <p:cNvPr id="1" name=""/>
+        <p:cNvGrpSpPr/>
+        <p:nvPr/>
+      </p:nvGrpSpPr>
+      <p:grpSpPr>
+        <a:xfrm>
+          <a:off x="0" y="0"/>
+          <a:ext cx="0" cy="0"/>
+          <a:chOff x="0" y="0"/>
+          <a:chExt cx="0" cy="0"/>
+        </a:xfrm>
+      </p:grpSpPr>
+      <p:sp>
+        <p:nvSpPr>
+          <p:cNvPr id="2" name="Title 1"/>
+          <p:cNvSpPr>
+            <a:spLocks noGrp="1"/>
+          </p:cNvSpPr>
+          <p:nvPr>
+            <p:ph type="title"/>
+          </p:nvPr>
+        </p:nvSpPr>
+        <p:spPr/>
+        <p:txBody>
+          <a:bodyPr/>
+          <a:lstStyle/>
+          <a:p>
+            <a:r>
+              <a:rPr lang="zh-CN" altLang="en-US" smtClean="0"/>
+              <a:t>单击此处编辑母版标题样式</a:t>
+            </a:r>
+            <a:endParaRPr lang="en-US" dirty="0"/>
+          </a:p>
+        </p:txBody>
+      </p:sp>
+      <p:sp>
+        <p:nvSpPr>
+          <p:cNvPr id="17" name="Picture Placeholder 2"/>
+          <p:cNvSpPr>
+            <a:spLocks noGrp="1" noChangeAspect="1"/>
+          </p:cNvSpPr>
+          <p:nvPr>
+            <p:ph type="pic" idx="13"/>
+          </p:nvPr>
+        </p:nvSpPr>
+        <p:spPr>
+          <a:xfrm>
+            <a:off x="685800" y="533400"/>
+            <a:ext cx="10818812" cy="3124200"/>
+          </a:xfrm>
+          <a:prstGeom prst="snip2DiagRect">
+            <a:avLst>
+              <a:gd name="adj1" fmla="val 10815"/>
+              <a:gd name="adj2" fmla="val 0"/>
+            </a:avLst>
+          </a:prstGeom>
+          <a:ln w="15875">
+            <a:solidFill>
+              <a:schemeClr val="tx1">
+                <a:alpha val="40000"/>
+              </a:schemeClr>
+            </a:solidFill>
+          </a:ln>
+          <a:effectLst>
+            <a:innerShdw blurRad="57150" dist="38100" dir="14460000">
+              <a:srgbClr val="000000">
+                <a:alpha val="70000"/>
+              </a:srgbClr>
+            </a:innerShdw>
+          </a:effectLst>
+        </p:spPr>
+        <p:txBody>
+          <a:bodyPr anchor="t">
+            <a:normAutofit/>
+          </a:bodyPr>
+          <a:lstStyle>
+            <a:lvl1pPr marL="0" indent="0" algn="ctr">
+              <a:buNone/>
+              <a:defRPr sz="1600"/>
+            </a:lvl1pPr>
+            <a:lvl2pPr marL="457200" indent="0">
+              <a:buNone/>
+              <a:defRPr sz="1600"/>
+            </a:lvl2pPr>
+            <a:lvl3pPr marL="914400" indent="0">
+              <a:buNone/>
+              <a:defRPr sz="1600"/>
+            </a:lvl3pPr>
+            <a:lvl4pPr marL="1371600" indent="0">
+              <a:buNone/>
+              <a:defRPr sz="1600"/>
+            </a:lvl4pPr>
+            <a:lvl5pPr marL="1828800" indent="0">
+              <a:buNone/>
+              <a:defRPr sz="1600"/>
+            </a:lvl5pPr>
+            <a:lvl6pPr marL="2286000" indent="0">
+              <a:buNone/>
+              <a:defRPr sz="1600"/>
+            </a:lvl6pPr>
+            <a:lvl7pPr marL="2743200" indent="0">
+              <a:buNone/>
+              <a:defRPr sz="1600"/>
+            </a:lvl7pPr>
+            <a:lvl8pPr marL="3200400" indent="0">
+              <a:buNone/>
+              <a:defRPr sz="1600"/>
+            </a:lvl8pPr>
+            <a:lvl9pPr marL="3657600" indent="0">
+              <a:buNone/>
+              <a:defRPr sz="1600"/>
+            </a:lvl9pPr>
+          </a:lstStyle>
+          <a:p>
+            <a:r>
+              <a:rPr lang="zh-CN" altLang="en-US" smtClean="0"/>
+              <a:t>单击图标添加图片</a:t>
+            </a:r>
+            <a:endParaRPr lang="en-US" dirty="0"/>
+          </a:p>
+        </p:txBody>
+      </p:sp>
+      <p:sp>
+        <p:nvSpPr>
+          <p:cNvPr id="16" name="Text Placeholder 9"/>
+          <p:cNvSpPr>
+            <a:spLocks noGrp="1"/>
+          </p:cNvSpPr>
+          <p:nvPr>
+            <p:ph type="body" sz="quarter" idx="14"/>
+          </p:nvPr>
+        </p:nvSpPr>
+        <p:spPr>
+          <a:xfrm>
+            <a:off x="914402" y="3843867"/>
+            <a:ext cx="8304210" cy="457200"/>
+          </a:xfrm>
+        </p:spPr>
+        <p:txBody>
+          <a:bodyPr anchor="t">
+            <a:normAutofit/>
+          </a:bodyPr>
+          <a:lstStyle>
+            <a:lvl1pPr marL="0" indent="0">
+              <a:buFontTx/>
+              <a:buNone/>
+              <a:defRPr sz="1600"/>
+            </a:lvl1pPr>
+            <a:lvl2pPr marL="457200" indent="0">
+              <a:buFontTx/>
+              <a:buNone/>
+              <a:defRPr/>
+            </a:lvl2pPr>
+            <a:lvl3pPr marL="914400" indent="0">
+              <a:buFontTx/>
+              <a:buNone/>
+              <a:defRPr/>
+            </a:lvl3pPr>
+            <a:lvl4pPr marL="1371600" indent="0">
+              <a:buFontTx/>
+              <a:buNone/>
+              <a:defRPr/>
+            </a:lvl4pPr>
+            <a:lvl5pPr marL="1828800" indent="0">
+              <a:buFontTx/>
+              <a:buNone/>
+              <a:defRPr/>
+            </a:lvl5pPr>
+          </a:lstStyle>
+          <a:p>
+            <a:pPr lvl="0"/>
+            <a:r>
+              <a:rPr lang="zh-CN" altLang="en-US" smtClean="0"/>
+              <a:t>编辑母版文本样式</a:t>
+            </a:r>
+          </a:p>
+        </p:txBody>
+      </p:sp>
+      <p:sp>
+        <p:nvSpPr>
+          <p:cNvPr id="3" name="Date Placeholder 2"/>
+          <p:cNvSpPr>
+            <a:spLocks noGrp="1"/>
+          </p:cNvSpPr>
+          <p:nvPr>
+            <p:ph type="dt" sz="half" idx="10"/>
+          </p:nvPr>
+        </p:nvSpPr>
+        <p:spPr/>
+        <p:txBody>
+          <a:bodyPr/>
+          <a:lstStyle/>
+          <a:p>
+            <a:fld id="{0C16BA23-FD24-4A35-AF8A-49E1AD521C28}" type="datetimeFigureOut">
+              <a:rPr lang="zh-CN" altLang="en-US" smtClean="0"/>
+              <a:t>2017/10/29</a:t>
+            </a:fld>
+            <a:endParaRPr lang="zh-CN" altLang="en-US"/>
+          </a:p>
+        </p:txBody>
+      </p:sp>
+      <p:sp>
+        <p:nvSpPr>
+          <p:cNvPr id="4" name="Footer Placeholder 3"/>
+          <p:cNvSpPr>
+            <a:spLocks noGrp="1"/>
+          </p:cNvSpPr>
+          <p:nvPr>
+            <p:ph type="ftr" sz="quarter" idx="11"/>
+          </p:nvPr>
+        </p:nvSpPr>
+        <p:spPr/>
+        <p:txBody>
+          <a:bodyPr/>
+          <a:lstStyle/>
+          <a:p>
+            <a:endParaRPr lang="zh-CN" altLang="en-US"/>
+          </a:p>
+        </p:txBody>
+      </p:sp>
+      <p:sp>
+        <p:nvSpPr>
+          <p:cNvPr id="5" name="Slide Number Placeholder 4"/>
+          <p:cNvSpPr>
+            <a:spLocks noGrp="1"/>
+          </p:cNvSpPr>
+          <p:nvPr>
+            <p:ph type="sldNum" sz="quarter" idx="12"/>
+          </p:nvPr>
+        </p:nvSpPr>
+        <p:spPr/>
+        <p:txBody>
+          <a:bodyPr/>
+          <a:lstStyle/>
+          <a:p>
+            <a:fld id="{6F1A8388-9405-4831-89BC-648F94A3ED34}" type="slidenum">
+              <a:rPr lang="zh-CN" altLang="en-US" smtClean="0"/>
+              <a:t>‹#›</a:t>
+            </a:fld>
+            <a:endParaRPr lang="zh-CN" altLang="en-US"/>
+          </a:p>
+        </p:txBody>
+      </p:sp>
+    </p:spTree>
+    <p:extLst>
+      <p:ext uri="{BB962C8B-B14F-4D97-AF65-F5344CB8AC3E}">
+        <p14:creationId xmlns:p14="http://schemas.microsoft.com/office/powerpoint/2010/main" val="3107090842"/>
+      </p:ext>
+    </p:extLst>
+  </p:cSld>
+  <p:clrMapOvr>
+    <a:masterClrMapping/>
+  </p:clrMapOvr>
+</p:sldLayout>
+</file>
+
+<file path=ppt/slideLayouts/slideLayout11.xml><?xml version="1.0" encoding="utf-8"?>
+<p:sldLayout xmlns:a="http://schemas.openxmlformats.org/drawingml/2006/main" xmlns:r="http://schemas.openxmlformats.org/officeDocument/2006/relationships" xmlns:p="http://schemas.openxmlformats.org/presentationml/2006/main" preserve="1">
+  <p:cSld name="标题和描述">
+    <p:spTree>
+      <p:nvGrpSpPr>
+        <p:cNvPr id="1" name=""/>
+        <p:cNvGrpSpPr/>
+        <p:nvPr/>
+      </p:nvGrpSpPr>
+      <p:grpSpPr>
+        <a:xfrm>
+          <a:off x="0" y="0"/>
+          <a:ext cx="0" cy="0"/>
+          <a:chOff x="0" y="0"/>
+          <a:chExt cx="0" cy="0"/>
+        </a:xfrm>
+      </p:grpSpPr>
+      <p:sp>
+        <p:nvSpPr>
+          <p:cNvPr id="2" name="Title 1"/>
+          <p:cNvSpPr>
+            <a:spLocks noGrp="1"/>
+          </p:cNvSpPr>
+          <p:nvPr>
+            <p:ph type="title"/>
+          </p:nvPr>
+        </p:nvSpPr>
+        <p:spPr>
+          <a:xfrm>
+            <a:off x="684213" y="685800"/>
+            <a:ext cx="10058400" cy="2743200"/>
+          </a:xfrm>
+        </p:spPr>
+        <p:txBody>
+          <a:bodyPr anchor="ctr">
+            <a:normAutofit/>
+          </a:bodyPr>
+          <a:lstStyle>
+            <a:lvl1pPr algn="l">
+              <a:defRPr sz="3200" b="0" cap="all"/>
+            </a:lvl1pPr>
+          </a:lstStyle>
+          <a:p>
+            <a:r>
+              <a:rPr lang="zh-CN" altLang="en-US" smtClean="0"/>
+              <a:t>单击此处编辑母版标题样式</a:t>
+            </a:r>
+            <a:endParaRPr lang="en-US" dirty="0"/>
+          </a:p>
+        </p:txBody>
+      </p:sp>
+      <p:sp>
+        <p:nvSpPr>
+          <p:cNvPr id="3" name="Text Placeholder 2"/>
+          <p:cNvSpPr>
+            <a:spLocks noGrp="1"/>
+          </p:cNvSpPr>
+          <p:nvPr>
+            <p:ph type="body" idx="1"/>
+          </p:nvPr>
+        </p:nvSpPr>
+        <p:spPr>
+          <a:xfrm>
+            <a:off x="684212" y="4114800"/>
+            <a:ext cx="8535988" cy="1879600"/>
+          </a:xfrm>
+        </p:spPr>
+        <p:txBody>
+          <a:bodyPr anchor="ctr">
+            <a:normAutofit/>
+          </a:bodyPr>
+          <a:lstStyle>
+            <a:lvl1pPr marL="0" indent="0" algn="l">
+              <a:buNone/>
+              <a:defRPr sz="2000">
+                <a:solidFill>
+                  <a:schemeClr val="bg2">
+                    <a:lumMod val="75000"/>
+                  </a:schemeClr>
+                </a:solidFill>
+              </a:defRPr>
+            </a:lvl1pPr>
+            <a:lvl2pPr marL="457200" indent="0">
+              <a:buNone/>
+              <a:defRPr sz="1800">
+                <a:solidFill>
+                  <a:schemeClr val="tx1">
+                    <a:tint val="75000"/>
+                  </a:schemeClr>
+                </a:solidFill>
+              </a:defRPr>
+            </a:lvl2pPr>
+            <a:lvl3pPr marL="914400" indent="0">
+              <a:buNone/>
+              <a:defRPr sz="1600">
+                <a:solidFill>
+                  <a:schemeClr val="tx1">
+                    <a:tint val="75000"/>
+                  </a:schemeClr>
+                </a:solidFill>
+              </a:defRPr>
+            </a:lvl3pPr>
+            <a:lvl4pPr marL="1371600" indent="0">
+              <a:buNone/>
+              <a:defRPr sz="1400">
+                <a:solidFill>
+                  <a:schemeClr val="tx1">
+                    <a:tint val="75000"/>
+                  </a:schemeClr>
+                </a:solidFill>
+              </a:defRPr>
+            </a:lvl4pPr>
+            <a:lvl5pPr marL="1828800" indent="0">
+              <a:buNone/>
+              <a:defRPr sz="1400">
+                <a:solidFill>
+                  <a:schemeClr val="tx1">
+                    <a:tint val="75000"/>
+                  </a:schemeClr>
+                </a:solidFill>
+              </a:defRPr>
+            </a:lvl5pPr>
+            <a:lvl6pPr marL="2286000" indent="0">
+              <a:buNone/>
+              <a:defRPr sz="1400">
+                <a:solidFill>
+                  <a:schemeClr val="tx1">
+                    <a:tint val="75000"/>
+                  </a:schemeClr>
+                </a:solidFill>
+              </a:defRPr>
+            </a:lvl6pPr>
+            <a:lvl7pPr marL="2743200" indent="0">
+              <a:buNone/>
+              <a:defRPr sz="1400">
+                <a:solidFill>
+                  <a:schemeClr val="tx1">
+                    <a:tint val="75000"/>
+                  </a:schemeClr>
+                </a:solidFill>
+              </a:defRPr>
+            </a:lvl7pPr>
+            <a:lvl8pPr marL="3200400" indent="0">
+              <a:buNone/>
+              <a:defRPr sz="1400">
+                <a:solidFill>
+                  <a:schemeClr val="tx1">
+                    <a:tint val="75000"/>
+                  </a:schemeClr>
+                </a:solidFill>
+              </a:defRPr>
+            </a:lvl8pPr>
+            <a:lvl9pPr marL="3657600" indent="0">
+              <a:buNone/>
+              <a:defRPr sz="1400">
+                <a:solidFill>
+                  <a:schemeClr val="tx1">
+                    <a:tint val="75000"/>
+                  </a:schemeClr>
+                </a:solidFill>
+              </a:defRPr>
+            </a:lvl9pPr>
+          </a:lstStyle>
+          <a:p>
+            <a:pPr lvl="0"/>
+            <a:r>
+              <a:rPr lang="zh-CN" altLang="en-US" smtClean="0"/>
+              <a:t>编辑母版文本样式</a:t>
+            </a:r>
+          </a:p>
+        </p:txBody>
+      </p:sp>
+      <p:sp>
+        <p:nvSpPr>
+          <p:cNvPr id="4" name="Date Placeholder 3"/>
+          <p:cNvSpPr>
+            <a:spLocks noGrp="1"/>
+          </p:cNvSpPr>
+          <p:nvPr>
+            <p:ph type="dt" sz="half" idx="10"/>
+          </p:nvPr>
+        </p:nvSpPr>
+        <p:spPr/>
+        <p:txBody>
+          <a:bodyPr/>
+          <a:lstStyle/>
+          <a:p>
+            <a:fld id="{0C16BA23-FD24-4A35-AF8A-49E1AD521C28}" type="datetimeFigureOut">
+              <a:rPr lang="zh-CN" altLang="en-US" smtClean="0"/>
+              <a:t>2017/10/29</a:t>
+            </a:fld>
+            <a:endParaRPr lang="zh-CN" altLang="en-US"/>
+          </a:p>
+        </p:txBody>
+      </p:sp>
+      <p:sp>
+        <p:nvSpPr>
+          <p:cNvPr id="5" name="Footer Placeholder 4"/>
+          <p:cNvSpPr>
+            <a:spLocks noGrp="1"/>
+          </p:cNvSpPr>
+          <p:nvPr>
+            <p:ph type="ftr" sz="quarter" idx="11"/>
+          </p:nvPr>
+        </p:nvSpPr>
+        <p:spPr/>
+        <p:txBody>
+          <a:bodyPr/>
+          <a:lstStyle/>
+          <a:p>
+            <a:endParaRPr lang="zh-CN" altLang="en-US"/>
+          </a:p>
+        </p:txBody>
+      </p:sp>
+      <p:sp>
+        <p:nvSpPr>
+          <p:cNvPr id="6" name="Slide Number Placeholder 5"/>
+          <p:cNvSpPr>
+            <a:spLocks noGrp="1"/>
+          </p:cNvSpPr>
+          <p:nvPr>
+            <p:ph type="sldNum" sz="quarter" idx="12"/>
+          </p:nvPr>
+        </p:nvSpPr>
+        <p:spPr/>
+        <p:txBody>
+          <a:bodyPr/>
+          <a:lstStyle/>
+          <a:p>
+            <a:fld id="{6F1A8388-9405-4831-89BC-648F94A3ED34}" type="slidenum">
+              <a:rPr lang="zh-CN" altLang="en-US" smtClean="0"/>
+              <a:t>‹#›</a:t>
+            </a:fld>
+            <a:endParaRPr lang="zh-CN" altLang="en-US"/>
+          </a:p>
+        </p:txBody>
+      </p:sp>
+    </p:spTree>
+    <p:extLst>
+      <p:ext uri="{BB962C8B-B14F-4D97-AF65-F5344CB8AC3E}">
+        <p14:creationId xmlns:p14="http://schemas.microsoft.com/office/powerpoint/2010/main" val="3476300956"/>
+      </p:ext>
+    </p:extLst>
+  </p:cSld>
+  <p:clrMapOvr>
+    <a:masterClrMapping/>
+  </p:clrMapOvr>
+</p:sldLayout>
+</file>
+
+<file path=ppt/slideLayouts/slideLayout12.xml><?xml version="1.0" encoding="utf-8"?>
+<p:sldLayout xmlns:a="http://schemas.openxmlformats.org/drawingml/2006/main" xmlns:r="http://schemas.openxmlformats.org/officeDocument/2006/relationships" xmlns:p="http://schemas.openxmlformats.org/presentationml/2006/main" preserve="1">
+  <p:cSld name="带描述的引言">
+    <p:spTree>
+      <p:nvGrpSpPr>
+        <p:cNvPr id="1" name=""/>
+        <p:cNvGrpSpPr/>
+        <p:nvPr/>
+      </p:nvGrpSpPr>
+      <p:grpSpPr>
+        <a:xfrm>
+          <a:off x="0" y="0"/>
+          <a:ext cx="0" cy="0"/>
+          <a:chOff x="0" y="0"/>
+          <a:chExt cx="0" cy="0"/>
+        </a:xfrm>
+      </p:grpSpPr>
+      <p:sp>
+        <p:nvSpPr>
+          <p:cNvPr id="2" name="Title 1"/>
+          <p:cNvSpPr>
+            <a:spLocks noGrp="1"/>
+          </p:cNvSpPr>
+          <p:nvPr>
+            <p:ph type="title"/>
+          </p:nvPr>
+        </p:nvSpPr>
+        <p:spPr>
+          <a:xfrm>
+            <a:off x="1141411" y="685800"/>
+            <a:ext cx="9144001" cy="2743200"/>
+          </a:xfrm>
+        </p:spPr>
+        <p:txBody>
+          <a:bodyPr anchor="ctr">
+            <a:normAutofit/>
+          </a:bodyPr>
+          <a:lstStyle>
+            <a:lvl1pPr algn="l">
+              <a:defRPr sz="3200" b="0" cap="all">
+                <a:solidFill>
+                  <a:schemeClr val="tx1"/>
+                </a:solidFill>
+              </a:defRPr>
+            </a:lvl1pPr>
+          </a:lstStyle>
+          <a:p>
+            <a:r>
+              <a:rPr lang="zh-CN" altLang="en-US" smtClean="0"/>
+              <a:t>单击此处编辑母版标题样式</a:t>
+            </a:r>
+            <a:endParaRPr lang="en-US" dirty="0"/>
+          </a:p>
+        </p:txBody>
+      </p:sp>
+      <p:sp>
+        <p:nvSpPr>
+          <p:cNvPr id="10" name="Text Placeholder 9"/>
+          <p:cNvSpPr>
+            <a:spLocks noGrp="1"/>
+          </p:cNvSpPr>
+          <p:nvPr>
+            <p:ph type="body" sz="quarter" idx="13"/>
+          </p:nvPr>
+        </p:nvSpPr>
+        <p:spPr>
+          <a:xfrm>
+            <a:off x="1446212" y="3429000"/>
+            <a:ext cx="8534400" cy="381000"/>
+          </a:xfrm>
+        </p:spPr>
+        <p:txBody>
+          <a:bodyPr anchor="ctr"/>
+          <a:lstStyle>
+            <a:lvl1pPr marL="0" indent="0">
+              <a:buFontTx/>
+              <a:buNone/>
+              <a:defRPr/>
+            </a:lvl1pPr>
+            <a:lvl2pPr marL="457200" indent="0">
+              <a:buFontTx/>
+              <a:buNone/>
+              <a:defRPr/>
+            </a:lvl2pPr>
+            <a:lvl3pPr marL="914400" indent="0">
+              <a:buFontTx/>
+              <a:buNone/>
+              <a:defRPr/>
+            </a:lvl3pPr>
+            <a:lvl4pPr marL="1371600" indent="0">
+              <a:buFontTx/>
+              <a:buNone/>
+              <a:defRPr/>
+            </a:lvl4pPr>
+            <a:lvl5pPr marL="1828800" indent="0">
+              <a:buFontTx/>
+              <a:buNone/>
+              <a:defRPr/>
+            </a:lvl5pPr>
+          </a:lstStyle>
+          <a:p>
+            <a:pPr lvl="0"/>
+            <a:r>
+              <a:rPr lang="zh-CN" altLang="en-US" smtClean="0"/>
+              <a:t>编辑母版文本样式</a:t>
+            </a:r>
+          </a:p>
+        </p:txBody>
+      </p:sp>
+      <p:sp>
+        <p:nvSpPr>
+          <p:cNvPr id="3" name="Text Placeholder 2"/>
+          <p:cNvSpPr>
+            <a:spLocks noGrp="1"/>
+          </p:cNvSpPr>
+          <p:nvPr>
+            <p:ph type="body" idx="1"/>
+          </p:nvPr>
+        </p:nvSpPr>
+        <p:spPr>
+          <a:xfrm>
+            <a:off x="684213" y="4301067"/>
+            <a:ext cx="8534400" cy="1684865"/>
+          </a:xfrm>
+        </p:spPr>
+        <p:txBody>
+          <a:bodyPr anchor="ctr">
+            <a:normAutofit/>
+          </a:bodyPr>
+          <a:lstStyle>
+            <a:lvl1pPr marL="0" indent="0" algn="l">
+              <a:buNone/>
+              <a:defRPr sz="2000">
+                <a:solidFill>
+                  <a:schemeClr val="bg2">
+                    <a:lumMod val="75000"/>
+                  </a:schemeClr>
+                </a:solidFill>
+              </a:defRPr>
+            </a:lvl1pPr>
+            <a:lvl2pPr marL="457200" indent="0">
+              <a:buNone/>
+              <a:defRPr sz="1800">
+                <a:solidFill>
+                  <a:schemeClr val="tx1">
+                    <a:tint val="75000"/>
+                  </a:schemeClr>
+                </a:solidFill>
+              </a:defRPr>
+            </a:lvl2pPr>
+            <a:lvl3pPr marL="914400" indent="0">
+              <a:buNone/>
+              <a:defRPr sz="1600">
+                <a:solidFill>
+                  <a:schemeClr val="tx1">
+                    <a:tint val="75000"/>
+                  </a:schemeClr>
+                </a:solidFill>
+              </a:defRPr>
+            </a:lvl3pPr>
+            <a:lvl4pPr marL="1371600" indent="0">
+              <a:buNone/>
+              <a:defRPr sz="1400">
+                <a:solidFill>
+                  <a:schemeClr val="tx1">
+                    <a:tint val="75000"/>
+                  </a:schemeClr>
+                </a:solidFill>
+              </a:defRPr>
+            </a:lvl4pPr>
+            <a:lvl5pPr marL="1828800" indent="0">
+              <a:buNone/>
+              <a:defRPr sz="1400">
+                <a:solidFill>
+                  <a:schemeClr val="tx1">
+                    <a:tint val="75000"/>
+                  </a:schemeClr>
+                </a:solidFill>
+              </a:defRPr>
+            </a:lvl5pPr>
+            <a:lvl6pPr marL="2286000" indent="0">
+              <a:buNone/>
+              <a:defRPr sz="1400">
+                <a:solidFill>
+                  <a:schemeClr val="tx1">
+                    <a:tint val="75000"/>
+                  </a:schemeClr>
+                </a:solidFill>
+              </a:defRPr>
+            </a:lvl6pPr>
+            <a:lvl7pPr marL="2743200" indent="0">
+              <a:buNone/>
+              <a:defRPr sz="1400">
+                <a:solidFill>
+                  <a:schemeClr val="tx1">
+                    <a:tint val="75000"/>
+                  </a:schemeClr>
+                </a:solidFill>
+              </a:defRPr>
+            </a:lvl7pPr>
+            <a:lvl8pPr marL="3200400" indent="0">
+              <a:buNone/>
+              <a:defRPr sz="1400">
+                <a:solidFill>
+                  <a:schemeClr val="tx1">
+                    <a:tint val="75000"/>
+                  </a:schemeClr>
+                </a:solidFill>
+              </a:defRPr>
+            </a:lvl8pPr>
+            <a:lvl9pPr marL="3657600" indent="0">
+              <a:buNone/>
+              <a:defRPr sz="1400">
+                <a:solidFill>
+                  <a:schemeClr val="tx1">
+                    <a:tint val="75000"/>
+                  </a:schemeClr>
+                </a:solidFill>
+              </a:defRPr>
+            </a:lvl9pPr>
+          </a:lstStyle>
+          <a:p>
+            <a:pPr lvl="0"/>
+            <a:r>
+              <a:rPr lang="zh-CN" altLang="en-US" smtClean="0"/>
+              <a:t>编辑母版文本样式</a:t>
+            </a:r>
+          </a:p>
+        </p:txBody>
+      </p:sp>
+      <p:sp>
+        <p:nvSpPr>
+          <p:cNvPr id="4" name="Date Placeholder 3"/>
+          <p:cNvSpPr>
+            <a:spLocks noGrp="1"/>
+          </p:cNvSpPr>
+          <p:nvPr>
+            <p:ph type="dt" sz="half" idx="10"/>
+          </p:nvPr>
+        </p:nvSpPr>
+        <p:spPr/>
+        <p:txBody>
+          <a:bodyPr/>
+          <a:lstStyle/>
+          <a:p>
+            <a:fld id="{0C16BA23-FD24-4A35-AF8A-49E1AD521C28}" type="datetimeFigureOut">
+              <a:rPr lang="zh-CN" altLang="en-US" smtClean="0"/>
+              <a:t>2017/10/29</a:t>
+            </a:fld>
+            <a:endParaRPr lang="zh-CN" altLang="en-US"/>
+          </a:p>
+        </p:txBody>
+      </p:sp>
+      <p:sp>
+        <p:nvSpPr>
+          <p:cNvPr id="5" name="Footer Placeholder 4"/>
+          <p:cNvSpPr>
+            <a:spLocks noGrp="1"/>
+          </p:cNvSpPr>
+          <p:nvPr>
+            <p:ph type="ftr" sz="quarter" idx="11"/>
+          </p:nvPr>
+        </p:nvSpPr>
+        <p:spPr/>
+        <p:txBody>
+          <a:bodyPr/>
+          <a:lstStyle/>
+          <a:p>
+            <a:endParaRPr lang="zh-CN" altLang="en-US"/>
+          </a:p>
+        </p:txBody>
+      </p:sp>
+      <p:sp>
+        <p:nvSpPr>
+          <p:cNvPr id="6" name="Slide Number Placeholder 5"/>
+          <p:cNvSpPr>
+            <a:spLocks noGrp="1"/>
+          </p:cNvSpPr>
+          <p:nvPr>
+            <p:ph type="sldNum" sz="quarter" idx="12"/>
+          </p:nvPr>
+        </p:nvSpPr>
+        <p:spPr/>
+        <p:txBody>
+          <a:bodyPr/>
+          <a:lstStyle/>
+          <a:p>
+            <a:fld id="{6F1A8388-9405-4831-89BC-648F94A3ED34}" type="slidenum">
+              <a:rPr lang="zh-CN" altLang="en-US" smtClean="0"/>
+              <a:t>‹#›</a:t>
+            </a:fld>
+            <a:endParaRPr lang="zh-CN" altLang="en-US"/>
+          </a:p>
+        </p:txBody>
+      </p:sp>
+      <p:sp>
+        <p:nvSpPr>
+          <p:cNvPr id="14" name="TextBox 13"/>
+          <p:cNvSpPr txBox="1"/>
+          <p:nvPr/>
+        </p:nvSpPr>
+        <p:spPr>
+          <a:xfrm>
+            <a:off x="531812" y="812222"/>
+            <a:ext cx="609600" cy="584776"/>
+          </a:xfrm>
+          <a:prstGeom prst="rect">
+            <a:avLst/>
+          </a:prstGeom>
+        </p:spPr>
+        <p:txBody>
+          <a:bodyPr vert="horz" lIns="91440" tIns="45720" rIns="91440" bIns="45720" rtlCol="0" anchor="ctr">
+            <a:noAutofit/>
+          </a:bodyPr>
+          <a:lstStyle/>
+          <a:p>
+            <a:pPr lvl="0"/>
+            <a:r>
+              <a:rPr lang="en-US" sz="8000" dirty="0">
+                <a:solidFill>
+                  <a:schemeClr val="tx1"/>
+                </a:solidFill>
+                <a:effectLst/>
+              </a:rPr>
+              <a:t>“</a:t>
+            </a:r>
+          </a:p>
+        </p:txBody>
+      </p:sp>
+      <p:sp>
+        <p:nvSpPr>
+          <p:cNvPr id="15" name="TextBox 14"/>
+          <p:cNvSpPr txBox="1"/>
+          <p:nvPr/>
+        </p:nvSpPr>
+        <p:spPr>
+          <a:xfrm>
+            <a:off x="10285412" y="2768601"/>
+            <a:ext cx="609600" cy="584776"/>
+          </a:xfrm>
+          <a:prstGeom prst="rect">
+            <a:avLst/>
+          </a:prstGeom>
+        </p:spPr>
+        <p:txBody>
+          <a:bodyPr vert="horz" lIns="91440" tIns="45720" rIns="91440" bIns="45720" rtlCol="0" anchor="ctr">
+            <a:noAutofit/>
+          </a:bodyPr>
+          <a:lstStyle/>
+          <a:p>
+            <a:pPr lvl="0" algn="r"/>
+            <a:r>
+              <a:rPr lang="en-US" sz="8000" dirty="0">
+                <a:solidFill>
+                  <a:schemeClr val="tx1"/>
+                </a:solidFill>
+                <a:effectLst/>
+              </a:rPr>
+              <a:t>”</a:t>
+            </a:r>
+          </a:p>
+        </p:txBody>
+      </p:sp>
+    </p:spTree>
+    <p:extLst>
+      <p:ext uri="{BB962C8B-B14F-4D97-AF65-F5344CB8AC3E}">
+        <p14:creationId xmlns:p14="http://schemas.microsoft.com/office/powerpoint/2010/main" val="1051918485"/>
+      </p:ext>
+    </p:extLst>
+  </p:cSld>
+  <p:clrMapOvr>
+    <a:masterClrMapping/>
+  </p:clrMapOvr>
+</p:sldLayout>
+</file>
+
+<file path=ppt/slideLayouts/slideLayout13.xml><?xml version="1.0" encoding="utf-8"?>
+<p:sldLayout xmlns:a="http://schemas.openxmlformats.org/drawingml/2006/main" xmlns:r="http://schemas.openxmlformats.org/officeDocument/2006/relationships" xmlns:p="http://schemas.openxmlformats.org/presentationml/2006/main" preserve="1">
+  <p:cSld name="名片">
+    <p:spTree>
+      <p:nvGrpSpPr>
+        <p:cNvPr id="1" name=""/>
+        <p:cNvGrpSpPr/>
+        <p:nvPr/>
+      </p:nvGrpSpPr>
+      <p:grpSpPr>
+        <a:xfrm>
+          <a:off x="0" y="0"/>
+          <a:ext cx="0" cy="0"/>
+          <a:chOff x="0" y="0"/>
+          <a:chExt cx="0" cy="0"/>
+        </a:xfrm>
+      </p:grpSpPr>
+      <p:sp>
+        <p:nvSpPr>
+          <p:cNvPr id="2" name="Title 1"/>
+          <p:cNvSpPr>
+            <a:spLocks noGrp="1"/>
+          </p:cNvSpPr>
+          <p:nvPr>
+            <p:ph type="title"/>
+          </p:nvPr>
+        </p:nvSpPr>
+        <p:spPr>
+          <a:xfrm>
+            <a:off x="684212" y="3429000"/>
+            <a:ext cx="8534400" cy="1697400"/>
+          </a:xfrm>
+        </p:spPr>
+        <p:txBody>
+          <a:bodyPr anchor="b">
+            <a:normAutofit/>
+          </a:bodyPr>
+          <a:lstStyle>
+            <a:lvl1pPr algn="l">
+              <a:defRPr sz="3200" b="0" cap="all"/>
+            </a:lvl1pPr>
+          </a:lstStyle>
+          <a:p>
+            <a:r>
+              <a:rPr lang="zh-CN" altLang="en-US" smtClean="0"/>
+              <a:t>单击此处编辑母版标题样式</a:t>
+            </a:r>
+            <a:endParaRPr lang="en-US" dirty="0"/>
+          </a:p>
+        </p:txBody>
+      </p:sp>
+      <p:sp>
+        <p:nvSpPr>
+          <p:cNvPr id="3" name="Text Placeholder 2"/>
+          <p:cNvSpPr>
+            <a:spLocks noGrp="1"/>
+          </p:cNvSpPr>
+          <p:nvPr>
+            <p:ph type="body" idx="1"/>
+          </p:nvPr>
+        </p:nvSpPr>
+        <p:spPr>
+          <a:xfrm>
+            <a:off x="684211" y="5132981"/>
+            <a:ext cx="8535990" cy="860400"/>
+          </a:xfrm>
+        </p:spPr>
+        <p:txBody>
+          <a:bodyPr anchor="t">
+            <a:normAutofit/>
+          </a:bodyPr>
+          <a:lstStyle>
+            <a:lvl1pPr marL="0" indent="0" algn="l">
+              <a:buNone/>
+              <a:defRPr sz="2000">
+                <a:solidFill>
+                  <a:schemeClr val="bg2">
+                    <a:lumMod val="75000"/>
+                  </a:schemeClr>
+                </a:solidFill>
+              </a:defRPr>
+            </a:lvl1pPr>
+            <a:lvl2pPr marL="457200" indent="0">
+              <a:buNone/>
+              <a:defRPr sz="1800">
+                <a:solidFill>
+                  <a:schemeClr val="tx1">
+                    <a:tint val="75000"/>
+                  </a:schemeClr>
+                </a:solidFill>
+              </a:defRPr>
+            </a:lvl2pPr>
+            <a:lvl3pPr marL="914400" indent="0">
+              <a:buNone/>
+              <a:defRPr sz="1600">
+                <a:solidFill>
+                  <a:schemeClr val="tx1">
+                    <a:tint val="75000"/>
+                  </a:schemeClr>
+                </a:solidFill>
+              </a:defRPr>
+            </a:lvl3pPr>
+            <a:lvl4pPr marL="1371600" indent="0">
+              <a:buNone/>
+              <a:defRPr sz="1400">
+                <a:solidFill>
+                  <a:schemeClr val="tx1">
+                    <a:tint val="75000"/>
+                  </a:schemeClr>
+                </a:solidFill>
+              </a:defRPr>
+            </a:lvl4pPr>
+            <a:lvl5pPr marL="1828800" indent="0">
+              <a:buNone/>
+              <a:defRPr sz="1400">
+                <a:solidFill>
+                  <a:schemeClr val="tx1">
+                    <a:tint val="75000"/>
+                  </a:schemeClr>
+                </a:solidFill>
+              </a:defRPr>
+            </a:lvl5pPr>
+            <a:lvl6pPr marL="2286000" indent="0">
+              <a:buNone/>
+              <a:defRPr sz="1400">
+                <a:solidFill>
+                  <a:schemeClr val="tx1">
+                    <a:tint val="75000"/>
+                  </a:schemeClr>
+                </a:solidFill>
+              </a:defRPr>
+            </a:lvl6pPr>
+            <a:lvl7pPr marL="2743200" indent="0">
+              <a:buNone/>
+              <a:defRPr sz="1400">
+                <a:solidFill>
+                  <a:schemeClr val="tx1">
+                    <a:tint val="75000"/>
+                  </a:schemeClr>
+                </a:solidFill>
+              </a:defRPr>
+            </a:lvl7pPr>
+            <a:lvl8pPr marL="3200400" indent="0">
+              <a:buNone/>
+              <a:defRPr sz="1400">
+                <a:solidFill>
+                  <a:schemeClr val="tx1">
+                    <a:tint val="75000"/>
+                  </a:schemeClr>
+                </a:solidFill>
+              </a:defRPr>
+            </a:lvl8pPr>
+            <a:lvl9pPr marL="3657600" indent="0">
+              <a:buNone/>
+              <a:defRPr sz="1400">
+                <a:solidFill>
+                  <a:schemeClr val="tx1">
+                    <a:tint val="75000"/>
+                  </a:schemeClr>
+                </a:solidFill>
+              </a:defRPr>
+            </a:lvl9pPr>
+          </a:lstStyle>
+          <a:p>
+            <a:pPr lvl="0"/>
+            <a:r>
+              <a:rPr lang="zh-CN" altLang="en-US" smtClean="0"/>
+              <a:t>编辑母版文本样式</a:t>
+            </a:r>
+          </a:p>
+        </p:txBody>
+      </p:sp>
+      <p:sp>
+        <p:nvSpPr>
+          <p:cNvPr id="4" name="Date Placeholder 3"/>
+          <p:cNvSpPr>
+            <a:spLocks noGrp="1"/>
+          </p:cNvSpPr>
+          <p:nvPr>
+            <p:ph type="dt" sz="half" idx="10"/>
+          </p:nvPr>
+        </p:nvSpPr>
+        <p:spPr/>
+        <p:txBody>
+          <a:bodyPr/>
+          <a:lstStyle/>
+          <a:p>
+            <a:fld id="{0C16BA23-FD24-4A35-AF8A-49E1AD521C28}" type="datetimeFigureOut">
+              <a:rPr lang="zh-CN" altLang="en-US" smtClean="0"/>
+              <a:t>2017/10/29</a:t>
+            </a:fld>
+            <a:endParaRPr lang="zh-CN" altLang="en-US"/>
+          </a:p>
+        </p:txBody>
+      </p:sp>
+      <p:sp>
+        <p:nvSpPr>
+          <p:cNvPr id="5" name="Footer Placeholder 4"/>
+          <p:cNvSpPr>
+            <a:spLocks noGrp="1"/>
+          </p:cNvSpPr>
+          <p:nvPr>
+            <p:ph type="ftr" sz="quarter" idx="11"/>
+          </p:nvPr>
+        </p:nvSpPr>
+        <p:spPr/>
+        <p:txBody>
+          <a:bodyPr/>
+          <a:lstStyle/>
+          <a:p>
+            <a:endParaRPr lang="zh-CN" altLang="en-US"/>
+          </a:p>
+        </p:txBody>
+      </p:sp>
+      <p:sp>
+        <p:nvSpPr>
+          <p:cNvPr id="6" name="Slide Number Placeholder 5"/>
+          <p:cNvSpPr>
+            <a:spLocks noGrp="1"/>
+          </p:cNvSpPr>
+          <p:nvPr>
+            <p:ph type="sldNum" sz="quarter" idx="12"/>
+          </p:nvPr>
+        </p:nvSpPr>
+        <p:spPr/>
+        <p:txBody>
+          <a:bodyPr/>
+          <a:lstStyle/>
+          <a:p>
+            <a:fld id="{6F1A8388-9405-4831-89BC-648F94A3ED34}" type="slidenum">
+              <a:rPr lang="zh-CN" altLang="en-US" smtClean="0"/>
+              <a:t>‹#›</a:t>
+            </a:fld>
+            <a:endParaRPr lang="zh-CN" altLang="en-US"/>
+          </a:p>
+        </p:txBody>
+      </p:sp>
+    </p:spTree>
+    <p:extLst>
+      <p:ext uri="{BB962C8B-B14F-4D97-AF65-F5344CB8AC3E}">
+        <p14:creationId xmlns:p14="http://schemas.microsoft.com/office/powerpoint/2010/main" val="151965436"/>
+      </p:ext>
+    </p:extLst>
+  </p:cSld>
+  <p:clrMapOvr>
+    <a:masterClrMapping/>
+  </p:clrMapOvr>
+</p:sldLayout>
+</file>
+
+<file path=ppt/slideLayouts/slideLayout14.xml><?xml version="1.0" encoding="utf-8"?>
+<p:sldLayout xmlns:a="http://schemas.openxmlformats.org/drawingml/2006/main" xmlns:r="http://schemas.openxmlformats.org/officeDocument/2006/relationships" xmlns:p="http://schemas.openxmlformats.org/presentationml/2006/main" preserve="1">
+  <p:cSld name="引言名片">
+    <p:spTree>
+      <p:nvGrpSpPr>
+        <p:cNvPr id="1" name=""/>
+        <p:cNvGrpSpPr/>
+        <p:nvPr/>
+      </p:nvGrpSpPr>
+      <p:grpSpPr>
+        <a:xfrm>
+          <a:off x="0" y="0"/>
+          <a:ext cx="0" cy="0"/>
+          <a:chOff x="0" y="0"/>
+          <a:chExt cx="0" cy="0"/>
+        </a:xfrm>
+      </p:grpSpPr>
+      <p:sp>
+        <p:nvSpPr>
+          <p:cNvPr id="2" name="Title 1"/>
+          <p:cNvSpPr>
+            <a:spLocks noGrp="1"/>
+          </p:cNvSpPr>
+          <p:nvPr>
+            <p:ph type="title"/>
+          </p:nvPr>
+        </p:nvSpPr>
+        <p:spPr>
+          <a:xfrm>
+            <a:off x="1141413" y="685800"/>
+            <a:ext cx="9144000" cy="2743200"/>
+          </a:xfrm>
+        </p:spPr>
+        <p:txBody>
+          <a:bodyPr anchor="ctr">
+            <a:normAutofit/>
+          </a:bodyPr>
+          <a:lstStyle>
+            <a:lvl1pPr algn="l">
+              <a:defRPr sz="3200" b="0" cap="all">
+                <a:solidFill>
+                  <a:schemeClr val="tx1"/>
+                </a:solidFill>
+              </a:defRPr>
+            </a:lvl1pPr>
+          </a:lstStyle>
+          <a:p>
+            <a:r>
+              <a:rPr lang="zh-CN" altLang="en-US" smtClean="0"/>
+              <a:t>单击此处编辑母版标题样式</a:t>
+            </a:r>
+            <a:endParaRPr lang="en-US" dirty="0"/>
+          </a:p>
+        </p:txBody>
+      </p:sp>
+      <p:sp>
+        <p:nvSpPr>
+          <p:cNvPr id="10" name="Text Placeholder 9"/>
+          <p:cNvSpPr>
+            <a:spLocks noGrp="1"/>
+          </p:cNvSpPr>
+          <p:nvPr>
+            <p:ph type="body" sz="quarter" idx="13"/>
+          </p:nvPr>
+        </p:nvSpPr>
+        <p:spPr>
+          <a:xfrm>
+            <a:off x="684212" y="3928534"/>
+            <a:ext cx="8534401" cy="1049866"/>
+          </a:xfrm>
+        </p:spPr>
+        <p:txBody>
+          <a:bodyPr vert="horz" lIns="91440" tIns="45720" rIns="91440" bIns="45720" rtlCol="0" anchor="b">
+            <a:normAutofit/>
+          </a:bodyPr>
+          <a:lstStyle>
+            <a:lvl1pPr>
+              <a:buNone/>
+              <a:defRPr lang="en-US" sz="2400" b="0" cap="all" dirty="0">
+                <a:ln w="3175" cmpd="sng">
+                  <a:noFill/>
+                </a:ln>
+                <a:solidFill>
+                  <a:schemeClr val="tx1"/>
+                </a:solidFill>
+                <a:effectLst/>
+              </a:defRPr>
+            </a:lvl1pPr>
+          </a:lstStyle>
+          <a:p>
+            <a:pPr marL="0" lvl="0">
+              <a:spcBef>
+                <a:spcPct val="0"/>
+              </a:spcBef>
+              <a:buNone/>
+            </a:pPr>
+            <a:r>
+              <a:rPr lang="zh-CN" altLang="en-US" smtClean="0"/>
+              <a:t>编辑母版文本样式</a:t>
+            </a:r>
+          </a:p>
+        </p:txBody>
+      </p:sp>
+      <p:sp>
+        <p:nvSpPr>
+          <p:cNvPr id="3" name="Text Placeholder 2"/>
+          <p:cNvSpPr>
+            <a:spLocks noGrp="1"/>
+          </p:cNvSpPr>
+          <p:nvPr>
+            <p:ph type="body" idx="1"/>
+          </p:nvPr>
+        </p:nvSpPr>
+        <p:spPr>
+          <a:xfrm>
+            <a:off x="684211" y="4978400"/>
+            <a:ext cx="8534401" cy="1016000"/>
+          </a:xfrm>
+        </p:spPr>
+        <p:txBody>
+          <a:bodyPr anchor="t">
+            <a:normAutofit/>
+          </a:bodyPr>
+          <a:lstStyle>
+            <a:lvl1pPr marL="0" indent="0" algn="l">
+              <a:buNone/>
+              <a:defRPr sz="1800">
+                <a:solidFill>
+                  <a:schemeClr val="bg2">
+                    <a:lumMod val="75000"/>
+                  </a:schemeClr>
+                </a:solidFill>
+              </a:defRPr>
+            </a:lvl1pPr>
+            <a:lvl2pPr marL="457200" indent="0">
+              <a:buNone/>
+              <a:defRPr sz="1800">
+                <a:solidFill>
+                  <a:schemeClr val="tx1">
+                    <a:tint val="75000"/>
+                  </a:schemeClr>
+                </a:solidFill>
+              </a:defRPr>
+            </a:lvl2pPr>
+            <a:lvl3pPr marL="914400" indent="0">
+              <a:buNone/>
+              <a:defRPr sz="1600">
+                <a:solidFill>
+                  <a:schemeClr val="tx1">
+                    <a:tint val="75000"/>
+                  </a:schemeClr>
+                </a:solidFill>
+              </a:defRPr>
+            </a:lvl3pPr>
+            <a:lvl4pPr marL="1371600" indent="0">
+              <a:buNone/>
+              <a:defRPr sz="1400">
+                <a:solidFill>
+                  <a:schemeClr val="tx1">
+                    <a:tint val="75000"/>
+                  </a:schemeClr>
+                </a:solidFill>
+              </a:defRPr>
+            </a:lvl4pPr>
+            <a:lvl5pPr marL="1828800" indent="0">
+              <a:buNone/>
+              <a:defRPr sz="1400">
+                <a:solidFill>
+                  <a:schemeClr val="tx1">
+                    <a:tint val="75000"/>
+                  </a:schemeClr>
+                </a:solidFill>
+              </a:defRPr>
+            </a:lvl5pPr>
+            <a:lvl6pPr marL="2286000" indent="0">
+              <a:buNone/>
+              <a:defRPr sz="1400">
+                <a:solidFill>
+                  <a:schemeClr val="tx1">
+                    <a:tint val="75000"/>
+                  </a:schemeClr>
+                </a:solidFill>
+              </a:defRPr>
+            </a:lvl6pPr>
+            <a:lvl7pPr marL="2743200" indent="0">
+              <a:buNone/>
+              <a:defRPr sz="1400">
+                <a:solidFill>
+                  <a:schemeClr val="tx1">
+                    <a:tint val="75000"/>
+                  </a:schemeClr>
+                </a:solidFill>
+              </a:defRPr>
+            </a:lvl7pPr>
+            <a:lvl8pPr marL="3200400" indent="0">
+              <a:buNone/>
+              <a:defRPr sz="1400">
+                <a:solidFill>
+                  <a:schemeClr val="tx1">
+                    <a:tint val="75000"/>
+                  </a:schemeClr>
+                </a:solidFill>
+              </a:defRPr>
+            </a:lvl8pPr>
+            <a:lvl9pPr marL="3657600" indent="0">
+              <a:buNone/>
+              <a:defRPr sz="1400">
+                <a:solidFill>
+                  <a:schemeClr val="tx1">
+                    <a:tint val="75000"/>
+                  </a:schemeClr>
+                </a:solidFill>
+              </a:defRPr>
+            </a:lvl9pPr>
+          </a:lstStyle>
+          <a:p>
+            <a:pPr lvl="0"/>
+            <a:r>
+              <a:rPr lang="zh-CN" altLang="en-US" smtClean="0"/>
+              <a:t>编辑母版文本样式</a:t>
+            </a:r>
+          </a:p>
+        </p:txBody>
+      </p:sp>
+      <p:sp>
+        <p:nvSpPr>
+          <p:cNvPr id="4" name="Date Placeholder 3"/>
+          <p:cNvSpPr>
+            <a:spLocks noGrp="1"/>
+          </p:cNvSpPr>
+          <p:nvPr>
+            <p:ph type="dt" sz="half" idx="10"/>
+          </p:nvPr>
+        </p:nvSpPr>
+        <p:spPr/>
+        <p:txBody>
+          <a:bodyPr/>
+          <a:lstStyle/>
+          <a:p>
+            <a:fld id="{0C16BA23-FD24-4A35-AF8A-49E1AD521C28}" type="datetimeFigureOut">
+              <a:rPr lang="zh-CN" altLang="en-US" smtClean="0"/>
+              <a:t>2017/10/29</a:t>
+            </a:fld>
+            <a:endParaRPr lang="zh-CN" altLang="en-US"/>
+          </a:p>
+        </p:txBody>
+      </p:sp>
+      <p:sp>
+        <p:nvSpPr>
+          <p:cNvPr id="5" name="Footer Placeholder 4"/>
+          <p:cNvSpPr>
+            <a:spLocks noGrp="1"/>
+          </p:cNvSpPr>
+          <p:nvPr>
+            <p:ph type="ftr" sz="quarter" idx="11"/>
+          </p:nvPr>
+        </p:nvSpPr>
+        <p:spPr/>
+        <p:txBody>
+          <a:bodyPr/>
+          <a:lstStyle/>
+          <a:p>
+            <a:endParaRPr lang="zh-CN" altLang="en-US"/>
+          </a:p>
+        </p:txBody>
+      </p:sp>
+      <p:sp>
+        <p:nvSpPr>
+          <p:cNvPr id="6" name="Slide Number Placeholder 5"/>
+          <p:cNvSpPr>
+            <a:spLocks noGrp="1"/>
+          </p:cNvSpPr>
+          <p:nvPr>
+            <p:ph type="sldNum" sz="quarter" idx="12"/>
+          </p:nvPr>
+        </p:nvSpPr>
+        <p:spPr/>
+        <p:txBody>
+          <a:bodyPr/>
+          <a:lstStyle/>
+          <a:p>
+            <a:fld id="{6F1A8388-9405-4831-89BC-648F94A3ED34}" type="slidenum">
+              <a:rPr lang="zh-CN" altLang="en-US" smtClean="0"/>
+              <a:t>‹#›</a:t>
+            </a:fld>
+            <a:endParaRPr lang="zh-CN" altLang="en-US"/>
+          </a:p>
+        </p:txBody>
+      </p:sp>
+      <p:sp>
+        <p:nvSpPr>
+          <p:cNvPr id="11" name="TextBox 10"/>
+          <p:cNvSpPr txBox="1"/>
+          <p:nvPr/>
+        </p:nvSpPr>
+        <p:spPr>
+          <a:xfrm>
+            <a:off x="531812" y="812222"/>
+            <a:ext cx="609600" cy="584776"/>
+          </a:xfrm>
+          <a:prstGeom prst="rect">
+            <a:avLst/>
+          </a:prstGeom>
+        </p:spPr>
+        <p:txBody>
+          <a:bodyPr vert="horz" lIns="91440" tIns="45720" rIns="91440" bIns="45720" rtlCol="0" anchor="ctr">
+            <a:noAutofit/>
+          </a:bodyPr>
+          <a:lstStyle/>
+          <a:p>
+            <a:pPr lvl="0"/>
+            <a:r>
+              <a:rPr lang="en-US" sz="8000" dirty="0">
+                <a:solidFill>
+                  <a:schemeClr val="tx1"/>
+                </a:solidFill>
+                <a:effectLst/>
+              </a:rPr>
+              <a:t>“</a:t>
+            </a:r>
+          </a:p>
+        </p:txBody>
+      </p:sp>
+      <p:sp>
+        <p:nvSpPr>
+          <p:cNvPr id="12" name="TextBox 11"/>
+          <p:cNvSpPr txBox="1"/>
+          <p:nvPr/>
+        </p:nvSpPr>
+        <p:spPr>
+          <a:xfrm>
+            <a:off x="10285412" y="2768601"/>
+            <a:ext cx="609600" cy="584776"/>
+          </a:xfrm>
+          <a:prstGeom prst="rect">
+            <a:avLst/>
+          </a:prstGeom>
+        </p:spPr>
+        <p:txBody>
+          <a:bodyPr vert="horz" lIns="91440" tIns="45720" rIns="91440" bIns="45720" rtlCol="0" anchor="ctr">
+            <a:noAutofit/>
+          </a:bodyPr>
+          <a:lstStyle/>
+          <a:p>
+            <a:pPr lvl="0" algn="r"/>
+            <a:r>
+              <a:rPr lang="en-US" sz="8000" dirty="0">
+                <a:solidFill>
+                  <a:schemeClr val="tx1"/>
+                </a:solidFill>
+                <a:effectLst/>
+              </a:rPr>
+              <a:t>”</a:t>
+            </a:r>
+          </a:p>
+        </p:txBody>
+      </p:sp>
+    </p:spTree>
+    <p:extLst>
+      <p:ext uri="{BB962C8B-B14F-4D97-AF65-F5344CB8AC3E}">
+        <p14:creationId xmlns:p14="http://schemas.microsoft.com/office/powerpoint/2010/main" val="112122976"/>
+      </p:ext>
+    </p:extLst>
+  </p:cSld>
+  <p:clrMapOvr>
+    <a:masterClrMapping/>
+  </p:clrMapOvr>
+</p:sldLayout>
+</file>
+
+<file path=ppt/slideLayouts/slideLayout15.xml><?xml version="1.0" encoding="utf-8"?>
+<p:sldLayout xmlns:a="http://schemas.openxmlformats.org/drawingml/2006/main" xmlns:r="http://schemas.openxmlformats.org/officeDocument/2006/relationships" xmlns:p="http://schemas.openxmlformats.org/presentationml/2006/main" preserve="1">
+  <p:cSld name="真或假">
+    <p:spTree>
+      <p:nvGrpSpPr>
+        <p:cNvPr id="1" name=""/>
+        <p:cNvGrpSpPr/>
+        <p:nvPr/>
+      </p:nvGrpSpPr>
+      <p:grpSpPr>
+        <a:xfrm>
+          <a:off x="0" y="0"/>
+          <a:ext cx="0" cy="0"/>
+          <a:chOff x="0" y="0"/>
+          <a:chExt cx="0" cy="0"/>
+        </a:xfrm>
+      </p:grpSpPr>
+      <p:sp>
+        <p:nvSpPr>
+          <p:cNvPr id="2" name="Title 1"/>
+          <p:cNvSpPr>
+            <a:spLocks noGrp="1"/>
+          </p:cNvSpPr>
+          <p:nvPr>
+            <p:ph type="title"/>
+          </p:nvPr>
+        </p:nvSpPr>
+        <p:spPr>
+          <a:xfrm>
+            <a:off x="684213" y="685800"/>
+            <a:ext cx="10058400" cy="2743200"/>
+          </a:xfrm>
+        </p:spPr>
+        <p:txBody>
+          <a:bodyPr vert="horz" lIns="91440" tIns="45720" rIns="91440" bIns="45720" rtlCol="0" anchor="ctr">
+            <a:normAutofit/>
+          </a:bodyPr>
+          <a:lstStyle>
+            <a:lvl1pPr>
+              <a:defRPr lang="en-US" b="0" dirty="0"/>
+            </a:lvl1pPr>
+          </a:lstStyle>
+          <a:p>
+            <a:pPr marL="0" lvl="0"/>
+            <a:r>
+              <a:rPr lang="zh-CN" altLang="en-US" smtClean="0"/>
+              <a:t>单击此处编辑母版标题样式</a:t>
+            </a:r>
+            <a:endParaRPr lang="en-US" dirty="0"/>
+          </a:p>
+        </p:txBody>
+      </p:sp>
+      <p:sp>
+        <p:nvSpPr>
+          <p:cNvPr id="10" name="Text Placeholder 9"/>
+          <p:cNvSpPr>
+            <a:spLocks noGrp="1"/>
+          </p:cNvSpPr>
+          <p:nvPr>
+            <p:ph type="body" sz="quarter" idx="13"/>
+          </p:nvPr>
+        </p:nvSpPr>
+        <p:spPr>
+          <a:xfrm>
+            <a:off x="684212" y="3928534"/>
+            <a:ext cx="8534400" cy="838200"/>
+          </a:xfrm>
+        </p:spPr>
+        <p:txBody>
+          <a:bodyPr vert="horz" lIns="91440" tIns="45720" rIns="91440" bIns="45720" rtlCol="0" anchor="b">
+            <a:normAutofit/>
+          </a:bodyPr>
+          <a:lstStyle>
+            <a:lvl1pPr>
+              <a:buNone/>
+              <a:defRPr lang="en-US" sz="2400" b="0" cap="all" dirty="0">
+                <a:ln w="3175" cmpd="sng">
+                  <a:noFill/>
+                </a:ln>
+                <a:solidFill>
+                  <a:schemeClr val="tx1"/>
+                </a:solidFill>
+                <a:effectLst/>
+              </a:defRPr>
+            </a:lvl1pPr>
+          </a:lstStyle>
+          <a:p>
+            <a:pPr marL="0" lvl="0">
+              <a:spcBef>
+                <a:spcPct val="0"/>
+              </a:spcBef>
+              <a:buNone/>
+            </a:pPr>
+            <a:r>
+              <a:rPr lang="zh-CN" altLang="en-US" smtClean="0"/>
+              <a:t>编辑母版文本样式</a:t>
+            </a:r>
+          </a:p>
+        </p:txBody>
+      </p:sp>
+      <p:sp>
+        <p:nvSpPr>
+          <p:cNvPr id="3" name="Text Placeholder 2"/>
+          <p:cNvSpPr>
+            <a:spLocks noGrp="1"/>
+          </p:cNvSpPr>
+          <p:nvPr>
+            <p:ph type="body" idx="1"/>
+          </p:nvPr>
+        </p:nvSpPr>
+        <p:spPr>
+          <a:xfrm>
+            <a:off x="684211" y="4766732"/>
+            <a:ext cx="8534401" cy="1227667"/>
+          </a:xfrm>
+        </p:spPr>
+        <p:txBody>
+          <a:bodyPr anchor="t">
+            <a:normAutofit/>
+          </a:bodyPr>
+          <a:lstStyle>
+            <a:lvl1pPr marL="0" indent="0" algn="l">
+              <a:buNone/>
+              <a:defRPr sz="1800">
+                <a:solidFill>
+                  <a:schemeClr val="bg2">
+                    <a:lumMod val="75000"/>
+                  </a:schemeClr>
+                </a:solidFill>
+              </a:defRPr>
+            </a:lvl1pPr>
+            <a:lvl2pPr marL="457200" indent="0">
+              <a:buNone/>
+              <a:defRPr sz="1800">
+                <a:solidFill>
+                  <a:schemeClr val="tx1">
+                    <a:tint val="75000"/>
+                  </a:schemeClr>
+                </a:solidFill>
+              </a:defRPr>
+            </a:lvl2pPr>
+            <a:lvl3pPr marL="914400" indent="0">
+              <a:buNone/>
+              <a:defRPr sz="1600">
+                <a:solidFill>
+                  <a:schemeClr val="tx1">
+                    <a:tint val="75000"/>
+                  </a:schemeClr>
+                </a:solidFill>
+              </a:defRPr>
+            </a:lvl3pPr>
+            <a:lvl4pPr marL="1371600" indent="0">
+              <a:buNone/>
+              <a:defRPr sz="1400">
+                <a:solidFill>
+                  <a:schemeClr val="tx1">
+                    <a:tint val="75000"/>
+                  </a:schemeClr>
+                </a:solidFill>
+              </a:defRPr>
+            </a:lvl4pPr>
+            <a:lvl5pPr marL="1828800" indent="0">
+              <a:buNone/>
+              <a:defRPr sz="1400">
+                <a:solidFill>
+                  <a:schemeClr val="tx1">
+                    <a:tint val="75000"/>
+                  </a:schemeClr>
+                </a:solidFill>
+              </a:defRPr>
+            </a:lvl5pPr>
+            <a:lvl6pPr marL="2286000" indent="0">
+              <a:buNone/>
+              <a:defRPr sz="1400">
+                <a:solidFill>
+                  <a:schemeClr val="tx1">
+                    <a:tint val="75000"/>
+                  </a:schemeClr>
+                </a:solidFill>
+              </a:defRPr>
+            </a:lvl6pPr>
+            <a:lvl7pPr marL="2743200" indent="0">
+              <a:buNone/>
+              <a:defRPr sz="1400">
+                <a:solidFill>
+                  <a:schemeClr val="tx1">
+                    <a:tint val="75000"/>
+                  </a:schemeClr>
+                </a:solidFill>
+              </a:defRPr>
+            </a:lvl7pPr>
+            <a:lvl8pPr marL="3200400" indent="0">
+              <a:buNone/>
+              <a:defRPr sz="1400">
+                <a:solidFill>
+                  <a:schemeClr val="tx1">
+                    <a:tint val="75000"/>
+                  </a:schemeClr>
+                </a:solidFill>
+              </a:defRPr>
+            </a:lvl8pPr>
+            <a:lvl9pPr marL="3657600" indent="0">
+              <a:buNone/>
+              <a:defRPr sz="1400">
+                <a:solidFill>
+                  <a:schemeClr val="tx1">
+                    <a:tint val="75000"/>
+                  </a:schemeClr>
+                </a:solidFill>
+              </a:defRPr>
+            </a:lvl9pPr>
+          </a:lstStyle>
+          <a:p>
+            <a:pPr lvl="0"/>
+            <a:r>
+              <a:rPr lang="zh-CN" altLang="en-US" smtClean="0"/>
+              <a:t>编辑母版文本样式</a:t>
+            </a:r>
+          </a:p>
+        </p:txBody>
+      </p:sp>
+      <p:sp>
+        <p:nvSpPr>
+          <p:cNvPr id="4" name="Date Placeholder 3"/>
+          <p:cNvSpPr>
+            <a:spLocks noGrp="1"/>
+          </p:cNvSpPr>
+          <p:nvPr>
+            <p:ph type="dt" sz="half" idx="10"/>
+          </p:nvPr>
+        </p:nvSpPr>
+        <p:spPr/>
+        <p:txBody>
+          <a:bodyPr/>
+          <a:lstStyle/>
+          <a:p>
+            <a:fld id="{0C16BA23-FD24-4A35-AF8A-49E1AD521C28}" type="datetimeFigureOut">
+              <a:rPr lang="zh-CN" altLang="en-US" smtClean="0"/>
+              <a:t>2017/10/29</a:t>
+            </a:fld>
+            <a:endParaRPr lang="zh-CN" altLang="en-US"/>
+          </a:p>
+        </p:txBody>
+      </p:sp>
+      <p:sp>
+        <p:nvSpPr>
+          <p:cNvPr id="5" name="Footer Placeholder 4"/>
+          <p:cNvSpPr>
+            <a:spLocks noGrp="1"/>
+          </p:cNvSpPr>
+          <p:nvPr>
+            <p:ph type="ftr" sz="quarter" idx="11"/>
+          </p:nvPr>
+        </p:nvSpPr>
+        <p:spPr/>
+        <p:txBody>
+          <a:bodyPr/>
+          <a:lstStyle/>
+          <a:p>
+            <a:endParaRPr lang="zh-CN" altLang="en-US"/>
+          </a:p>
+        </p:txBody>
+      </p:sp>
+      <p:sp>
+        <p:nvSpPr>
+          <p:cNvPr id="6" name="Slide Number Placeholder 5"/>
+          <p:cNvSpPr>
+            <a:spLocks noGrp="1"/>
+          </p:cNvSpPr>
+          <p:nvPr>
+            <p:ph type="sldNum" sz="quarter" idx="12"/>
+          </p:nvPr>
+        </p:nvSpPr>
+        <p:spPr/>
+        <p:txBody>
+          <a:bodyPr/>
+          <a:lstStyle/>
+          <a:p>
+            <a:fld id="{6F1A8388-9405-4831-89BC-648F94A3ED34}" type="slidenum">
+              <a:rPr lang="zh-CN" altLang="en-US" smtClean="0"/>
+              <a:t>‹#›</a:t>
+            </a:fld>
+            <a:endParaRPr lang="zh-CN" altLang="en-US"/>
+          </a:p>
+        </p:txBody>
+      </p:sp>
+    </p:spTree>
+    <p:extLst>
+      <p:ext uri="{BB962C8B-B14F-4D97-AF65-F5344CB8AC3E}">
+        <p14:creationId xmlns:p14="http://schemas.microsoft.com/office/powerpoint/2010/main" val="1426827077"/>
+      </p:ext>
+    </p:extLst>
+  </p:cSld>
+  <p:clrMapOvr>
+    <a:masterClrMapping/>
+  </p:clrMapOvr>
+</p:sldLayout>
+</file>
+
+<file path=ppt/slideLayouts/slideLayout16.xml><?xml version="1.0" encoding="utf-8"?>
 <p:sldLayout xmlns:a="http://schemas.openxmlformats.org/drawingml/2006/main" xmlns:r="http://schemas.openxmlformats.org/officeDocument/2006/relationships" xmlns:p="http://schemas.openxmlformats.org/presentationml/2006/main" type="vertTx" preserve="1">
   <p:cSld name="标题和竖排文字">
     <p:spTree>
@@ -684,7 +2726,7 @@
       </p:grpSpPr>
       <p:sp>
         <p:nvSpPr>
-          <p:cNvPr id="2" name="标题 1"/>
+          <p:cNvPr id="2" name="Title 1"/>
           <p:cNvSpPr>
             <a:spLocks noGrp="1"/>
           </p:cNvSpPr>
@@ -695,19 +2737,23 @@
         <p:spPr/>
         <p:txBody>
           <a:bodyPr/>
-          <a:lstStyle/>
+          <a:lstStyle>
+            <a:lvl1pPr algn="l">
+              <a:defRPr/>
+            </a:lvl1pPr>
+          </a:lstStyle>
           <a:p>
             <a:r>
               <a:rPr lang="zh-CN" altLang="en-US" smtClean="0"/>
               <a:t>单击此处编辑母版标题样式</a:t>
             </a:r>
-            <a:endParaRPr lang="zh-CN" altLang="en-US"/>
-          </a:p>
-        </p:txBody>
-      </p:sp>
-      <p:sp>
-        <p:nvSpPr>
-          <p:cNvPr id="3" name="竖排文字占位符 2"/>
+            <a:endParaRPr lang="en-US" dirty="0"/>
+          </a:p>
+        </p:txBody>
+      </p:sp>
+      <p:sp>
+        <p:nvSpPr>
+          <p:cNvPr id="3" name="Vertical Text Placeholder 2"/>
           <p:cNvSpPr>
             <a:spLocks noGrp="1"/>
           </p:cNvSpPr>
@@ -717,7 +2763,7 @@
         </p:nvSpPr>
         <p:spPr/>
         <p:txBody>
-          <a:bodyPr vert="eaVert"/>
+          <a:bodyPr vert="eaVert" anchor="t"/>
           <a:lstStyle/>
           <a:p>
             <a:pPr lvl="0"/>
@@ -753,13 +2799,13 @@
               <a:rPr lang="zh-CN" altLang="en-US" smtClean="0"/>
               <a:t>第五级</a:t>
             </a:r>
-            <a:endParaRPr lang="zh-CN" altLang="en-US"/>
-          </a:p>
-        </p:txBody>
-      </p:sp>
-      <p:sp>
-        <p:nvSpPr>
-          <p:cNvPr id="4" name="日期占位符 3"/>
+            <a:endParaRPr lang="en-US" dirty="0"/>
+          </a:p>
+        </p:txBody>
+      </p:sp>
+      <p:sp>
+        <p:nvSpPr>
+          <p:cNvPr id="4" name="Date Placeholder 3"/>
           <p:cNvSpPr>
             <a:spLocks noGrp="1"/>
           </p:cNvSpPr>
@@ -782,7 +2828,7 @@
       </p:sp>
       <p:sp>
         <p:nvSpPr>
-          <p:cNvPr id="5" name="页脚占位符 4"/>
+          <p:cNvPr id="5" name="Footer Placeholder 4"/>
           <p:cNvSpPr>
             <a:spLocks noGrp="1"/>
           </p:cNvSpPr>
@@ -801,7 +2847,7 @@
       </p:sp>
       <p:sp>
         <p:nvSpPr>
-          <p:cNvPr id="6" name="灯片编号占位符 5"/>
+          <p:cNvPr id="6" name="Slide Number Placeholder 5"/>
           <p:cNvSpPr>
             <a:spLocks noGrp="1"/>
           </p:cNvSpPr>
@@ -825,7 +2871,7 @@
     </p:spTree>
     <p:extLst>
       <p:ext uri="{BB962C8B-B14F-4D97-AF65-F5344CB8AC3E}">
-        <p14:creationId xmlns:p14="http://schemas.microsoft.com/office/powerpoint/2010/main" val="1657296367"/>
+        <p14:creationId xmlns:p14="http://schemas.microsoft.com/office/powerpoint/2010/main" val="795188783"/>
       </p:ext>
     </p:extLst>
   </p:cSld>
@@ -835,7 +2881,7 @@
 </p:sldLayout>
 </file>
 
-<file path=ppt/slideLayouts/slideLayout11.xml><?xml version="1.0" encoding="utf-8"?>
+<file path=ppt/slideLayouts/slideLayout17.xml><?xml version="1.0" encoding="utf-8"?>
 <p:sldLayout xmlns:a="http://schemas.openxmlformats.org/drawingml/2006/main" xmlns:r="http://schemas.openxmlformats.org/officeDocument/2006/relationships" xmlns:p="http://schemas.openxmlformats.org/presentationml/2006/main" type="vertTitleAndTx" preserve="1">
   <p:cSld name="竖排标题与文本">
     <p:spTree>
@@ -854,7 +2900,7 @@
       </p:grpSpPr>
       <p:sp>
         <p:nvSpPr>
-          <p:cNvPr id="2" name="竖排标题 1"/>
+          <p:cNvPr id="2" name="Vertical Title 1"/>
           <p:cNvSpPr>
             <a:spLocks noGrp="1"/>
           </p:cNvSpPr>
@@ -864,8 +2910,8 @@
         </p:nvSpPr>
         <p:spPr>
           <a:xfrm>
-            <a:off x="8724900" y="365125"/>
-            <a:ext cx="2628900" cy="5811838"/>
+            <a:off x="8685212" y="685800"/>
+            <a:ext cx="2057400" cy="4572000"/>
           </a:xfrm>
         </p:spPr>
         <p:txBody>
@@ -876,13 +2922,13 @@
               <a:rPr lang="zh-CN" altLang="en-US" smtClean="0"/>
               <a:t>单击此处编辑母版标题样式</a:t>
             </a:r>
-            <a:endParaRPr lang="zh-CN" altLang="en-US"/>
-          </a:p>
-        </p:txBody>
-      </p:sp>
-      <p:sp>
-        <p:nvSpPr>
-          <p:cNvPr id="3" name="竖排文字占位符 2"/>
+            <a:endParaRPr lang="en-US" dirty="0"/>
+          </a:p>
+        </p:txBody>
+      </p:sp>
+      <p:sp>
+        <p:nvSpPr>
+          <p:cNvPr id="3" name="Vertical Text Placeholder 2"/>
           <p:cNvSpPr>
             <a:spLocks noGrp="1"/>
           </p:cNvSpPr>
@@ -892,12 +2938,12 @@
         </p:nvSpPr>
         <p:spPr>
           <a:xfrm>
-            <a:off x="838200" y="365125"/>
-            <a:ext cx="7734300" cy="5811838"/>
+            <a:off x="685800" y="685800"/>
+            <a:ext cx="7823200" cy="5308600"/>
           </a:xfrm>
         </p:spPr>
         <p:txBody>
-          <a:bodyPr vert="eaVert"/>
+          <a:bodyPr vert="eaVert" anchor="t"/>
           <a:lstStyle/>
           <a:p>
             <a:pPr lvl="0"/>
@@ -933,13 +2979,13 @@
               <a:rPr lang="zh-CN" altLang="en-US" smtClean="0"/>
               <a:t>第五级</a:t>
             </a:r>
-            <a:endParaRPr lang="zh-CN" altLang="en-US"/>
-          </a:p>
-        </p:txBody>
-      </p:sp>
-      <p:sp>
-        <p:nvSpPr>
-          <p:cNvPr id="4" name="日期占位符 3"/>
+            <a:endParaRPr lang="en-US" dirty="0"/>
+          </a:p>
+        </p:txBody>
+      </p:sp>
+      <p:sp>
+        <p:nvSpPr>
+          <p:cNvPr id="4" name="Date Placeholder 3"/>
           <p:cNvSpPr>
             <a:spLocks noGrp="1"/>
           </p:cNvSpPr>
@@ -962,7 +3008,7 @@
       </p:sp>
       <p:sp>
         <p:nvSpPr>
-          <p:cNvPr id="5" name="页脚占位符 4"/>
+          <p:cNvPr id="5" name="Footer Placeholder 4"/>
           <p:cNvSpPr>
             <a:spLocks noGrp="1"/>
           </p:cNvSpPr>
@@ -981,7 +3027,7 @@
       </p:sp>
       <p:sp>
         <p:nvSpPr>
-          <p:cNvPr id="6" name="灯片编号占位符 5"/>
+          <p:cNvPr id="6" name="Slide Number Placeholder 5"/>
           <p:cNvSpPr>
             <a:spLocks noGrp="1"/>
           </p:cNvSpPr>
@@ -1005,7 +3051,7 @@
     </p:spTree>
     <p:extLst>
       <p:ext uri="{BB962C8B-B14F-4D97-AF65-F5344CB8AC3E}">
-        <p14:creationId xmlns:p14="http://schemas.microsoft.com/office/powerpoint/2010/main" val="3743765061"/>
+        <p14:creationId xmlns:p14="http://schemas.microsoft.com/office/powerpoint/2010/main" val="2362786822"/>
       </p:ext>
     </p:extLst>
   </p:cSld>
@@ -1034,7 +3080,7 @@
       </p:grpSpPr>
       <p:sp>
         <p:nvSpPr>
-          <p:cNvPr id="2" name="标题 1"/>
+          <p:cNvPr id="2" name="Title 1"/>
           <p:cNvSpPr>
             <a:spLocks noGrp="1"/>
           </p:cNvSpPr>
@@ -1051,13 +3097,13 @@
               <a:rPr lang="zh-CN" altLang="en-US" smtClean="0"/>
               <a:t>单击此处编辑母版标题样式</a:t>
             </a:r>
-            <a:endParaRPr lang="zh-CN" altLang="en-US"/>
-          </a:p>
-        </p:txBody>
-      </p:sp>
-      <p:sp>
-        <p:nvSpPr>
-          <p:cNvPr id="3" name="内容占位符 2"/>
+            <a:endParaRPr lang="en-US" dirty="0"/>
+          </a:p>
+        </p:txBody>
+      </p:sp>
+      <p:sp>
+        <p:nvSpPr>
+          <p:cNvPr id="3" name="Content Placeholder 2"/>
           <p:cNvSpPr>
             <a:spLocks noGrp="1"/>
           </p:cNvSpPr>
@@ -1067,7 +3113,7 @@
         </p:nvSpPr>
         <p:spPr/>
         <p:txBody>
-          <a:bodyPr/>
+          <a:bodyPr anchor="ctr"/>
           <a:lstStyle/>
           <a:p>
             <a:pPr lvl="0"/>
@@ -1103,13 +3149,13 @@
               <a:rPr lang="zh-CN" altLang="en-US" smtClean="0"/>
               <a:t>第五级</a:t>
             </a:r>
-            <a:endParaRPr lang="zh-CN" altLang="en-US"/>
-          </a:p>
-        </p:txBody>
-      </p:sp>
-      <p:sp>
-        <p:nvSpPr>
-          <p:cNvPr id="4" name="日期占位符 3"/>
+            <a:endParaRPr lang="en-US" dirty="0"/>
+          </a:p>
+        </p:txBody>
+      </p:sp>
+      <p:sp>
+        <p:nvSpPr>
+          <p:cNvPr id="4" name="Date Placeholder 3"/>
           <p:cNvSpPr>
             <a:spLocks noGrp="1"/>
           </p:cNvSpPr>
@@ -1132,7 +3178,7 @@
       </p:sp>
       <p:sp>
         <p:nvSpPr>
-          <p:cNvPr id="5" name="页脚占位符 4"/>
+          <p:cNvPr id="5" name="Footer Placeholder 4"/>
           <p:cNvSpPr>
             <a:spLocks noGrp="1"/>
           </p:cNvSpPr>
@@ -1151,7 +3197,7 @@
       </p:sp>
       <p:sp>
         <p:nvSpPr>
-          <p:cNvPr id="6" name="灯片编号占位符 5"/>
+          <p:cNvPr id="6" name="Slide Number Placeholder 5"/>
           <p:cNvSpPr>
             <a:spLocks noGrp="1"/>
           </p:cNvSpPr>
@@ -1175,7 +3221,7 @@
     </p:spTree>
     <p:extLst>
       <p:ext uri="{BB962C8B-B14F-4D97-AF65-F5344CB8AC3E}">
-        <p14:creationId xmlns:p14="http://schemas.microsoft.com/office/powerpoint/2010/main" val="70677637"/>
+        <p14:creationId xmlns:p14="http://schemas.microsoft.com/office/powerpoint/2010/main" val="87869178"/>
       </p:ext>
     </p:extLst>
   </p:cSld>
@@ -1204,7 +3250,7 @@
       </p:grpSpPr>
       <p:sp>
         <p:nvSpPr>
-          <p:cNvPr id="2" name="标题 1"/>
+          <p:cNvPr id="2" name="Title 1"/>
           <p:cNvSpPr>
             <a:spLocks noGrp="1"/>
           </p:cNvSpPr>
@@ -1214,15 +3260,17 @@
         </p:nvSpPr>
         <p:spPr>
           <a:xfrm>
-            <a:off x="831850" y="1709738"/>
-            <a:ext cx="10515600" cy="2852737"/>
+            <a:off x="684211" y="2006600"/>
+            <a:ext cx="8534401" cy="2281600"/>
           </a:xfrm>
         </p:spPr>
         <p:txBody>
-          <a:bodyPr anchor="b"/>
+          <a:bodyPr anchor="b">
+            <a:normAutofit/>
+          </a:bodyPr>
           <a:lstStyle>
-            <a:lvl1pPr>
-              <a:defRPr sz="6000"/>
+            <a:lvl1pPr algn="l">
+              <a:defRPr sz="3600" b="0" cap="all"/>
             </a:lvl1pPr>
           </a:lstStyle>
           <a:p>
@@ -1230,13 +3278,13 @@
               <a:rPr lang="zh-CN" altLang="en-US" smtClean="0"/>
               <a:t>单击此处编辑母版标题样式</a:t>
             </a:r>
-            <a:endParaRPr lang="zh-CN" altLang="en-US"/>
-          </a:p>
-        </p:txBody>
-      </p:sp>
-      <p:sp>
-        <p:nvSpPr>
-          <p:cNvPr id="3" name="文本占位符 2"/>
+            <a:endParaRPr lang="en-US" dirty="0"/>
+          </a:p>
+        </p:txBody>
+      </p:sp>
+      <p:sp>
+        <p:nvSpPr>
+          <p:cNvPr id="3" name="Text Placeholder 2"/>
           <p:cNvSpPr>
             <a:spLocks noGrp="1"/>
           </p:cNvSpPr>
@@ -1246,26 +3294,28 @@
         </p:nvSpPr>
         <p:spPr>
           <a:xfrm>
-            <a:off x="831850" y="4589463"/>
-            <a:ext cx="10515600" cy="1500187"/>
+            <a:off x="684213" y="4495800"/>
+            <a:ext cx="8534400" cy="1498600"/>
           </a:xfrm>
         </p:spPr>
         <p:txBody>
-          <a:bodyPr/>
+          <a:bodyPr anchor="t">
+            <a:normAutofit/>
+          </a:bodyPr>
           <a:lstStyle>
-            <a:lvl1pPr marL="0" indent="0">
-              <a:buNone/>
-              <a:defRPr sz="2400">
+            <a:lvl1pPr marL="0" indent="0" algn="l">
+              <a:buNone/>
+              <a:defRPr sz="1800">
                 <a:solidFill>
-                  <a:schemeClr val="tx1">
-                    <a:tint val="75000"/>
+                  <a:schemeClr val="bg2">
+                    <a:lumMod val="75000"/>
                   </a:schemeClr>
                 </a:solidFill>
               </a:defRPr>
             </a:lvl1pPr>
             <a:lvl2pPr marL="457200" indent="0">
               <a:buNone/>
-              <a:defRPr sz="2000">
+              <a:defRPr sz="1800">
                 <a:solidFill>
                   <a:schemeClr val="tx1">
                     <a:tint val="75000"/>
@@ -1275,7 +3325,7 @@
             </a:lvl2pPr>
             <a:lvl3pPr marL="914400" indent="0">
               <a:buNone/>
-              <a:defRPr sz="1800">
+              <a:defRPr sz="1600">
                 <a:solidFill>
                   <a:schemeClr val="tx1">
                     <a:tint val="75000"/>
@@ -1285,7 +3335,7 @@
             </a:lvl3pPr>
             <a:lvl4pPr marL="1371600" indent="0">
               <a:buNone/>
-              <a:defRPr sz="1600">
+              <a:defRPr sz="1400">
                 <a:solidFill>
                   <a:schemeClr val="tx1">
                     <a:tint val="75000"/>
@@ -1295,7 +3345,7 @@
             </a:lvl4pPr>
             <a:lvl5pPr marL="1828800" indent="0">
               <a:buNone/>
-              <a:defRPr sz="1600">
+              <a:defRPr sz="1400">
                 <a:solidFill>
                   <a:schemeClr val="tx1">
                     <a:tint val="75000"/>
@@ -1305,7 +3355,7 @@
             </a:lvl5pPr>
             <a:lvl6pPr marL="2286000" indent="0">
               <a:buNone/>
-              <a:defRPr sz="1600">
+              <a:defRPr sz="1400">
                 <a:solidFill>
                   <a:schemeClr val="tx1">
                     <a:tint val="75000"/>
@@ -1315,7 +3365,7 @@
             </a:lvl6pPr>
             <a:lvl7pPr marL="2743200" indent="0">
               <a:buNone/>
-              <a:defRPr sz="1600">
+              <a:defRPr sz="1400">
                 <a:solidFill>
                   <a:schemeClr val="tx1">
                     <a:tint val="75000"/>
@@ -1325,7 +3375,7 @@
             </a:lvl7pPr>
             <a:lvl8pPr marL="3200400" indent="0">
               <a:buNone/>
-              <a:defRPr sz="1600">
+              <a:defRPr sz="1400">
                 <a:solidFill>
                   <a:schemeClr val="tx1">
                     <a:tint val="75000"/>
@@ -1335,7 +3385,7 @@
             </a:lvl8pPr>
             <a:lvl9pPr marL="3657600" indent="0">
               <a:buNone/>
-              <a:defRPr sz="1600">
+              <a:defRPr sz="1400">
                 <a:solidFill>
                   <a:schemeClr val="tx1">
                     <a:tint val="75000"/>
@@ -1355,7 +3405,7 @@
       </p:sp>
       <p:sp>
         <p:nvSpPr>
-          <p:cNvPr id="4" name="日期占位符 3"/>
+          <p:cNvPr id="4" name="Date Placeholder 3"/>
           <p:cNvSpPr>
             <a:spLocks noGrp="1"/>
           </p:cNvSpPr>
@@ -1378,7 +3428,7 @@
       </p:sp>
       <p:sp>
         <p:nvSpPr>
-          <p:cNvPr id="5" name="页脚占位符 4"/>
+          <p:cNvPr id="5" name="Footer Placeholder 4"/>
           <p:cNvSpPr>
             <a:spLocks noGrp="1"/>
           </p:cNvSpPr>
@@ -1397,7 +3447,7 @@
       </p:sp>
       <p:sp>
         <p:nvSpPr>
-          <p:cNvPr id="6" name="灯片编号占位符 5"/>
+          <p:cNvPr id="6" name="Slide Number Placeholder 5"/>
           <p:cNvSpPr>
             <a:spLocks noGrp="1"/>
           </p:cNvSpPr>
@@ -1421,7 +3471,7 @@
     </p:spTree>
     <p:extLst>
       <p:ext uri="{BB962C8B-B14F-4D97-AF65-F5344CB8AC3E}">
-        <p14:creationId xmlns:p14="http://schemas.microsoft.com/office/powerpoint/2010/main" val="1868139388"/>
+        <p14:creationId xmlns:p14="http://schemas.microsoft.com/office/powerpoint/2010/main" val="1434258007"/>
       </p:ext>
     </p:extLst>
   </p:cSld>
@@ -1450,7 +3500,7 @@
       </p:grpSpPr>
       <p:sp>
         <p:nvSpPr>
-          <p:cNvPr id="2" name="标题 1"/>
+          <p:cNvPr id="2" name="Title 1"/>
           <p:cNvSpPr>
             <a:spLocks noGrp="1"/>
           </p:cNvSpPr>
@@ -1467,13 +3517,13 @@
               <a:rPr lang="zh-CN" altLang="en-US" smtClean="0"/>
               <a:t>单击此处编辑母版标题样式</a:t>
             </a:r>
-            <a:endParaRPr lang="zh-CN" altLang="en-US"/>
-          </a:p>
-        </p:txBody>
-      </p:sp>
-      <p:sp>
-        <p:nvSpPr>
-          <p:cNvPr id="3" name="内容占位符 2"/>
+            <a:endParaRPr lang="en-US" dirty="0"/>
+          </a:p>
+        </p:txBody>
+      </p:sp>
+      <p:sp>
+        <p:nvSpPr>
+          <p:cNvPr id="3" name="Content Placeholder 2"/>
           <p:cNvSpPr>
             <a:spLocks noGrp="1"/>
           </p:cNvSpPr>
@@ -1483,12 +3533,14 @@
         </p:nvSpPr>
         <p:spPr>
           <a:xfrm>
-            <a:off x="838200" y="1825625"/>
-            <a:ext cx="5181600" cy="4351338"/>
+            <a:off x="684211" y="685800"/>
+            <a:ext cx="4937655" cy="3615267"/>
           </a:xfrm>
         </p:spPr>
         <p:txBody>
-          <a:bodyPr/>
+          <a:bodyPr>
+            <a:normAutofit/>
+          </a:bodyPr>
           <a:lstStyle/>
           <a:p>
             <a:pPr lvl="0"/>
@@ -1524,13 +3576,13 @@
               <a:rPr lang="zh-CN" altLang="en-US" smtClean="0"/>
               <a:t>第五级</a:t>
             </a:r>
-            <a:endParaRPr lang="zh-CN" altLang="en-US"/>
-          </a:p>
-        </p:txBody>
-      </p:sp>
-      <p:sp>
-        <p:nvSpPr>
-          <p:cNvPr id="4" name="内容占位符 3"/>
+            <a:endParaRPr lang="en-US" dirty="0"/>
+          </a:p>
+        </p:txBody>
+      </p:sp>
+      <p:sp>
+        <p:nvSpPr>
+          <p:cNvPr id="4" name="Content Placeholder 3"/>
           <p:cNvSpPr>
             <a:spLocks noGrp="1"/>
           </p:cNvSpPr>
@@ -1540,12 +3592,14 @@
         </p:nvSpPr>
         <p:spPr>
           <a:xfrm>
-            <a:off x="6172200" y="1825625"/>
-            <a:ext cx="5181600" cy="4351338"/>
+            <a:off x="5808133" y="685801"/>
+            <a:ext cx="4934479" cy="3615266"/>
           </a:xfrm>
         </p:spPr>
         <p:txBody>
-          <a:bodyPr/>
+          <a:bodyPr>
+            <a:normAutofit/>
+          </a:bodyPr>
           <a:lstStyle/>
           <a:p>
             <a:pPr lvl="0"/>
@@ -1581,13 +3635,13 @@
               <a:rPr lang="zh-CN" altLang="en-US" smtClean="0"/>
               <a:t>第五级</a:t>
             </a:r>
-            <a:endParaRPr lang="zh-CN" altLang="en-US"/>
-          </a:p>
-        </p:txBody>
-      </p:sp>
-      <p:sp>
-        <p:nvSpPr>
-          <p:cNvPr id="5" name="日期占位符 4"/>
+            <a:endParaRPr lang="en-US" dirty="0"/>
+          </a:p>
+        </p:txBody>
+      </p:sp>
+      <p:sp>
+        <p:nvSpPr>
+          <p:cNvPr id="5" name="Date Placeholder 4"/>
           <p:cNvSpPr>
             <a:spLocks noGrp="1"/>
           </p:cNvSpPr>
@@ -1610,7 +3664,7 @@
       </p:sp>
       <p:sp>
         <p:nvSpPr>
-          <p:cNvPr id="6" name="页脚占位符 5"/>
+          <p:cNvPr id="6" name="Footer Placeholder 5"/>
           <p:cNvSpPr>
             <a:spLocks noGrp="1"/>
           </p:cNvSpPr>
@@ -1629,7 +3683,7 @@
       </p:sp>
       <p:sp>
         <p:nvSpPr>
-          <p:cNvPr id="7" name="灯片编号占位符 6"/>
+          <p:cNvPr id="7" name="Slide Number Placeholder 6"/>
           <p:cNvSpPr>
             <a:spLocks noGrp="1"/>
           </p:cNvSpPr>
@@ -1653,7 +3707,7 @@
     </p:spTree>
     <p:extLst>
       <p:ext uri="{BB962C8B-B14F-4D97-AF65-F5344CB8AC3E}">
-        <p14:creationId xmlns:p14="http://schemas.microsoft.com/office/powerpoint/2010/main" val="2209161013"/>
+        <p14:creationId xmlns:p14="http://schemas.microsoft.com/office/powerpoint/2010/main" val="3454638415"/>
       </p:ext>
     </p:extLst>
   </p:cSld>
@@ -1682,54 +3736,59 @@
       </p:grpSpPr>
       <p:sp>
         <p:nvSpPr>
-          <p:cNvPr id="2" name="标题 1"/>
+          <p:cNvPr id="2" name="Title 1"/>
           <p:cNvSpPr>
             <a:spLocks noGrp="1"/>
           </p:cNvSpPr>
           <p:nvPr>
             <p:ph type="title"/>
+          </p:nvPr>
+        </p:nvSpPr>
+        <p:spPr/>
+        <p:txBody>
+          <a:bodyPr/>
+          <a:lstStyle>
+            <a:lvl1pPr>
+              <a:defRPr/>
+            </a:lvl1pPr>
+          </a:lstStyle>
+          <a:p>
+            <a:r>
+              <a:rPr lang="zh-CN" altLang="en-US" smtClean="0"/>
+              <a:t>单击此处编辑母版标题样式</a:t>
+            </a:r>
+            <a:endParaRPr lang="en-US" dirty="0"/>
+          </a:p>
+        </p:txBody>
+      </p:sp>
+      <p:sp>
+        <p:nvSpPr>
+          <p:cNvPr id="3" name="Text Placeholder 2"/>
+          <p:cNvSpPr>
+            <a:spLocks noGrp="1"/>
+          </p:cNvSpPr>
+          <p:nvPr>
+            <p:ph type="body" idx="1"/>
           </p:nvPr>
         </p:nvSpPr>
         <p:spPr>
           <a:xfrm>
-            <a:off x="839788" y="365125"/>
-            <a:ext cx="10515600" cy="1325563"/>
+            <a:off x="972080" y="685800"/>
+            <a:ext cx="4649787" cy="576262"/>
           </a:xfrm>
         </p:spPr>
         <p:txBody>
-          <a:bodyPr/>
-          <a:lstStyle/>
-          <a:p>
-            <a:r>
-              <a:rPr lang="zh-CN" altLang="en-US" smtClean="0"/>
-              <a:t>单击此处编辑母版标题样式</a:t>
-            </a:r>
-            <a:endParaRPr lang="zh-CN" altLang="en-US"/>
-          </a:p>
-        </p:txBody>
-      </p:sp>
-      <p:sp>
-        <p:nvSpPr>
-          <p:cNvPr id="3" name="文本占位符 2"/>
-          <p:cNvSpPr>
-            <a:spLocks noGrp="1"/>
-          </p:cNvSpPr>
-          <p:nvPr>
-            <p:ph type="body" idx="1"/>
-          </p:nvPr>
-        </p:nvSpPr>
-        <p:spPr>
-          <a:xfrm>
-            <a:off x="839788" y="1681163"/>
-            <a:ext cx="5157787" cy="823912"/>
-          </a:xfrm>
-        </p:spPr>
-        <p:txBody>
-          <a:bodyPr anchor="b"/>
+          <a:bodyPr anchor="b">
+            <a:noAutofit/>
+          </a:bodyPr>
           <a:lstStyle>
             <a:lvl1pPr marL="0" indent="0">
               <a:buNone/>
-              <a:defRPr sz="2400" b="1"/>
+              <a:defRPr sz="2800" b="0">
+                <a:solidFill>
+                  <a:schemeClr val="tx1"/>
+                </a:solidFill>
+              </a:defRPr>
             </a:lvl1pPr>
             <a:lvl2pPr marL="457200" indent="0">
               <a:buNone/>
@@ -1775,7 +3834,7 @@
       </p:sp>
       <p:sp>
         <p:nvSpPr>
-          <p:cNvPr id="4" name="内容占位符 3"/>
+          <p:cNvPr id="4" name="Content Placeholder 3"/>
           <p:cNvSpPr>
             <a:spLocks noGrp="1"/>
           </p:cNvSpPr>
@@ -1785,12 +3844,14 @@
         </p:nvSpPr>
         <p:spPr>
           <a:xfrm>
-            <a:off x="839788" y="2505075"/>
-            <a:ext cx="5157787" cy="3684588"/>
+            <a:off x="684211" y="1270529"/>
+            <a:ext cx="4937655" cy="3030538"/>
           </a:xfrm>
         </p:spPr>
         <p:txBody>
-          <a:bodyPr/>
+          <a:bodyPr anchor="t">
+            <a:normAutofit/>
+          </a:bodyPr>
           <a:lstStyle/>
           <a:p>
             <a:pPr lvl="0"/>
@@ -1826,13 +3887,13 @@
               <a:rPr lang="zh-CN" altLang="en-US" smtClean="0"/>
               <a:t>第五级</a:t>
             </a:r>
-            <a:endParaRPr lang="zh-CN" altLang="en-US"/>
-          </a:p>
-        </p:txBody>
-      </p:sp>
-      <p:sp>
-        <p:nvSpPr>
-          <p:cNvPr id="5" name="文本占位符 4"/>
+            <a:endParaRPr lang="en-US" dirty="0"/>
+          </a:p>
+        </p:txBody>
+      </p:sp>
+      <p:sp>
+        <p:nvSpPr>
+          <p:cNvPr id="5" name="Text Placeholder 4"/>
           <p:cNvSpPr>
             <a:spLocks noGrp="1"/>
           </p:cNvSpPr>
@@ -1842,16 +3903,22 @@
         </p:nvSpPr>
         <p:spPr>
           <a:xfrm>
-            <a:off x="6172200" y="1681163"/>
-            <a:ext cx="5183188" cy="823912"/>
+            <a:off x="6079066" y="685800"/>
+            <a:ext cx="4665134" cy="576262"/>
           </a:xfrm>
         </p:spPr>
         <p:txBody>
-          <a:bodyPr anchor="b"/>
+          <a:bodyPr anchor="b">
+            <a:noAutofit/>
+          </a:bodyPr>
           <a:lstStyle>
             <a:lvl1pPr marL="0" indent="0">
               <a:buNone/>
-              <a:defRPr sz="2400" b="1"/>
+              <a:defRPr sz="2800" b="0">
+                <a:solidFill>
+                  <a:schemeClr val="tx1"/>
+                </a:solidFill>
+              </a:defRPr>
             </a:lvl1pPr>
             <a:lvl2pPr marL="457200" indent="0">
               <a:buNone/>
@@ -1897,7 +3964,7 @@
       </p:sp>
       <p:sp>
         <p:nvSpPr>
-          <p:cNvPr id="6" name="内容占位符 5"/>
+          <p:cNvPr id="6" name="Content Placeholder 5"/>
           <p:cNvSpPr>
             <a:spLocks noGrp="1"/>
           </p:cNvSpPr>
@@ -1907,12 +3974,14 @@
         </p:nvSpPr>
         <p:spPr>
           <a:xfrm>
-            <a:off x="6172200" y="2505075"/>
-            <a:ext cx="5183188" cy="3684588"/>
+            <a:off x="5806545" y="1262062"/>
+            <a:ext cx="4929188" cy="3030538"/>
           </a:xfrm>
         </p:spPr>
         <p:txBody>
-          <a:bodyPr/>
+          <a:bodyPr anchor="t">
+            <a:normAutofit/>
+          </a:bodyPr>
           <a:lstStyle/>
           <a:p>
             <a:pPr lvl="0"/>
@@ -1948,13 +4017,13 @@
               <a:rPr lang="zh-CN" altLang="en-US" smtClean="0"/>
               <a:t>第五级</a:t>
             </a:r>
-            <a:endParaRPr lang="zh-CN" altLang="en-US"/>
-          </a:p>
-        </p:txBody>
-      </p:sp>
-      <p:sp>
-        <p:nvSpPr>
-          <p:cNvPr id="7" name="日期占位符 6"/>
+            <a:endParaRPr lang="en-US" dirty="0"/>
+          </a:p>
+        </p:txBody>
+      </p:sp>
+      <p:sp>
+        <p:nvSpPr>
+          <p:cNvPr id="7" name="Date Placeholder 6"/>
           <p:cNvSpPr>
             <a:spLocks noGrp="1"/>
           </p:cNvSpPr>
@@ -1977,7 +4046,7 @@
       </p:sp>
       <p:sp>
         <p:nvSpPr>
-          <p:cNvPr id="8" name="页脚占位符 7"/>
+          <p:cNvPr id="8" name="Footer Placeholder 7"/>
           <p:cNvSpPr>
             <a:spLocks noGrp="1"/>
           </p:cNvSpPr>
@@ -1996,7 +4065,7 @@
       </p:sp>
       <p:sp>
         <p:nvSpPr>
-          <p:cNvPr id="9" name="灯片编号占位符 8"/>
+          <p:cNvPr id="9" name="Slide Number Placeholder 8"/>
           <p:cNvSpPr>
             <a:spLocks noGrp="1"/>
           </p:cNvSpPr>
@@ -2020,7 +4089,7 @@
     </p:spTree>
     <p:extLst>
       <p:ext uri="{BB962C8B-B14F-4D97-AF65-F5344CB8AC3E}">
-        <p14:creationId xmlns:p14="http://schemas.microsoft.com/office/powerpoint/2010/main" val="333356097"/>
+        <p14:creationId xmlns:p14="http://schemas.microsoft.com/office/powerpoint/2010/main" val="1557837493"/>
       </p:ext>
     </p:extLst>
   </p:cSld>
@@ -2049,7 +4118,7 @@
       </p:grpSpPr>
       <p:sp>
         <p:nvSpPr>
-          <p:cNvPr id="2" name="标题 1"/>
+          <p:cNvPr id="2" name="Title 1"/>
           <p:cNvSpPr>
             <a:spLocks noGrp="1"/>
           </p:cNvSpPr>
@@ -2066,13 +4135,13 @@
               <a:rPr lang="zh-CN" altLang="en-US" smtClean="0"/>
               <a:t>单击此处编辑母版标题样式</a:t>
             </a:r>
-            <a:endParaRPr lang="zh-CN" altLang="en-US"/>
-          </a:p>
-        </p:txBody>
-      </p:sp>
-      <p:sp>
-        <p:nvSpPr>
-          <p:cNvPr id="3" name="日期占位符 2"/>
+            <a:endParaRPr lang="en-US" dirty="0"/>
+          </a:p>
+        </p:txBody>
+      </p:sp>
+      <p:sp>
+        <p:nvSpPr>
+          <p:cNvPr id="3" name="Date Placeholder 2"/>
           <p:cNvSpPr>
             <a:spLocks noGrp="1"/>
           </p:cNvSpPr>
@@ -2095,7 +4164,7 @@
       </p:sp>
       <p:sp>
         <p:nvSpPr>
-          <p:cNvPr id="4" name="页脚占位符 3"/>
+          <p:cNvPr id="4" name="Footer Placeholder 3"/>
           <p:cNvSpPr>
             <a:spLocks noGrp="1"/>
           </p:cNvSpPr>
@@ -2114,7 +4183,7 @@
       </p:sp>
       <p:sp>
         <p:nvSpPr>
-          <p:cNvPr id="5" name="灯片编号占位符 4"/>
+          <p:cNvPr id="5" name="Slide Number Placeholder 4"/>
           <p:cNvSpPr>
             <a:spLocks noGrp="1"/>
           </p:cNvSpPr>
@@ -2138,7 +4207,7 @@
     </p:spTree>
     <p:extLst>
       <p:ext uri="{BB962C8B-B14F-4D97-AF65-F5344CB8AC3E}">
-        <p14:creationId xmlns:p14="http://schemas.microsoft.com/office/powerpoint/2010/main" val="2363728110"/>
+        <p14:creationId xmlns:p14="http://schemas.microsoft.com/office/powerpoint/2010/main" val="1652379455"/>
       </p:ext>
     </p:extLst>
   </p:cSld>
@@ -2167,7 +4236,7 @@
       </p:grpSpPr>
       <p:sp>
         <p:nvSpPr>
-          <p:cNvPr id="2" name="日期占位符 1"/>
+          <p:cNvPr id="2" name="Date Placeholder 1"/>
           <p:cNvSpPr>
             <a:spLocks noGrp="1"/>
           </p:cNvSpPr>
@@ -2190,7 +4259,7 @@
       </p:sp>
       <p:sp>
         <p:nvSpPr>
-          <p:cNvPr id="3" name="页脚占位符 2"/>
+          <p:cNvPr id="3" name="Footer Placeholder 2"/>
           <p:cNvSpPr>
             <a:spLocks noGrp="1"/>
           </p:cNvSpPr>
@@ -2209,7 +4278,7 @@
       </p:sp>
       <p:sp>
         <p:nvSpPr>
-          <p:cNvPr id="4" name="灯片编号占位符 3"/>
+          <p:cNvPr id="4" name="Slide Number Placeholder 3"/>
           <p:cNvSpPr>
             <a:spLocks noGrp="1"/>
           </p:cNvSpPr>
@@ -2233,7 +4302,7 @@
     </p:spTree>
     <p:extLst>
       <p:ext uri="{BB962C8B-B14F-4D97-AF65-F5344CB8AC3E}">
-        <p14:creationId xmlns:p14="http://schemas.microsoft.com/office/powerpoint/2010/main" val="1963026490"/>
+        <p14:creationId xmlns:p14="http://schemas.microsoft.com/office/powerpoint/2010/main" val="778198282"/>
       </p:ext>
     </p:extLst>
   </p:cSld>
@@ -2262,7 +4331,7 @@
       </p:grpSpPr>
       <p:sp>
         <p:nvSpPr>
-          <p:cNvPr id="2" name="标题 1"/>
+          <p:cNvPr id="2" name="Title 1"/>
           <p:cNvSpPr>
             <a:spLocks noGrp="1"/>
           </p:cNvSpPr>
@@ -2272,15 +4341,17 @@
         </p:nvSpPr>
         <p:spPr>
           <a:xfrm>
-            <a:off x="839788" y="457200"/>
-            <a:ext cx="3932237" cy="1600200"/>
+            <a:off x="7085012" y="685800"/>
+            <a:ext cx="3657600" cy="1371600"/>
           </a:xfrm>
         </p:spPr>
         <p:txBody>
-          <a:bodyPr anchor="b"/>
+          <a:bodyPr anchor="b">
+            <a:normAutofit/>
+          </a:bodyPr>
           <a:lstStyle>
-            <a:lvl1pPr>
-              <a:defRPr sz="3200"/>
+            <a:lvl1pPr algn="l">
+              <a:defRPr sz="2400" b="0"/>
             </a:lvl1pPr>
           </a:lstStyle>
           <a:p>
@@ -2288,13 +4359,13 @@
               <a:rPr lang="zh-CN" altLang="en-US" smtClean="0"/>
               <a:t>单击此处编辑母版标题样式</a:t>
             </a:r>
-            <a:endParaRPr lang="zh-CN" altLang="en-US"/>
-          </a:p>
-        </p:txBody>
-      </p:sp>
-      <p:sp>
-        <p:nvSpPr>
-          <p:cNvPr id="3" name="内容占位符 2"/>
+            <a:endParaRPr lang="en-US" dirty="0"/>
+          </a:p>
+        </p:txBody>
+      </p:sp>
+      <p:sp>
+        <p:nvSpPr>
+          <p:cNvPr id="3" name="Content Placeholder 2"/>
           <p:cNvSpPr>
             <a:spLocks noGrp="1"/>
           </p:cNvSpPr>
@@ -2304,41 +4375,15 @@
         </p:nvSpPr>
         <p:spPr>
           <a:xfrm>
-            <a:off x="5183188" y="987425"/>
-            <a:ext cx="6172200" cy="4873625"/>
+            <a:off x="684212" y="685800"/>
+            <a:ext cx="5943601" cy="5308600"/>
           </a:xfrm>
         </p:spPr>
         <p:txBody>
-          <a:bodyPr/>
-          <a:lstStyle>
-            <a:lvl1pPr>
-              <a:defRPr sz="3200"/>
-            </a:lvl1pPr>
-            <a:lvl2pPr>
-              <a:defRPr sz="2800"/>
-            </a:lvl2pPr>
-            <a:lvl3pPr>
-              <a:defRPr sz="2400"/>
-            </a:lvl3pPr>
-            <a:lvl4pPr>
-              <a:defRPr sz="2000"/>
-            </a:lvl4pPr>
-            <a:lvl5pPr>
-              <a:defRPr sz="2000"/>
-            </a:lvl5pPr>
-            <a:lvl6pPr>
-              <a:defRPr sz="2000"/>
-            </a:lvl6pPr>
-            <a:lvl7pPr>
-              <a:defRPr sz="2000"/>
-            </a:lvl7pPr>
-            <a:lvl8pPr>
-              <a:defRPr sz="2000"/>
-            </a:lvl8pPr>
-            <a:lvl9pPr>
-              <a:defRPr sz="2000"/>
-            </a:lvl9pPr>
-          </a:lstStyle>
+          <a:bodyPr anchor="ctr">
+            <a:normAutofit/>
+          </a:bodyPr>
+          <a:lstStyle/>
           <a:p>
             <a:pPr lvl="0"/>
             <a:r>
@@ -2373,13 +4418,13 @@
               <a:rPr lang="zh-CN" altLang="en-US" smtClean="0"/>
               <a:t>第五级</a:t>
             </a:r>
-            <a:endParaRPr lang="zh-CN" altLang="en-US"/>
-          </a:p>
-        </p:txBody>
-      </p:sp>
-      <p:sp>
-        <p:nvSpPr>
-          <p:cNvPr id="4" name="文本占位符 3"/>
+            <a:endParaRPr lang="en-US" dirty="0"/>
+          </a:p>
+        </p:txBody>
+      </p:sp>
+      <p:sp>
+        <p:nvSpPr>
+          <p:cNvPr id="4" name="Text Placeholder 3"/>
           <p:cNvSpPr>
             <a:spLocks noGrp="1"/>
           </p:cNvSpPr>
@@ -2389,12 +4434,14 @@
         </p:nvSpPr>
         <p:spPr>
           <a:xfrm>
-            <a:off x="839788" y="2057400"/>
-            <a:ext cx="3932237" cy="3811588"/>
+            <a:off x="7085012" y="2209799"/>
+            <a:ext cx="3657600" cy="2091267"/>
           </a:xfrm>
         </p:spPr>
         <p:txBody>
-          <a:bodyPr/>
+          <a:bodyPr anchor="t">
+            <a:normAutofit/>
+          </a:bodyPr>
           <a:lstStyle>
             <a:lvl1pPr marL="0" indent="0">
               <a:buNone/>
@@ -2402,35 +4449,35 @@
             </a:lvl1pPr>
             <a:lvl2pPr marL="457200" indent="0">
               <a:buNone/>
-              <a:defRPr sz="1400"/>
+              <a:defRPr sz="1200"/>
             </a:lvl2pPr>
             <a:lvl3pPr marL="914400" indent="0">
               <a:buNone/>
-              <a:defRPr sz="1200"/>
+              <a:defRPr sz="1000"/>
             </a:lvl3pPr>
             <a:lvl4pPr marL="1371600" indent="0">
               <a:buNone/>
-              <a:defRPr sz="1000"/>
+              <a:defRPr sz="900"/>
             </a:lvl4pPr>
             <a:lvl5pPr marL="1828800" indent="0">
               <a:buNone/>
-              <a:defRPr sz="1000"/>
+              <a:defRPr sz="900"/>
             </a:lvl5pPr>
             <a:lvl6pPr marL="2286000" indent="0">
               <a:buNone/>
-              <a:defRPr sz="1000"/>
+              <a:defRPr sz="900"/>
             </a:lvl6pPr>
             <a:lvl7pPr marL="2743200" indent="0">
               <a:buNone/>
-              <a:defRPr sz="1000"/>
+              <a:defRPr sz="900"/>
             </a:lvl7pPr>
             <a:lvl8pPr marL="3200400" indent="0">
               <a:buNone/>
-              <a:defRPr sz="1000"/>
+              <a:defRPr sz="900"/>
             </a:lvl8pPr>
             <a:lvl9pPr marL="3657600" indent="0">
               <a:buNone/>
-              <a:defRPr sz="1000"/>
+              <a:defRPr sz="900"/>
             </a:lvl9pPr>
           </a:lstStyle>
           <a:p>
@@ -2444,7 +4491,7 @@
       </p:sp>
       <p:sp>
         <p:nvSpPr>
-          <p:cNvPr id="5" name="日期占位符 4"/>
+          <p:cNvPr id="5" name="Date Placeholder 4"/>
           <p:cNvSpPr>
             <a:spLocks noGrp="1"/>
           </p:cNvSpPr>
@@ -2467,7 +4514,7 @@
       </p:sp>
       <p:sp>
         <p:nvSpPr>
-          <p:cNvPr id="6" name="页脚占位符 5"/>
+          <p:cNvPr id="6" name="Footer Placeholder 5"/>
           <p:cNvSpPr>
             <a:spLocks noGrp="1"/>
           </p:cNvSpPr>
@@ -2486,7 +4533,7 @@
       </p:sp>
       <p:sp>
         <p:nvSpPr>
-          <p:cNvPr id="7" name="灯片编号占位符 6"/>
+          <p:cNvPr id="7" name="Slide Number Placeholder 6"/>
           <p:cNvSpPr>
             <a:spLocks noGrp="1"/>
           </p:cNvSpPr>
@@ -2510,7 +4557,7 @@
     </p:spTree>
     <p:extLst>
       <p:ext uri="{BB962C8B-B14F-4D97-AF65-F5344CB8AC3E}">
-        <p14:creationId xmlns:p14="http://schemas.microsoft.com/office/powerpoint/2010/main" val="956718806"/>
+        <p14:creationId xmlns:p14="http://schemas.microsoft.com/office/powerpoint/2010/main" val="2452555506"/>
       </p:ext>
     </p:extLst>
   </p:cSld>
@@ -2539,7 +4586,7 @@
       </p:grpSpPr>
       <p:sp>
         <p:nvSpPr>
-          <p:cNvPr id="2" name="标题 1"/>
+          <p:cNvPr id="2" name="Title 1"/>
           <p:cNvSpPr>
             <a:spLocks noGrp="1"/>
           </p:cNvSpPr>
@@ -2549,15 +4596,17 @@
         </p:nvSpPr>
         <p:spPr>
           <a:xfrm>
-            <a:off x="839788" y="457200"/>
-            <a:ext cx="3932237" cy="1600200"/>
+            <a:off x="4722812" y="1447800"/>
+            <a:ext cx="6019800" cy="1143000"/>
           </a:xfrm>
         </p:spPr>
         <p:txBody>
-          <a:bodyPr anchor="b"/>
+          <a:bodyPr anchor="b">
+            <a:normAutofit/>
+          </a:bodyPr>
           <a:lstStyle>
-            <a:lvl1pPr>
-              <a:defRPr sz="3200"/>
+            <a:lvl1pPr algn="l">
+              <a:defRPr sz="2800" b="0"/>
             </a:lvl1pPr>
           </a:lstStyle>
           <a:p>
@@ -2565,15 +4614,15 @@
               <a:rPr lang="zh-CN" altLang="en-US" smtClean="0"/>
               <a:t>单击此处编辑母版标题样式</a:t>
             </a:r>
-            <a:endParaRPr lang="zh-CN" altLang="en-US"/>
-          </a:p>
-        </p:txBody>
-      </p:sp>
-      <p:sp>
-        <p:nvSpPr>
-          <p:cNvPr id="3" name="图片占位符 2"/>
-          <p:cNvSpPr>
-            <a:spLocks noGrp="1"/>
+            <a:endParaRPr lang="en-US" dirty="0"/>
+          </a:p>
+        </p:txBody>
+      </p:sp>
+      <p:sp>
+        <p:nvSpPr>
+          <p:cNvPr id="14" name="Picture Placeholder 2"/>
+          <p:cNvSpPr>
+            <a:spLocks noGrp="1" noChangeAspect="1"/>
           </p:cNvSpPr>
           <p:nvPr>
             <p:ph type="pic" idx="1"/>
@@ -2581,112 +4630,140 @@
         </p:nvSpPr>
         <p:spPr>
           <a:xfrm>
-            <a:off x="5183188" y="987425"/>
-            <a:ext cx="6172200" cy="4873625"/>
+            <a:off x="989012" y="914400"/>
+            <a:ext cx="3280974" cy="4572000"/>
           </a:xfrm>
+          <a:prstGeom prst="snip2DiagRect">
+            <a:avLst>
+              <a:gd name="adj1" fmla="val 10815"/>
+              <a:gd name="adj2" fmla="val 0"/>
+            </a:avLst>
+          </a:prstGeom>
+          <a:ln w="15875">
+            <a:solidFill>
+              <a:schemeClr val="tx1">
+                <a:alpha val="40000"/>
+              </a:schemeClr>
+            </a:solidFill>
+          </a:ln>
+          <a:effectLst>
+            <a:innerShdw blurRad="57150" dist="38100" dir="14460000">
+              <a:srgbClr val="000000">
+                <a:alpha val="70000"/>
+              </a:srgbClr>
+            </a:innerShdw>
+          </a:effectLst>
         </p:spPr>
         <p:txBody>
-          <a:bodyPr/>
+          <a:bodyPr anchor="t">
+            <a:normAutofit/>
+          </a:bodyPr>
           <a:lstStyle>
-            <a:lvl1pPr marL="0" indent="0">
-              <a:buNone/>
-              <a:defRPr sz="3200"/>
-            </a:lvl1pPr>
-            <a:lvl2pPr marL="457200" indent="0">
-              <a:buNone/>
-              <a:defRPr sz="2800"/>
-            </a:lvl2pPr>
-            <a:lvl3pPr marL="914400" indent="0">
-              <a:buNone/>
-              <a:defRPr sz="2400"/>
-            </a:lvl3pPr>
-            <a:lvl4pPr marL="1371600" indent="0">
-              <a:buNone/>
-              <a:defRPr sz="2000"/>
-            </a:lvl4pPr>
-            <a:lvl5pPr marL="1828800" indent="0">
-              <a:buNone/>
-              <a:defRPr sz="2000"/>
-            </a:lvl5pPr>
-            <a:lvl6pPr marL="2286000" indent="0">
-              <a:buNone/>
-              <a:defRPr sz="2000"/>
-            </a:lvl6pPr>
-            <a:lvl7pPr marL="2743200" indent="0">
-              <a:buNone/>
-              <a:defRPr sz="2000"/>
-            </a:lvl7pPr>
-            <a:lvl8pPr marL="3200400" indent="0">
-              <a:buNone/>
-              <a:defRPr sz="2000"/>
-            </a:lvl8pPr>
-            <a:lvl9pPr marL="3657600" indent="0">
-              <a:buNone/>
-              <a:defRPr sz="2000"/>
-            </a:lvl9pPr>
-          </a:lstStyle>
-          <a:p>
-            <a:endParaRPr lang="zh-CN" altLang="en-US"/>
-          </a:p>
-        </p:txBody>
-      </p:sp>
-      <p:sp>
-        <p:nvSpPr>
-          <p:cNvPr id="4" name="文本占位符 3"/>
-          <p:cNvSpPr>
-            <a:spLocks noGrp="1"/>
-          </p:cNvSpPr>
-          <p:nvPr>
-            <p:ph type="body" sz="half" idx="2"/>
-          </p:nvPr>
-        </p:nvSpPr>
-        <p:spPr>
-          <a:xfrm>
-            <a:off x="839788" y="2057400"/>
-            <a:ext cx="3932237" cy="3811588"/>
-          </a:xfrm>
-        </p:spPr>
-        <p:txBody>
-          <a:bodyPr/>
-          <a:lstStyle>
-            <a:lvl1pPr marL="0" indent="0">
+            <a:lvl1pPr marL="0" indent="0" algn="ctr">
               <a:buNone/>
               <a:defRPr sz="1600"/>
             </a:lvl1pPr>
             <a:lvl2pPr marL="457200" indent="0">
               <a:buNone/>
-              <a:defRPr sz="1400"/>
+              <a:defRPr sz="1600"/>
             </a:lvl2pPr>
             <a:lvl3pPr marL="914400" indent="0">
               <a:buNone/>
-              <a:defRPr sz="1200"/>
+              <a:defRPr sz="1600"/>
             </a:lvl3pPr>
             <a:lvl4pPr marL="1371600" indent="0">
               <a:buNone/>
-              <a:defRPr sz="1000"/>
+              <a:defRPr sz="1600"/>
             </a:lvl4pPr>
             <a:lvl5pPr marL="1828800" indent="0">
               <a:buNone/>
-              <a:defRPr sz="1000"/>
+              <a:defRPr sz="1600"/>
             </a:lvl5pPr>
             <a:lvl6pPr marL="2286000" indent="0">
               <a:buNone/>
-              <a:defRPr sz="1000"/>
+              <a:defRPr sz="1600"/>
             </a:lvl6pPr>
             <a:lvl7pPr marL="2743200" indent="0">
               <a:buNone/>
-              <a:defRPr sz="1000"/>
+              <a:defRPr sz="1600"/>
             </a:lvl7pPr>
             <a:lvl8pPr marL="3200400" indent="0">
               <a:buNone/>
-              <a:defRPr sz="1000"/>
+              <a:defRPr sz="1600"/>
             </a:lvl8pPr>
             <a:lvl9pPr marL="3657600" indent="0">
               <a:buNone/>
-              <a:defRPr sz="1000"/>
+              <a:defRPr sz="1600"/>
             </a:lvl9pPr>
           </a:lstStyle>
           <a:p>
+            <a:r>
+              <a:rPr lang="zh-CN" altLang="en-US" smtClean="0"/>
+              <a:t>单击图标添加图片</a:t>
+            </a:r>
+            <a:endParaRPr lang="en-US" dirty="0"/>
+          </a:p>
+        </p:txBody>
+      </p:sp>
+      <p:sp>
+        <p:nvSpPr>
+          <p:cNvPr id="4" name="Text Placeholder 3"/>
+          <p:cNvSpPr>
+            <a:spLocks noGrp="1"/>
+          </p:cNvSpPr>
+          <p:nvPr>
+            <p:ph type="body" sz="half" idx="2"/>
+          </p:nvPr>
+        </p:nvSpPr>
+        <p:spPr>
+          <a:xfrm>
+            <a:off x="4722812" y="2777066"/>
+            <a:ext cx="6021388" cy="2048933"/>
+          </a:xfrm>
+        </p:spPr>
+        <p:txBody>
+          <a:bodyPr anchor="t">
+            <a:normAutofit/>
+          </a:bodyPr>
+          <a:lstStyle>
+            <a:lvl1pPr marL="0" indent="0">
+              <a:buNone/>
+              <a:defRPr sz="1800"/>
+            </a:lvl1pPr>
+            <a:lvl2pPr marL="457200" indent="0">
+              <a:buNone/>
+              <a:defRPr sz="1200"/>
+            </a:lvl2pPr>
+            <a:lvl3pPr marL="914400" indent="0">
+              <a:buNone/>
+              <a:defRPr sz="1000"/>
+            </a:lvl3pPr>
+            <a:lvl4pPr marL="1371600" indent="0">
+              <a:buNone/>
+              <a:defRPr sz="900"/>
+            </a:lvl4pPr>
+            <a:lvl5pPr marL="1828800" indent="0">
+              <a:buNone/>
+              <a:defRPr sz="900"/>
+            </a:lvl5pPr>
+            <a:lvl6pPr marL="2286000" indent="0">
+              <a:buNone/>
+              <a:defRPr sz="900"/>
+            </a:lvl6pPr>
+            <a:lvl7pPr marL="2743200" indent="0">
+              <a:buNone/>
+              <a:defRPr sz="900"/>
+            </a:lvl7pPr>
+            <a:lvl8pPr marL="3200400" indent="0">
+              <a:buNone/>
+              <a:defRPr sz="900"/>
+            </a:lvl8pPr>
+            <a:lvl9pPr marL="3657600" indent="0">
+              <a:buNone/>
+              <a:defRPr sz="900"/>
+            </a:lvl9pPr>
+          </a:lstStyle>
+          <a:p>
             <a:pPr lvl="0"/>
             <a:r>
               <a:rPr lang="zh-CN" altLang="en-US" smtClean="0"/>
@@ -2697,7 +4774,7 @@
       </p:sp>
       <p:sp>
         <p:nvSpPr>
-          <p:cNvPr id="5" name="日期占位符 4"/>
+          <p:cNvPr id="5" name="Date Placeholder 4"/>
           <p:cNvSpPr>
             <a:spLocks noGrp="1"/>
           </p:cNvSpPr>
@@ -2720,7 +4797,7 @@
       </p:sp>
       <p:sp>
         <p:nvSpPr>
-          <p:cNvPr id="6" name="页脚占位符 5"/>
+          <p:cNvPr id="6" name="Footer Placeholder 5"/>
           <p:cNvSpPr>
             <a:spLocks noGrp="1"/>
           </p:cNvSpPr>
@@ -2739,7 +4816,7 @@
       </p:sp>
       <p:sp>
         <p:nvSpPr>
-          <p:cNvPr id="7" name="灯片编号占位符 6"/>
+          <p:cNvPr id="7" name="Slide Number Placeholder 6"/>
           <p:cNvSpPr>
             <a:spLocks noGrp="1"/>
           </p:cNvSpPr>
@@ -2763,7 +4840,7 @@
     </p:spTree>
     <p:extLst>
       <p:ext uri="{BB962C8B-B14F-4D97-AF65-F5344CB8AC3E}">
-        <p14:creationId xmlns:p14="http://schemas.microsoft.com/office/powerpoint/2010/main" val="722103867"/>
+        <p14:creationId xmlns:p14="http://schemas.microsoft.com/office/powerpoint/2010/main" val="1600919066"/>
       </p:ext>
     </p:extLst>
   </p:cSld>
@@ -2777,8 +4854,8 @@
 <p:sldMaster xmlns:a="http://schemas.openxmlformats.org/drawingml/2006/main" xmlns:r="http://schemas.openxmlformats.org/officeDocument/2006/relationships" xmlns:p="http://schemas.openxmlformats.org/presentationml/2006/main">
   <p:cSld>
     <p:bg>
-      <p:bgRef idx="1001">
-        <a:schemeClr val="bg1"/>
+      <p:bgRef idx="1002">
+        <a:schemeClr val="bg2"/>
       </p:bgRef>
     </p:bg>
     <p:spTree>
@@ -2795,9 +4872,199 @@
           <a:chExt cx="0" cy="0"/>
         </a:xfrm>
       </p:grpSpPr>
-      <p:sp>
-        <p:nvSpPr>
-          <p:cNvPr id="2" name="标题占位符 1"/>
+      <p:grpSp>
+        <p:nvGrpSpPr>
+          <p:cNvPr id="7" name="Group 6"/>
+          <p:cNvGrpSpPr/>
+          <p:nvPr/>
+        </p:nvGrpSpPr>
+        <p:grpSpPr>
+          <a:xfrm>
+            <a:off x="9206969" y="2963333"/>
+            <a:ext cx="2981858" cy="3208867"/>
+            <a:chOff x="9206969" y="2963333"/>
+            <a:chExt cx="2981858" cy="3208867"/>
+          </a:xfrm>
+        </p:grpSpPr>
+        <p:cxnSp>
+          <p:nvCxnSpPr>
+            <p:cNvPr id="8" name="Straight Connector 7"/>
+            <p:cNvCxnSpPr/>
+            <p:nvPr/>
+          </p:nvCxnSpPr>
+          <p:spPr>
+            <a:xfrm flipH="1">
+              <a:off x="11276012" y="2963333"/>
+              <a:ext cx="912814" cy="912812"/>
+            </a:xfrm>
+            <a:prstGeom prst="line">
+              <a:avLst/>
+            </a:prstGeom>
+            <a:ln w="9525">
+              <a:solidFill>
+                <a:schemeClr val="tx1"/>
+              </a:solidFill>
+            </a:ln>
+          </p:spPr>
+          <p:style>
+            <a:lnRef idx="2">
+              <a:schemeClr val="accent1"/>
+            </a:lnRef>
+            <a:fillRef idx="0">
+              <a:schemeClr val="accent1"/>
+            </a:fillRef>
+            <a:effectRef idx="1">
+              <a:schemeClr val="accent1"/>
+            </a:effectRef>
+            <a:fontRef idx="minor">
+              <a:schemeClr val="tx1"/>
+            </a:fontRef>
+          </p:style>
+        </p:cxnSp>
+        <p:cxnSp>
+          <p:nvCxnSpPr>
+            <p:cNvPr id="9" name="Straight Connector 8"/>
+            <p:cNvCxnSpPr/>
+            <p:nvPr/>
+          </p:nvCxnSpPr>
+          <p:spPr>
+            <a:xfrm flipH="1">
+              <a:off x="9206969" y="3190344"/>
+              <a:ext cx="2981857" cy="2981856"/>
+            </a:xfrm>
+            <a:prstGeom prst="line">
+              <a:avLst/>
+            </a:prstGeom>
+            <a:ln w="9525">
+              <a:solidFill>
+                <a:schemeClr val="tx1"/>
+              </a:solidFill>
+            </a:ln>
+          </p:spPr>
+          <p:style>
+            <a:lnRef idx="2">
+              <a:schemeClr val="accent1"/>
+            </a:lnRef>
+            <a:fillRef idx="0">
+              <a:schemeClr val="accent1"/>
+            </a:fillRef>
+            <a:effectRef idx="1">
+              <a:schemeClr val="accent1"/>
+            </a:effectRef>
+            <a:fontRef idx="minor">
+              <a:schemeClr val="tx1"/>
+            </a:fontRef>
+          </p:style>
+        </p:cxnSp>
+        <p:cxnSp>
+          <p:nvCxnSpPr>
+            <p:cNvPr id="10" name="Straight Connector 9"/>
+            <p:cNvCxnSpPr/>
+            <p:nvPr/>
+          </p:nvCxnSpPr>
+          <p:spPr>
+            <a:xfrm flipH="1">
+              <a:off x="10292292" y="3285067"/>
+              <a:ext cx="1896534" cy="1896533"/>
+            </a:xfrm>
+            <a:prstGeom prst="line">
+              <a:avLst/>
+            </a:prstGeom>
+            <a:ln w="9525">
+              <a:solidFill>
+                <a:schemeClr val="tx1"/>
+              </a:solidFill>
+            </a:ln>
+          </p:spPr>
+          <p:style>
+            <a:lnRef idx="2">
+              <a:schemeClr val="accent1"/>
+            </a:lnRef>
+            <a:fillRef idx="0">
+              <a:schemeClr val="accent1"/>
+            </a:fillRef>
+            <a:effectRef idx="1">
+              <a:schemeClr val="accent1"/>
+            </a:effectRef>
+            <a:fontRef idx="minor">
+              <a:schemeClr val="tx1"/>
+            </a:fontRef>
+          </p:style>
+        </p:cxnSp>
+        <p:cxnSp>
+          <p:nvCxnSpPr>
+            <p:cNvPr id="11" name="Straight Connector 10"/>
+            <p:cNvCxnSpPr/>
+            <p:nvPr/>
+          </p:nvCxnSpPr>
+          <p:spPr>
+            <a:xfrm flipH="1">
+              <a:off x="10443103" y="3131080"/>
+              <a:ext cx="1745722" cy="1745720"/>
+            </a:xfrm>
+            <a:prstGeom prst="line">
+              <a:avLst/>
+            </a:prstGeom>
+            <a:ln w="28575">
+              <a:solidFill>
+                <a:schemeClr val="tx1"/>
+              </a:solidFill>
+            </a:ln>
+          </p:spPr>
+          <p:style>
+            <a:lnRef idx="2">
+              <a:schemeClr val="accent1"/>
+            </a:lnRef>
+            <a:fillRef idx="0">
+              <a:schemeClr val="accent1"/>
+            </a:fillRef>
+            <a:effectRef idx="1">
+              <a:schemeClr val="accent1"/>
+            </a:effectRef>
+            <a:fontRef idx="minor">
+              <a:schemeClr val="tx1"/>
+            </a:fontRef>
+          </p:style>
+        </p:cxnSp>
+        <p:cxnSp>
+          <p:nvCxnSpPr>
+            <p:cNvPr id="12" name="Straight Connector 11"/>
+            <p:cNvCxnSpPr/>
+            <p:nvPr/>
+          </p:nvCxnSpPr>
+          <p:spPr>
+            <a:xfrm flipH="1">
+              <a:off x="10918826" y="3683001"/>
+              <a:ext cx="1270001" cy="1269999"/>
+            </a:xfrm>
+            <a:prstGeom prst="line">
+              <a:avLst/>
+            </a:prstGeom>
+            <a:ln w="28575">
+              <a:solidFill>
+                <a:schemeClr val="tx1"/>
+              </a:solidFill>
+            </a:ln>
+          </p:spPr>
+          <p:style>
+            <a:lnRef idx="2">
+              <a:schemeClr val="accent1"/>
+            </a:lnRef>
+            <a:fillRef idx="0">
+              <a:schemeClr val="accent1"/>
+            </a:fillRef>
+            <a:effectRef idx="1">
+              <a:schemeClr val="accent1"/>
+            </a:effectRef>
+            <a:fontRef idx="minor">
+              <a:schemeClr val="tx1"/>
+            </a:fontRef>
+          </p:style>
+        </p:cxnSp>
+      </p:grpSp>
+      <p:sp>
+        <p:nvSpPr>
+          <p:cNvPr id="2" name="Title Placeholder 1"/>
           <p:cNvSpPr>
             <a:spLocks noGrp="1"/>
           </p:cNvSpPr>
@@ -2807,8 +5074,42 @@
         </p:nvSpPr>
         <p:spPr>
           <a:xfrm>
-            <a:off x="838200" y="365125"/>
-            <a:ext cx="10515600" cy="1325563"/>
+            <a:off x="684212" y="4487332"/>
+            <a:ext cx="8534400" cy="1507067"/>
+          </a:xfrm>
+          <a:prstGeom prst="rect">
+            <a:avLst/>
+          </a:prstGeom>
+          <a:effectLst/>
+        </p:spPr>
+        <p:txBody>
+          <a:bodyPr vert="horz" lIns="91440" tIns="45720" rIns="91440" bIns="45720" rtlCol="0" anchor="ctr">
+            <a:normAutofit/>
+          </a:bodyPr>
+          <a:lstStyle/>
+          <a:p>
+            <a:r>
+              <a:rPr lang="zh-CN" altLang="en-US" smtClean="0"/>
+              <a:t>单击此处编辑母版标题样式</a:t>
+            </a:r>
+            <a:endParaRPr lang="en-US" dirty="0"/>
+          </a:p>
+        </p:txBody>
+      </p:sp>
+      <p:sp>
+        <p:nvSpPr>
+          <p:cNvPr id="3" name="Text Placeholder 2"/>
+          <p:cNvSpPr>
+            <a:spLocks noGrp="1"/>
+          </p:cNvSpPr>
+          <p:nvPr>
+            <p:ph type="body" idx="1"/>
+          </p:nvPr>
+        </p:nvSpPr>
+        <p:spPr>
+          <a:xfrm>
+            <a:off x="684212" y="685800"/>
+            <a:ext cx="8534400" cy="3615267"/>
           </a:xfrm>
           <a:prstGeom prst="rect">
             <a:avLst/>
@@ -2820,187 +5121,160 @@
           </a:bodyPr>
           <a:lstStyle/>
           <a:p>
-            <a:r>
-              <a:rPr lang="zh-CN" altLang="en-US" smtClean="0"/>
-              <a:t>单击此处编辑母版标题样式</a:t>
-            </a:r>
-            <a:endParaRPr lang="zh-CN" altLang="en-US"/>
-          </a:p>
-        </p:txBody>
-      </p:sp>
-      <p:sp>
-        <p:nvSpPr>
-          <p:cNvPr id="3" name="文本占位符 2"/>
-          <p:cNvSpPr>
-            <a:spLocks noGrp="1"/>
-          </p:cNvSpPr>
-          <p:nvPr>
-            <p:ph type="body" idx="1"/>
+            <a:pPr lvl="0"/>
+            <a:r>
+              <a:rPr lang="zh-CN" altLang="en-US" smtClean="0"/>
+              <a:t>编辑母版文本样式</a:t>
+            </a:r>
+          </a:p>
+          <a:p>
+            <a:pPr lvl="1"/>
+            <a:r>
+              <a:rPr lang="zh-CN" altLang="en-US" smtClean="0"/>
+              <a:t>第二级</a:t>
+            </a:r>
+          </a:p>
+          <a:p>
+            <a:pPr lvl="2"/>
+            <a:r>
+              <a:rPr lang="zh-CN" altLang="en-US" smtClean="0"/>
+              <a:t>第三级</a:t>
+            </a:r>
+          </a:p>
+          <a:p>
+            <a:pPr lvl="3"/>
+            <a:r>
+              <a:rPr lang="zh-CN" altLang="en-US" smtClean="0"/>
+              <a:t>第四级</a:t>
+            </a:r>
+          </a:p>
+          <a:p>
+            <a:pPr lvl="4"/>
+            <a:r>
+              <a:rPr lang="zh-CN" altLang="en-US" smtClean="0"/>
+              <a:t>第五级</a:t>
+            </a:r>
+            <a:endParaRPr lang="en-US" dirty="0"/>
+          </a:p>
+        </p:txBody>
+      </p:sp>
+      <p:sp>
+        <p:nvSpPr>
+          <p:cNvPr id="4" name="Date Placeholder 3"/>
+          <p:cNvSpPr>
+            <a:spLocks noGrp="1"/>
+          </p:cNvSpPr>
+          <p:nvPr>
+            <p:ph type="dt" sz="half" idx="2"/>
           </p:nvPr>
         </p:nvSpPr>
         <p:spPr>
           <a:xfrm>
-            <a:off x="838200" y="1825625"/>
-            <a:ext cx="10515600" cy="4351338"/>
+            <a:off x="9904412" y="6172200"/>
+            <a:ext cx="1600200" cy="365125"/>
           </a:xfrm>
           <a:prstGeom prst="rect">
             <a:avLst/>
           </a:prstGeom>
         </p:spPr>
         <p:txBody>
-          <a:bodyPr vert="horz" lIns="91440" tIns="45720" rIns="91440" bIns="45720" rtlCol="0">
-            <a:normAutofit/>
-          </a:bodyPr>
-          <a:lstStyle/>
-          <a:p>
-            <a:pPr lvl="0"/>
-            <a:r>
-              <a:rPr lang="zh-CN" altLang="en-US" smtClean="0"/>
-              <a:t>编辑母版文本样式</a:t>
-            </a:r>
-          </a:p>
-          <a:p>
-            <a:pPr lvl="1"/>
-            <a:r>
-              <a:rPr lang="zh-CN" altLang="en-US" smtClean="0"/>
-              <a:t>第二级</a:t>
-            </a:r>
-          </a:p>
-          <a:p>
-            <a:pPr lvl="2"/>
-            <a:r>
-              <a:rPr lang="zh-CN" altLang="en-US" smtClean="0"/>
-              <a:t>第三级</a:t>
-            </a:r>
-          </a:p>
-          <a:p>
-            <a:pPr lvl="3"/>
-            <a:r>
-              <a:rPr lang="zh-CN" altLang="en-US" smtClean="0"/>
-              <a:t>第四级</a:t>
-            </a:r>
-          </a:p>
-          <a:p>
-            <a:pPr lvl="4"/>
-            <a:r>
-              <a:rPr lang="zh-CN" altLang="en-US" smtClean="0"/>
-              <a:t>第五级</a:t>
-            </a:r>
+          <a:bodyPr vert="horz" lIns="91440" tIns="45720" rIns="91440" bIns="45720" rtlCol="0" anchor="t"/>
+          <a:lstStyle>
+            <a:lvl1pPr algn="r">
+              <a:defRPr sz="1000" b="0" i="0">
+                <a:solidFill>
+                  <a:schemeClr val="bg2">
+                    <a:lumMod val="50000"/>
+                  </a:schemeClr>
+                </a:solidFill>
+                <a:effectLst/>
+                <a:latin typeface="+mn-lt"/>
+              </a:defRPr>
+            </a:lvl1pPr>
+          </a:lstStyle>
+          <a:p>
+            <a:fld id="{0C16BA23-FD24-4A35-AF8A-49E1AD521C28}" type="datetimeFigureOut">
+              <a:rPr lang="zh-CN" altLang="en-US" smtClean="0"/>
+              <a:t>2017/10/29</a:t>
+            </a:fld>
             <a:endParaRPr lang="zh-CN" altLang="en-US"/>
           </a:p>
         </p:txBody>
       </p:sp>
       <p:sp>
         <p:nvSpPr>
-          <p:cNvPr id="4" name="日期占位符 3"/>
-          <p:cNvSpPr>
-            <a:spLocks noGrp="1"/>
-          </p:cNvSpPr>
-          <p:nvPr>
-            <p:ph type="dt" sz="half" idx="2"/>
+          <p:cNvPr id="5" name="Footer Placeholder 4"/>
+          <p:cNvSpPr>
+            <a:spLocks noGrp="1"/>
+          </p:cNvSpPr>
+          <p:nvPr>
+            <p:ph type="ftr" sz="quarter" idx="3"/>
           </p:nvPr>
         </p:nvSpPr>
         <p:spPr>
           <a:xfrm>
-            <a:off x="838200" y="6356350"/>
-            <a:ext cx="2743200" cy="365125"/>
+            <a:off x="684212" y="6172200"/>
+            <a:ext cx="7543800" cy="365125"/>
           </a:xfrm>
           <a:prstGeom prst="rect">
             <a:avLst/>
           </a:prstGeom>
         </p:spPr>
         <p:txBody>
-          <a:bodyPr vert="horz" lIns="91440" tIns="45720" rIns="91440" bIns="45720" rtlCol="0" anchor="ctr"/>
+          <a:bodyPr vert="horz" lIns="91440" tIns="45720" rIns="91440" bIns="45720" rtlCol="0" anchor="t"/>
           <a:lstStyle>
             <a:lvl1pPr algn="l">
-              <a:defRPr sz="1200">
+              <a:defRPr sz="1000" b="0" i="0">
                 <a:solidFill>
-                  <a:schemeClr val="tx1">
-                    <a:tint val="75000"/>
+                  <a:schemeClr val="bg2">
+                    <a:lumMod val="50000"/>
                   </a:schemeClr>
                 </a:solidFill>
+                <a:effectLst/>
+                <a:latin typeface="+mn-lt"/>
               </a:defRPr>
             </a:lvl1pPr>
           </a:lstStyle>
           <a:p>
-            <a:fld id="{0C16BA23-FD24-4A35-AF8A-49E1AD521C28}" type="datetimeFigureOut">
-              <a:rPr lang="zh-CN" altLang="en-US" smtClean="0"/>
-              <a:t>2017/10/29</a:t>
-            </a:fld>
             <a:endParaRPr lang="zh-CN" altLang="en-US"/>
           </a:p>
         </p:txBody>
       </p:sp>
       <p:sp>
         <p:nvSpPr>
-          <p:cNvPr id="5" name="页脚占位符 4"/>
-          <p:cNvSpPr>
-            <a:spLocks noGrp="1"/>
-          </p:cNvSpPr>
-          <p:nvPr>
-            <p:ph type="ftr" sz="quarter" idx="3"/>
+          <p:cNvPr id="6" name="Slide Number Placeholder 5"/>
+          <p:cNvSpPr>
+            <a:spLocks noGrp="1"/>
+          </p:cNvSpPr>
+          <p:nvPr>
+            <p:ph type="sldNum" sz="quarter" idx="4"/>
           </p:nvPr>
         </p:nvSpPr>
         <p:spPr>
           <a:xfrm>
-            <a:off x="4038600" y="6356350"/>
-            <a:ext cx="4114800" cy="365125"/>
+            <a:off x="10363200" y="5578475"/>
+            <a:ext cx="1142245" cy="669925"/>
           </a:xfrm>
           <a:prstGeom prst="rect">
             <a:avLst/>
           </a:prstGeom>
         </p:spPr>
         <p:txBody>
-          <a:bodyPr vert="horz" lIns="91440" tIns="45720" rIns="91440" bIns="45720" rtlCol="0" anchor="ctr"/>
+          <a:bodyPr vert="horz" lIns="91440" tIns="45720" rIns="91440" bIns="45720" rtlCol="0" anchor="b"/>
           <a:lstStyle>
-            <a:lvl1pPr algn="ctr">
-              <a:defRPr sz="1200">
+            <a:lvl1pPr algn="r">
+              <a:defRPr sz="3200" b="0" i="0">
                 <a:solidFill>
-                  <a:schemeClr val="tx1">
-                    <a:tint val="75000"/>
+                  <a:schemeClr val="bg2">
+                    <a:lumMod val="50000"/>
                   </a:schemeClr>
                 </a:solidFill>
+                <a:effectLst/>
+                <a:latin typeface="+mn-lt"/>
               </a:defRPr>
             </a:lvl1pPr>
           </a:lstStyle>
           <a:p>
-            <a:endParaRPr lang="zh-CN" altLang="en-US"/>
-          </a:p>
-        </p:txBody>
-      </p:sp>
-      <p:sp>
-        <p:nvSpPr>
-          <p:cNvPr id="6" name="灯片编号占位符 5"/>
-          <p:cNvSpPr>
-            <a:spLocks noGrp="1"/>
-          </p:cNvSpPr>
-          <p:nvPr>
-            <p:ph type="sldNum" sz="quarter" idx="4"/>
-          </p:nvPr>
-        </p:nvSpPr>
-        <p:spPr>
-          <a:xfrm>
-            <a:off x="8610600" y="6356350"/>
-            <a:ext cx="2743200" cy="365125"/>
-          </a:xfrm>
-          <a:prstGeom prst="rect">
-            <a:avLst/>
-          </a:prstGeom>
-        </p:spPr>
-        <p:txBody>
-          <a:bodyPr vert="horz" lIns="91440" tIns="45720" rIns="91440" bIns="45720" rtlCol="0" anchor="ctr"/>
-          <a:lstStyle>
-            <a:lvl1pPr algn="r">
-              <a:defRPr sz="1200">
-                <a:solidFill>
-                  <a:schemeClr val="tx1">
-                    <a:tint val="75000"/>
-                  </a:schemeClr>
-                </a:solidFill>
-              </a:defRPr>
-            </a:lvl1pPr>
-          </a:lstStyle>
-          <a:p>
             <a:fld id="{6F1A8388-9405-4831-89BC-648F94A3ED34}" type="slidenum">
               <a:rPr lang="zh-CN" altLang="en-US" smtClean="0"/>
               <a:t>‹#›</a:t>
@@ -3012,55 +5286,340 @@
     </p:spTree>
     <p:extLst>
       <p:ext uri="{BB962C8B-B14F-4D97-AF65-F5344CB8AC3E}">
-        <p14:creationId xmlns:p14="http://schemas.microsoft.com/office/powerpoint/2010/main" val="12302919"/>
+        <p14:creationId xmlns:p14="http://schemas.microsoft.com/office/powerpoint/2010/main" val="646459868"/>
       </p:ext>
     </p:extLst>
   </p:cSld>
-  <p:clrMap bg1="lt1" tx1="dk1" bg2="lt2" tx2="dk2" accent1="accent1" accent2="accent2" accent3="accent3" accent4="accent4" accent5="accent5" accent6="accent6" hlink="hlink" folHlink="folHlink"/>
+  <p:clrMap bg1="dk1" tx1="lt1" bg2="dk2" tx2="lt2" accent1="accent1" accent2="accent2" accent3="accent3" accent4="accent4" accent5="accent5" accent6="accent6" hlink="hlink" folHlink="folHlink"/>
   <p:sldLayoutIdLst>
-    <p:sldLayoutId id="2147483649" r:id="rId1"/>
-    <p:sldLayoutId id="2147483650" r:id="rId2"/>
-    <p:sldLayoutId id="2147483651" r:id="rId3"/>
-    <p:sldLayoutId id="2147483652" r:id="rId4"/>
-    <p:sldLayoutId id="2147483653" r:id="rId5"/>
-    <p:sldLayoutId id="2147483654" r:id="rId6"/>
-    <p:sldLayoutId id="2147483655" r:id="rId7"/>
-    <p:sldLayoutId id="2147483656" r:id="rId8"/>
-    <p:sldLayoutId id="2147483657" r:id="rId9"/>
-    <p:sldLayoutId id="2147483658" r:id="rId10"/>
-    <p:sldLayoutId id="2147483659" r:id="rId11"/>
+    <p:sldLayoutId id="2147483661" r:id="rId1"/>
+    <p:sldLayoutId id="2147483662" r:id="rId2"/>
+    <p:sldLayoutId id="2147483663" r:id="rId3"/>
+    <p:sldLayoutId id="2147483664" r:id="rId4"/>
+    <p:sldLayoutId id="2147483665" r:id="rId5"/>
+    <p:sldLayoutId id="2147483666" r:id="rId6"/>
+    <p:sldLayoutId id="2147483667" r:id="rId7"/>
+    <p:sldLayoutId id="2147483668" r:id="rId8"/>
+    <p:sldLayoutId id="2147483669" r:id="rId9"/>
+    <p:sldLayoutId id="2147483670" r:id="rId10"/>
+    <p:sldLayoutId id="2147483671" r:id="rId11"/>
+    <p:sldLayoutId id="2147483672" r:id="rId12"/>
+    <p:sldLayoutId id="2147483673" r:id="rId13"/>
+    <p:sldLayoutId id="2147483674" r:id="rId14"/>
+    <p:sldLayoutId id="2147483675" r:id="rId15"/>
+    <p:sldLayoutId id="2147483676" r:id="rId16"/>
+    <p:sldLayoutId id="2147483677" r:id="rId17"/>
   </p:sldLayoutIdLst>
   <p:txStyles>
     <p:titleStyle>
-      <a:lvl1pPr algn="l" defTabSz="914400" rtl="0" eaLnBrk="1" latinLnBrk="0" hangingPunct="1">
-        <a:lnSpc>
-          <a:spcPct val="90000"/>
-        </a:lnSpc>
+      <a:lvl1pPr algn="l" defTabSz="457200" rtl="0" eaLnBrk="1" latinLnBrk="0" hangingPunct="1">
         <a:spcBef>
           <a:spcPct val="0"/>
         </a:spcBef>
         <a:buNone/>
-        <a:defRPr sz="4400" kern="1200">
+        <a:defRPr sz="3600" kern="1200" cap="all">
+          <a:ln w="3175" cmpd="sng">
+            <a:noFill/>
+          </a:ln>
           <a:solidFill>
             <a:schemeClr val="tx1"/>
           </a:solidFill>
+          <a:effectLst/>
           <a:latin typeface="+mj-lt"/>
           <a:ea typeface="+mj-ea"/>
           <a:cs typeface="+mj-cs"/>
         </a:defRPr>
       </a:lvl1pPr>
+      <a:lvl2pPr eaLnBrk="1" hangingPunct="1">
+        <a:defRPr>
+          <a:solidFill>
+            <a:schemeClr val="tx2"/>
+          </a:solidFill>
+        </a:defRPr>
+      </a:lvl2pPr>
+      <a:lvl3pPr eaLnBrk="1" hangingPunct="1">
+        <a:defRPr>
+          <a:solidFill>
+            <a:schemeClr val="tx2"/>
+          </a:solidFill>
+        </a:defRPr>
+      </a:lvl3pPr>
+      <a:lvl4pPr eaLnBrk="1" hangingPunct="1">
+        <a:defRPr>
+          <a:solidFill>
+            <a:schemeClr val="tx2"/>
+          </a:solidFill>
+        </a:defRPr>
+      </a:lvl4pPr>
+      <a:lvl5pPr eaLnBrk="1" hangingPunct="1">
+        <a:defRPr>
+          <a:solidFill>
+            <a:schemeClr val="tx2"/>
+          </a:solidFill>
+        </a:defRPr>
+      </a:lvl5pPr>
+      <a:lvl6pPr eaLnBrk="1" hangingPunct="1">
+        <a:defRPr>
+          <a:solidFill>
+            <a:schemeClr val="tx2"/>
+          </a:solidFill>
+        </a:defRPr>
+      </a:lvl6pPr>
+      <a:lvl7pPr eaLnBrk="1" hangingPunct="1">
+        <a:defRPr>
+          <a:solidFill>
+            <a:schemeClr val="tx2"/>
+          </a:solidFill>
+        </a:defRPr>
+      </a:lvl7pPr>
+      <a:lvl8pPr eaLnBrk="1" hangingPunct="1">
+        <a:defRPr>
+          <a:solidFill>
+            <a:schemeClr val="tx2"/>
+          </a:solidFill>
+        </a:defRPr>
+      </a:lvl8pPr>
+      <a:lvl9pPr eaLnBrk="1" hangingPunct="1">
+        <a:defRPr>
+          <a:solidFill>
+            <a:schemeClr val="tx2"/>
+          </a:solidFill>
+        </a:defRPr>
+      </a:lvl9pPr>
     </p:titleStyle>
     <p:bodyStyle>
-      <a:lvl1pPr marL="228600" indent="-228600" algn="l" defTabSz="914400" rtl="0" eaLnBrk="1" latinLnBrk="0" hangingPunct="1">
-        <a:lnSpc>
-          <a:spcPct val="90000"/>
-        </a:lnSpc>
+      <a:lvl1pPr marL="285750" indent="-285750" algn="l" defTabSz="457200" rtl="0" eaLnBrk="1" latinLnBrk="0" hangingPunct="1">
         <a:spcBef>
-          <a:spcPts val="1000"/>
+          <a:spcPct val="20000"/>
         </a:spcBef>
-        <a:buFont typeface="Arial" panose="020B0604020202020204" pitchFamily="34" charset="0"/>
-        <a:buChar char="•"/>
-        <a:defRPr sz="2800" kern="1200">
+        <a:spcAft>
+          <a:spcPts val="600"/>
+        </a:spcAft>
+        <a:buClr>
+          <a:schemeClr val="tx1"/>
+        </a:buClr>
+        <a:buSzPct val="80000"/>
+        <a:buFont typeface="Wingdings 3" panose="05040102010807070707" pitchFamily="18" charset="2"/>
+        <a:buChar char=""/>
+        <a:defRPr sz="2000" kern="1200" cap="none">
+          <a:solidFill>
+            <a:schemeClr val="bg2">
+              <a:lumMod val="75000"/>
+            </a:schemeClr>
+          </a:solidFill>
+          <a:effectLst/>
+          <a:latin typeface="+mn-lt"/>
+          <a:ea typeface="+mn-ea"/>
+          <a:cs typeface="+mn-cs"/>
+        </a:defRPr>
+      </a:lvl1pPr>
+      <a:lvl2pPr marL="742950" indent="-285750" algn="l" defTabSz="457200" rtl="0" eaLnBrk="1" latinLnBrk="0" hangingPunct="1">
+        <a:spcBef>
+          <a:spcPct val="20000"/>
+        </a:spcBef>
+        <a:spcAft>
+          <a:spcPts val="600"/>
+        </a:spcAft>
+        <a:buClr>
+          <a:schemeClr val="tx1"/>
+        </a:buClr>
+        <a:buSzPct val="80000"/>
+        <a:buFont typeface="Wingdings 3" panose="05040102010807070707" pitchFamily="18" charset="2"/>
+        <a:buChar char=""/>
+        <a:defRPr sz="1800" kern="1200" cap="none">
+          <a:solidFill>
+            <a:schemeClr val="bg2">
+              <a:lumMod val="75000"/>
+            </a:schemeClr>
+          </a:solidFill>
+          <a:effectLst/>
+          <a:latin typeface="+mn-lt"/>
+          <a:ea typeface="+mn-ea"/>
+          <a:cs typeface="+mn-cs"/>
+        </a:defRPr>
+      </a:lvl2pPr>
+      <a:lvl3pPr marL="1200150" indent="-285750" algn="l" defTabSz="457200" rtl="0" eaLnBrk="1" latinLnBrk="0" hangingPunct="1">
+        <a:spcBef>
+          <a:spcPct val="20000"/>
+        </a:spcBef>
+        <a:spcAft>
+          <a:spcPts val="600"/>
+        </a:spcAft>
+        <a:buClr>
+          <a:schemeClr val="tx1"/>
+        </a:buClr>
+        <a:buSzPct val="80000"/>
+        <a:buFont typeface="Wingdings 3" panose="05040102010807070707" pitchFamily="18" charset="2"/>
+        <a:buChar char=""/>
+        <a:defRPr sz="1600" kern="1200" cap="none">
+          <a:solidFill>
+            <a:schemeClr val="bg2">
+              <a:lumMod val="75000"/>
+            </a:schemeClr>
+          </a:solidFill>
+          <a:effectLst/>
+          <a:latin typeface="+mn-lt"/>
+          <a:ea typeface="+mn-ea"/>
+          <a:cs typeface="+mn-cs"/>
+        </a:defRPr>
+      </a:lvl3pPr>
+      <a:lvl4pPr marL="1543050" indent="-171450" algn="l" defTabSz="457200" rtl="0" eaLnBrk="1" latinLnBrk="0" hangingPunct="1">
+        <a:spcBef>
+          <a:spcPct val="20000"/>
+        </a:spcBef>
+        <a:spcAft>
+          <a:spcPts val="600"/>
+        </a:spcAft>
+        <a:buClr>
+          <a:schemeClr val="tx1"/>
+        </a:buClr>
+        <a:buSzPct val="80000"/>
+        <a:buFont typeface="Wingdings 3" panose="05040102010807070707" pitchFamily="18" charset="2"/>
+        <a:buChar char=""/>
+        <a:defRPr sz="1400" kern="1200" cap="none">
+          <a:solidFill>
+            <a:schemeClr val="bg2">
+              <a:lumMod val="75000"/>
+            </a:schemeClr>
+          </a:solidFill>
+          <a:effectLst/>
+          <a:latin typeface="+mn-lt"/>
+          <a:ea typeface="+mn-ea"/>
+          <a:cs typeface="+mn-cs"/>
+        </a:defRPr>
+      </a:lvl4pPr>
+      <a:lvl5pPr marL="2000250" indent="-171450" algn="l" defTabSz="457200" rtl="0" eaLnBrk="1" latinLnBrk="0" hangingPunct="1">
+        <a:spcBef>
+          <a:spcPct val="20000"/>
+        </a:spcBef>
+        <a:spcAft>
+          <a:spcPts val="600"/>
+        </a:spcAft>
+        <a:buClr>
+          <a:schemeClr val="tx1"/>
+        </a:buClr>
+        <a:buSzPct val="80000"/>
+        <a:buFont typeface="Wingdings 3" panose="05040102010807070707" pitchFamily="18" charset="2"/>
+        <a:buChar char=""/>
+        <a:defRPr sz="1400" kern="1200" cap="none">
+          <a:solidFill>
+            <a:schemeClr val="bg2">
+              <a:lumMod val="75000"/>
+            </a:schemeClr>
+          </a:solidFill>
+          <a:effectLst/>
+          <a:latin typeface="+mn-lt"/>
+          <a:ea typeface="+mn-ea"/>
+          <a:cs typeface="+mn-cs"/>
+        </a:defRPr>
+      </a:lvl5pPr>
+      <a:lvl6pPr marL="2514600" indent="-228600" algn="l" defTabSz="457200" rtl="0" eaLnBrk="1" latinLnBrk="0" hangingPunct="1">
+        <a:spcBef>
+          <a:spcPct val="20000"/>
+        </a:spcBef>
+        <a:spcAft>
+          <a:spcPts val="600"/>
+        </a:spcAft>
+        <a:buClr>
+          <a:schemeClr val="tx1"/>
+        </a:buClr>
+        <a:buSzPct val="80000"/>
+        <a:buFont typeface="Wingdings 3" panose="05040102010807070707" pitchFamily="18" charset="2"/>
+        <a:buChar char=""/>
+        <a:defRPr sz="1400" kern="1200" cap="none">
+          <a:solidFill>
+            <a:schemeClr val="bg2">
+              <a:lumMod val="75000"/>
+            </a:schemeClr>
+          </a:solidFill>
+          <a:effectLst/>
+          <a:latin typeface="+mn-lt"/>
+          <a:ea typeface="+mn-ea"/>
+          <a:cs typeface="+mn-cs"/>
+        </a:defRPr>
+      </a:lvl6pPr>
+      <a:lvl7pPr marL="2971800" indent="-228600" algn="l" defTabSz="457200" rtl="0" eaLnBrk="1" latinLnBrk="0" hangingPunct="1">
+        <a:spcBef>
+          <a:spcPct val="20000"/>
+        </a:spcBef>
+        <a:spcAft>
+          <a:spcPts val="600"/>
+        </a:spcAft>
+        <a:buClr>
+          <a:schemeClr val="tx1"/>
+        </a:buClr>
+        <a:buSzPct val="80000"/>
+        <a:buFont typeface="Wingdings 3" panose="05040102010807070707" pitchFamily="18" charset="2"/>
+        <a:buChar char=""/>
+        <a:defRPr sz="1400" kern="1200" cap="none">
+          <a:solidFill>
+            <a:schemeClr val="bg2">
+              <a:lumMod val="75000"/>
+            </a:schemeClr>
+          </a:solidFill>
+          <a:effectLst/>
+          <a:latin typeface="+mn-lt"/>
+          <a:ea typeface="+mn-ea"/>
+          <a:cs typeface="+mn-cs"/>
+        </a:defRPr>
+      </a:lvl7pPr>
+      <a:lvl8pPr marL="3429000" indent="-228600" algn="l" defTabSz="457200" rtl="0" eaLnBrk="1" latinLnBrk="0" hangingPunct="1">
+        <a:spcBef>
+          <a:spcPct val="20000"/>
+        </a:spcBef>
+        <a:spcAft>
+          <a:spcPts val="600"/>
+        </a:spcAft>
+        <a:buClr>
+          <a:schemeClr val="tx1"/>
+        </a:buClr>
+        <a:buSzPct val="80000"/>
+        <a:buFont typeface="Wingdings 3" panose="05040102010807070707" pitchFamily="18" charset="2"/>
+        <a:buChar char=""/>
+        <a:defRPr sz="1400" kern="1200" cap="none">
+          <a:solidFill>
+            <a:schemeClr val="bg2">
+              <a:lumMod val="75000"/>
+            </a:schemeClr>
+          </a:solidFill>
+          <a:effectLst/>
+          <a:latin typeface="+mn-lt"/>
+          <a:ea typeface="+mn-ea"/>
+          <a:cs typeface="+mn-cs"/>
+        </a:defRPr>
+      </a:lvl8pPr>
+      <a:lvl9pPr marL="3886200" indent="-228600" algn="l" defTabSz="457200" rtl="0" eaLnBrk="1" latinLnBrk="0" hangingPunct="1">
+        <a:spcBef>
+          <a:spcPct val="20000"/>
+        </a:spcBef>
+        <a:spcAft>
+          <a:spcPts val="600"/>
+        </a:spcAft>
+        <a:buClr>
+          <a:schemeClr val="tx1"/>
+        </a:buClr>
+        <a:buSzPct val="80000"/>
+        <a:buFont typeface="Wingdings 3" panose="05040102010807070707" pitchFamily="18" charset="2"/>
+        <a:buChar char=""/>
+        <a:defRPr sz="1400" kern="1200" cap="none">
+          <a:solidFill>
+            <a:schemeClr val="bg2">
+              <a:lumMod val="75000"/>
+            </a:schemeClr>
+          </a:solidFill>
+          <a:effectLst/>
+          <a:latin typeface="+mn-lt"/>
+          <a:ea typeface="+mn-ea"/>
+          <a:cs typeface="+mn-cs"/>
+        </a:defRPr>
+      </a:lvl9pPr>
+    </p:bodyStyle>
+    <p:otherStyle>
+      <a:defPPr>
+        <a:defRPr lang="en-US"/>
+      </a:defPPr>
+      <a:lvl1pPr marL="0" algn="l" defTabSz="457200" rtl="0" eaLnBrk="1" latinLnBrk="0" hangingPunct="1">
+        <a:defRPr sz="1800" kern="1200">
           <a:solidFill>
             <a:schemeClr val="tx1"/>
           </a:solidFill>
@@ -3069,16 +5628,8 @@
           <a:cs typeface="+mn-cs"/>
         </a:defRPr>
       </a:lvl1pPr>
-      <a:lvl2pPr marL="685800" indent="-228600" algn="l" defTabSz="914400" rtl="0" eaLnBrk="1" latinLnBrk="0" hangingPunct="1">
-        <a:lnSpc>
-          <a:spcPct val="90000"/>
-        </a:lnSpc>
-        <a:spcBef>
-          <a:spcPts val="500"/>
-        </a:spcBef>
-        <a:buFont typeface="Arial" panose="020B0604020202020204" pitchFamily="34" charset="0"/>
-        <a:buChar char="•"/>
-        <a:defRPr sz="2400" kern="1200">
+      <a:lvl2pPr marL="457200" algn="l" defTabSz="457200" rtl="0" eaLnBrk="1" latinLnBrk="0" hangingPunct="1">
+        <a:defRPr sz="1800" kern="1200">
           <a:solidFill>
             <a:schemeClr val="tx1"/>
           </a:solidFill>
@@ -3087,16 +5638,8 @@
           <a:cs typeface="+mn-cs"/>
         </a:defRPr>
       </a:lvl2pPr>
-      <a:lvl3pPr marL="1143000" indent="-228600" algn="l" defTabSz="914400" rtl="0" eaLnBrk="1" latinLnBrk="0" hangingPunct="1">
-        <a:lnSpc>
-          <a:spcPct val="90000"/>
-        </a:lnSpc>
-        <a:spcBef>
-          <a:spcPts val="500"/>
-        </a:spcBef>
-        <a:buFont typeface="Arial" panose="020B0604020202020204" pitchFamily="34" charset="0"/>
-        <a:buChar char="•"/>
-        <a:defRPr sz="2000" kern="1200">
+      <a:lvl3pPr marL="914400" algn="l" defTabSz="457200" rtl="0" eaLnBrk="1" latinLnBrk="0" hangingPunct="1">
+        <a:defRPr sz="1800" kern="1200">
           <a:solidFill>
             <a:schemeClr val="tx1"/>
           </a:solidFill>
@@ -3105,15 +5648,7 @@
           <a:cs typeface="+mn-cs"/>
         </a:defRPr>
       </a:lvl3pPr>
-      <a:lvl4pPr marL="1600200" indent="-228600" algn="l" defTabSz="914400" rtl="0" eaLnBrk="1" latinLnBrk="0" hangingPunct="1">
-        <a:lnSpc>
-          <a:spcPct val="90000"/>
-        </a:lnSpc>
-        <a:spcBef>
-          <a:spcPts val="500"/>
-        </a:spcBef>
-        <a:buFont typeface="Arial" panose="020B0604020202020204" pitchFamily="34" charset="0"/>
-        <a:buChar char="•"/>
+      <a:lvl4pPr marL="1371600" algn="l" defTabSz="457200" rtl="0" eaLnBrk="1" latinLnBrk="0" hangingPunct="1">
         <a:defRPr sz="1800" kern="1200">
           <a:solidFill>
             <a:schemeClr val="tx1"/>
@@ -3123,15 +5658,7 @@
           <a:cs typeface="+mn-cs"/>
         </a:defRPr>
       </a:lvl4pPr>
-      <a:lvl5pPr marL="2057400" indent="-228600" algn="l" defTabSz="914400" rtl="0" eaLnBrk="1" latinLnBrk="0" hangingPunct="1">
-        <a:lnSpc>
-          <a:spcPct val="90000"/>
-        </a:lnSpc>
-        <a:spcBef>
-          <a:spcPts val="500"/>
-        </a:spcBef>
-        <a:buFont typeface="Arial" panose="020B0604020202020204" pitchFamily="34" charset="0"/>
-        <a:buChar char="•"/>
+      <a:lvl5pPr marL="1828800" algn="l" defTabSz="457200" rtl="0" eaLnBrk="1" latinLnBrk="0" hangingPunct="1">
         <a:defRPr sz="1800" kern="1200">
           <a:solidFill>
             <a:schemeClr val="tx1"/>
@@ -3141,15 +5668,7 @@
           <a:cs typeface="+mn-cs"/>
         </a:defRPr>
       </a:lvl5pPr>
-      <a:lvl6pPr marL="2514600" indent="-228600" algn="l" defTabSz="914400" rtl="0" eaLnBrk="1" latinLnBrk="0" hangingPunct="1">
-        <a:lnSpc>
-          <a:spcPct val="90000"/>
-        </a:lnSpc>
-        <a:spcBef>
-          <a:spcPts val="500"/>
-        </a:spcBef>
-        <a:buFont typeface="Arial" panose="020B0604020202020204" pitchFamily="34" charset="0"/>
-        <a:buChar char="•"/>
+      <a:lvl6pPr marL="2286000" algn="l" defTabSz="457200" rtl="0" eaLnBrk="1" latinLnBrk="0" hangingPunct="1">
         <a:defRPr sz="1800" kern="1200">
           <a:solidFill>
             <a:schemeClr val="tx1"/>
@@ -3159,15 +5678,7 @@
           <a:cs typeface="+mn-cs"/>
         </a:defRPr>
       </a:lvl6pPr>
-      <a:lvl7pPr marL="2971800" indent="-228600" algn="l" defTabSz="914400" rtl="0" eaLnBrk="1" latinLnBrk="0" hangingPunct="1">
-        <a:lnSpc>
-          <a:spcPct val="90000"/>
-        </a:lnSpc>
-        <a:spcBef>
-          <a:spcPts val="500"/>
-        </a:spcBef>
-        <a:buFont typeface="Arial" panose="020B0604020202020204" pitchFamily="34" charset="0"/>
-        <a:buChar char="•"/>
+      <a:lvl7pPr marL="2743200" algn="l" defTabSz="457200" rtl="0" eaLnBrk="1" latinLnBrk="0" hangingPunct="1">
         <a:defRPr sz="1800" kern="1200">
           <a:solidFill>
             <a:schemeClr val="tx1"/>
@@ -3177,15 +5688,7 @@
           <a:cs typeface="+mn-cs"/>
         </a:defRPr>
       </a:lvl7pPr>
-      <a:lvl8pPr marL="3429000" indent="-228600" algn="l" defTabSz="914400" rtl="0" eaLnBrk="1" latinLnBrk="0" hangingPunct="1">
-        <a:lnSpc>
-          <a:spcPct val="90000"/>
-        </a:lnSpc>
-        <a:spcBef>
-          <a:spcPts val="500"/>
-        </a:spcBef>
-        <a:buFont typeface="Arial" panose="020B0604020202020204" pitchFamily="34" charset="0"/>
-        <a:buChar char="•"/>
+      <a:lvl8pPr marL="3200400" algn="l" defTabSz="457200" rtl="0" eaLnBrk="1" latinLnBrk="0" hangingPunct="1">
         <a:defRPr sz="1800" kern="1200">
           <a:solidFill>
             <a:schemeClr val="tx1"/>
@@ -3195,110 +5698,7 @@
           <a:cs typeface="+mn-cs"/>
         </a:defRPr>
       </a:lvl8pPr>
-      <a:lvl9pPr marL="3886200" indent="-228600" algn="l" defTabSz="914400" rtl="0" eaLnBrk="1" latinLnBrk="0" hangingPunct="1">
-        <a:lnSpc>
-          <a:spcPct val="90000"/>
-        </a:lnSpc>
-        <a:spcBef>
-          <a:spcPts val="500"/>
-        </a:spcBef>
-        <a:buFont typeface="Arial" panose="020B0604020202020204" pitchFamily="34" charset="0"/>
-        <a:buChar char="•"/>
-        <a:defRPr sz="1800" kern="1200">
-          <a:solidFill>
-            <a:schemeClr val="tx1"/>
-          </a:solidFill>
-          <a:latin typeface="+mn-lt"/>
-          <a:ea typeface="+mn-ea"/>
-          <a:cs typeface="+mn-cs"/>
-        </a:defRPr>
-      </a:lvl9pPr>
-    </p:bodyStyle>
-    <p:otherStyle>
-      <a:defPPr>
-        <a:defRPr lang="zh-CN"/>
-      </a:defPPr>
-      <a:lvl1pPr marL="0" algn="l" defTabSz="914400" rtl="0" eaLnBrk="1" latinLnBrk="0" hangingPunct="1">
-        <a:defRPr sz="1800" kern="1200">
-          <a:solidFill>
-            <a:schemeClr val="tx1"/>
-          </a:solidFill>
-          <a:latin typeface="+mn-lt"/>
-          <a:ea typeface="+mn-ea"/>
-          <a:cs typeface="+mn-cs"/>
-        </a:defRPr>
-      </a:lvl1pPr>
-      <a:lvl2pPr marL="457200" algn="l" defTabSz="914400" rtl="0" eaLnBrk="1" latinLnBrk="0" hangingPunct="1">
-        <a:defRPr sz="1800" kern="1200">
-          <a:solidFill>
-            <a:schemeClr val="tx1"/>
-          </a:solidFill>
-          <a:latin typeface="+mn-lt"/>
-          <a:ea typeface="+mn-ea"/>
-          <a:cs typeface="+mn-cs"/>
-        </a:defRPr>
-      </a:lvl2pPr>
-      <a:lvl3pPr marL="914400" algn="l" defTabSz="914400" rtl="0" eaLnBrk="1" latinLnBrk="0" hangingPunct="1">
-        <a:defRPr sz="1800" kern="1200">
-          <a:solidFill>
-            <a:schemeClr val="tx1"/>
-          </a:solidFill>
-          <a:latin typeface="+mn-lt"/>
-          <a:ea typeface="+mn-ea"/>
-          <a:cs typeface="+mn-cs"/>
-        </a:defRPr>
-      </a:lvl3pPr>
-      <a:lvl4pPr marL="1371600" algn="l" defTabSz="914400" rtl="0" eaLnBrk="1" latinLnBrk="0" hangingPunct="1">
-        <a:defRPr sz="1800" kern="1200">
-          <a:solidFill>
-            <a:schemeClr val="tx1"/>
-          </a:solidFill>
-          <a:latin typeface="+mn-lt"/>
-          <a:ea typeface="+mn-ea"/>
-          <a:cs typeface="+mn-cs"/>
-        </a:defRPr>
-      </a:lvl4pPr>
-      <a:lvl5pPr marL="1828800" algn="l" defTabSz="914400" rtl="0" eaLnBrk="1" latinLnBrk="0" hangingPunct="1">
-        <a:defRPr sz="1800" kern="1200">
-          <a:solidFill>
-            <a:schemeClr val="tx1"/>
-          </a:solidFill>
-          <a:latin typeface="+mn-lt"/>
-          <a:ea typeface="+mn-ea"/>
-          <a:cs typeface="+mn-cs"/>
-        </a:defRPr>
-      </a:lvl5pPr>
-      <a:lvl6pPr marL="2286000" algn="l" defTabSz="914400" rtl="0" eaLnBrk="1" latinLnBrk="0" hangingPunct="1">
-        <a:defRPr sz="1800" kern="1200">
-          <a:solidFill>
-            <a:schemeClr val="tx1"/>
-          </a:solidFill>
-          <a:latin typeface="+mn-lt"/>
-          <a:ea typeface="+mn-ea"/>
-          <a:cs typeface="+mn-cs"/>
-        </a:defRPr>
-      </a:lvl6pPr>
-      <a:lvl7pPr marL="2743200" algn="l" defTabSz="914400" rtl="0" eaLnBrk="1" latinLnBrk="0" hangingPunct="1">
-        <a:defRPr sz="1800" kern="1200">
-          <a:solidFill>
-            <a:schemeClr val="tx1"/>
-          </a:solidFill>
-          <a:latin typeface="+mn-lt"/>
-          <a:ea typeface="+mn-ea"/>
-          <a:cs typeface="+mn-cs"/>
-        </a:defRPr>
-      </a:lvl7pPr>
-      <a:lvl8pPr marL="3200400" algn="l" defTabSz="914400" rtl="0" eaLnBrk="1" latinLnBrk="0" hangingPunct="1">
-        <a:defRPr sz="1800" kern="1200">
-          <a:solidFill>
-            <a:schemeClr val="tx1"/>
-          </a:solidFill>
-          <a:latin typeface="+mn-lt"/>
-          <a:ea typeface="+mn-ea"/>
-          <a:cs typeface="+mn-cs"/>
-        </a:defRPr>
-      </a:lvl8pPr>
-      <a:lvl9pPr marL="3657600" algn="l" defTabSz="914400" rtl="0" eaLnBrk="1" latinLnBrk="0" hangingPunct="1">
+      <a:lvl9pPr marL="3657600" algn="l" defTabSz="457200" rtl="0" eaLnBrk="1" latinLnBrk="0" hangingPunct="1">
         <a:defRPr sz="1800" kern="1200">
           <a:solidFill>
             <a:schemeClr val="tx1"/>
@@ -3399,7 +5799,7 @@
         </p:spPr>
         <p:txBody>
           <a:bodyPr>
-            <a:normAutofit lnSpcReduction="10000"/>
+            <a:normAutofit fontScale="92500"/>
           </a:bodyPr>
           <a:lstStyle/>
           <a:p>
@@ -3439,6 +5839,278 @@
     <p:extLst>
       <p:ext uri="{BB962C8B-B14F-4D97-AF65-F5344CB8AC3E}">
         <p14:creationId xmlns:p14="http://schemas.microsoft.com/office/powerpoint/2010/main" val="876996181"/>
+      </p:ext>
+    </p:extLst>
+  </p:cSld>
+  <p:clrMapOvr>
+    <a:masterClrMapping/>
+  </p:clrMapOvr>
+</p:sld>
+</file>
+
+<file path=ppt/slides/slide10.xml><?xml version="1.0" encoding="utf-8"?>
+<p:sld xmlns:a="http://schemas.openxmlformats.org/drawingml/2006/main" xmlns:r="http://schemas.openxmlformats.org/officeDocument/2006/relationships" xmlns:p="http://schemas.openxmlformats.org/presentationml/2006/main">
+  <p:cSld>
+    <p:spTree>
+      <p:nvGrpSpPr>
+        <p:cNvPr id="1" name=""/>
+        <p:cNvGrpSpPr/>
+        <p:nvPr/>
+      </p:nvGrpSpPr>
+      <p:grpSpPr>
+        <a:xfrm>
+          <a:off x="0" y="0"/>
+          <a:ext cx="0" cy="0"/>
+          <a:chOff x="0" y="0"/>
+          <a:chExt cx="0" cy="0"/>
+        </a:xfrm>
+      </p:grpSpPr>
+      <p:pic>
+        <p:nvPicPr>
+          <p:cNvPr id="4" name="图片 3"/>
+          <p:cNvPicPr>
+            <a:picLocks noChangeAspect="1"/>
+          </p:cNvPicPr>
+          <p:nvPr/>
+        </p:nvPicPr>
+        <p:blipFill>
+          <a:blip r:embed="rId2"/>
+          <a:stretch>
+            <a:fillRect/>
+          </a:stretch>
+        </p:blipFill>
+        <p:spPr>
+          <a:xfrm>
+            <a:off x="10725333" y="0"/>
+            <a:ext cx="1466667" cy="1333333"/>
+          </a:xfrm>
+          <a:prstGeom prst="rect">
+            <a:avLst/>
+          </a:prstGeom>
+        </p:spPr>
+      </p:pic>
+      <p:sp>
+        <p:nvSpPr>
+          <p:cNvPr id="2" name="文本框 1"/>
+          <p:cNvSpPr txBox="1"/>
+          <p:nvPr/>
+        </p:nvSpPr>
+        <p:spPr>
+          <a:xfrm>
+            <a:off x="2185639" y="1650380"/>
+            <a:ext cx="7694342" cy="3416320"/>
+          </a:xfrm>
+          <a:prstGeom prst="rect">
+            <a:avLst/>
+          </a:prstGeom>
+          <a:noFill/>
+        </p:spPr>
+        <p:txBody>
+          <a:bodyPr wrap="square" rtlCol="0">
+            <a:spAutoFit/>
+          </a:bodyPr>
+          <a:lstStyle/>
+          <a:p>
+            <a:pPr marL="285750" indent="-285750">
+              <a:buFont typeface="Arial" panose="020B0604020202020204" pitchFamily="34" charset="0"/>
+              <a:buChar char="•"/>
+            </a:pPr>
+            <a:r>
+              <a:rPr lang="en-US" altLang="zh-CN" sz="2400" dirty="0" smtClean="0">
+                <a:latin typeface="Times New Roman" panose="02020603050405020304" pitchFamily="18" charset="0"/>
+                <a:ea typeface="楷体" panose="02010609060101010101" pitchFamily="49" charset="-122"/>
+                <a:cs typeface="Times New Roman" panose="02020603050405020304" pitchFamily="18" charset="0"/>
+              </a:rPr>
+              <a:t>Functionality:</a:t>
+            </a:r>
+            <a:r>
+              <a:rPr lang="zh-CN" altLang="en-US" sz="2400" dirty="0" smtClean="0">
+                <a:latin typeface="Times New Roman" panose="02020603050405020304" pitchFamily="18" charset="0"/>
+                <a:ea typeface="楷体" panose="02010609060101010101" pitchFamily="49" charset="-122"/>
+                <a:cs typeface="Times New Roman" panose="02020603050405020304" pitchFamily="18" charset="0"/>
+              </a:rPr>
+              <a:t>实现基本功能，少部分功能未实现</a:t>
+            </a:r>
+            <a:endParaRPr lang="en-US" altLang="zh-CN" sz="2400" dirty="0" smtClean="0">
+              <a:latin typeface="Times New Roman" panose="02020603050405020304" pitchFamily="18" charset="0"/>
+              <a:ea typeface="楷体" panose="02010609060101010101" pitchFamily="49" charset="-122"/>
+              <a:cs typeface="Times New Roman" panose="02020603050405020304" pitchFamily="18" charset="0"/>
+            </a:endParaRPr>
+          </a:p>
+          <a:p>
+            <a:pPr marL="285750" indent="-285750">
+              <a:buFont typeface="Arial" panose="020B0604020202020204" pitchFamily="34" charset="0"/>
+              <a:buChar char="•"/>
+            </a:pPr>
+            <a:endParaRPr lang="en-US" altLang="zh-CN" sz="2400" dirty="0">
+              <a:latin typeface="Times New Roman" panose="02020603050405020304" pitchFamily="18" charset="0"/>
+              <a:ea typeface="楷体" panose="02010609060101010101" pitchFamily="49" charset="-122"/>
+              <a:cs typeface="Times New Roman" panose="02020603050405020304" pitchFamily="18" charset="0"/>
+            </a:endParaRPr>
+          </a:p>
+          <a:p>
+            <a:pPr marL="285750" indent="-285750">
+              <a:buFont typeface="Arial" panose="020B0604020202020204" pitchFamily="34" charset="0"/>
+              <a:buChar char="•"/>
+            </a:pPr>
+            <a:r>
+              <a:rPr lang="en-US" altLang="zh-CN" sz="2400" dirty="0" smtClean="0">
+                <a:latin typeface="Times New Roman" panose="02020603050405020304" pitchFamily="18" charset="0"/>
+                <a:ea typeface="楷体" panose="02010609060101010101" pitchFamily="49" charset="-122"/>
+                <a:cs typeface="Times New Roman" panose="02020603050405020304" pitchFamily="18" charset="0"/>
+              </a:rPr>
+              <a:t>Usability:</a:t>
+            </a:r>
+            <a:r>
+              <a:rPr lang="zh-CN" altLang="en-US" sz="2400" dirty="0" smtClean="0">
+                <a:latin typeface="Times New Roman" panose="02020603050405020304" pitchFamily="18" charset="0"/>
+                <a:ea typeface="楷体" panose="02010609060101010101" pitchFamily="49" charset="-122"/>
+                <a:cs typeface="Times New Roman" panose="02020603050405020304" pitchFamily="18" charset="0"/>
+              </a:rPr>
+              <a:t>可用性良好</a:t>
+            </a:r>
+            <a:endParaRPr lang="en-US" altLang="zh-CN" sz="2400" dirty="0" smtClean="0">
+              <a:latin typeface="Times New Roman" panose="02020603050405020304" pitchFamily="18" charset="0"/>
+              <a:ea typeface="楷体" panose="02010609060101010101" pitchFamily="49" charset="-122"/>
+              <a:cs typeface="Times New Roman" panose="02020603050405020304" pitchFamily="18" charset="0"/>
+            </a:endParaRPr>
+          </a:p>
+          <a:p>
+            <a:pPr marL="285750" indent="-285750">
+              <a:buFont typeface="Arial" panose="020B0604020202020204" pitchFamily="34" charset="0"/>
+              <a:buChar char="•"/>
+            </a:pPr>
+            <a:endParaRPr lang="en-US" altLang="zh-CN" sz="2400" dirty="0">
+              <a:latin typeface="Times New Roman" panose="02020603050405020304" pitchFamily="18" charset="0"/>
+              <a:ea typeface="楷体" panose="02010609060101010101" pitchFamily="49" charset="-122"/>
+              <a:cs typeface="Times New Roman" panose="02020603050405020304" pitchFamily="18" charset="0"/>
+            </a:endParaRPr>
+          </a:p>
+          <a:p>
+            <a:pPr marL="285750" indent="-285750">
+              <a:buFont typeface="Arial" panose="020B0604020202020204" pitchFamily="34" charset="0"/>
+              <a:buChar char="•"/>
+            </a:pPr>
+            <a:r>
+              <a:rPr lang="en-US" altLang="zh-CN" sz="2400" dirty="0" smtClean="0">
+                <a:latin typeface="Times New Roman" panose="02020603050405020304" pitchFamily="18" charset="0"/>
+                <a:ea typeface="楷体" panose="02010609060101010101" pitchFamily="49" charset="-122"/>
+                <a:cs typeface="Times New Roman" panose="02020603050405020304" pitchFamily="18" charset="0"/>
+              </a:rPr>
+              <a:t>Reliability:</a:t>
+            </a:r>
+            <a:r>
+              <a:rPr lang="zh-CN" altLang="en-US" sz="2400" dirty="0" smtClean="0">
+                <a:latin typeface="Times New Roman" panose="02020603050405020304" pitchFamily="18" charset="0"/>
+                <a:ea typeface="楷体" panose="02010609060101010101" pitchFamily="49" charset="-122"/>
+                <a:cs typeface="Times New Roman" panose="02020603050405020304" pitchFamily="18" charset="0"/>
+              </a:rPr>
+              <a:t>可靠性良好，部分</a:t>
+            </a:r>
+            <a:r>
+              <a:rPr lang="en-US" altLang="zh-CN" sz="2400" dirty="0" smtClean="0">
+                <a:latin typeface="Times New Roman" panose="02020603050405020304" pitchFamily="18" charset="0"/>
+                <a:ea typeface="楷体" panose="02010609060101010101" pitchFamily="49" charset="-122"/>
+                <a:cs typeface="Times New Roman" panose="02020603050405020304" pitchFamily="18" charset="0"/>
+              </a:rPr>
+              <a:t>Bug</a:t>
+            </a:r>
+            <a:r>
+              <a:rPr lang="zh-CN" altLang="en-US" sz="2400" dirty="0" smtClean="0">
+                <a:latin typeface="Times New Roman" panose="02020603050405020304" pitchFamily="18" charset="0"/>
+                <a:ea typeface="楷体" panose="02010609060101010101" pitchFamily="49" charset="-122"/>
+                <a:cs typeface="Times New Roman" panose="02020603050405020304" pitchFamily="18" charset="0"/>
+              </a:rPr>
+              <a:t>导致程序崩溃</a:t>
+            </a:r>
+            <a:endParaRPr lang="en-US" altLang="zh-CN" sz="2400" dirty="0" smtClean="0">
+              <a:latin typeface="Times New Roman" panose="02020603050405020304" pitchFamily="18" charset="0"/>
+              <a:ea typeface="楷体" panose="02010609060101010101" pitchFamily="49" charset="-122"/>
+              <a:cs typeface="Times New Roman" panose="02020603050405020304" pitchFamily="18" charset="0"/>
+            </a:endParaRPr>
+          </a:p>
+          <a:p>
+            <a:pPr marL="285750" indent="-285750">
+              <a:buFont typeface="Arial" panose="020B0604020202020204" pitchFamily="34" charset="0"/>
+              <a:buChar char="•"/>
+            </a:pPr>
+            <a:endParaRPr lang="en-US" altLang="zh-CN" sz="2400" dirty="0">
+              <a:latin typeface="Times New Roman" panose="02020603050405020304" pitchFamily="18" charset="0"/>
+              <a:ea typeface="楷体" panose="02010609060101010101" pitchFamily="49" charset="-122"/>
+              <a:cs typeface="Times New Roman" panose="02020603050405020304" pitchFamily="18" charset="0"/>
+            </a:endParaRPr>
+          </a:p>
+          <a:p>
+            <a:pPr marL="285750" indent="-285750">
+              <a:buFont typeface="Arial" panose="020B0604020202020204" pitchFamily="34" charset="0"/>
+              <a:buChar char="•"/>
+            </a:pPr>
+            <a:r>
+              <a:rPr lang="en-US" altLang="zh-CN" sz="2400" dirty="0" smtClean="0">
+                <a:latin typeface="Times New Roman" panose="02020603050405020304" pitchFamily="18" charset="0"/>
+                <a:ea typeface="楷体" panose="02010609060101010101" pitchFamily="49" charset="-122"/>
+                <a:cs typeface="Times New Roman" panose="02020603050405020304" pitchFamily="18" charset="0"/>
+              </a:rPr>
+              <a:t>Performance:</a:t>
+            </a:r>
+            <a:r>
+              <a:rPr lang="zh-CN" altLang="en-US" sz="2400" dirty="0" smtClean="0">
+                <a:latin typeface="Times New Roman" panose="02020603050405020304" pitchFamily="18" charset="0"/>
+                <a:ea typeface="楷体" panose="02010609060101010101" pitchFamily="49" charset="-122"/>
+                <a:cs typeface="Times New Roman" panose="02020603050405020304" pitchFamily="18" charset="0"/>
+              </a:rPr>
+              <a:t>性能处理正常</a:t>
+            </a:r>
+            <a:endParaRPr lang="en-US" altLang="zh-CN" sz="2400" dirty="0" smtClean="0">
+              <a:latin typeface="Times New Roman" panose="02020603050405020304" pitchFamily="18" charset="0"/>
+              <a:ea typeface="楷体" panose="02010609060101010101" pitchFamily="49" charset="-122"/>
+              <a:cs typeface="Times New Roman" panose="02020603050405020304" pitchFamily="18" charset="0"/>
+            </a:endParaRPr>
+          </a:p>
+          <a:p>
+            <a:pPr marL="285750" indent="-285750">
+              <a:buFont typeface="Arial" panose="020B0604020202020204" pitchFamily="34" charset="0"/>
+              <a:buChar char="•"/>
+            </a:pPr>
+            <a:endParaRPr lang="en-US" altLang="zh-CN" sz="2400" dirty="0">
+              <a:latin typeface="Times New Roman" panose="02020603050405020304" pitchFamily="18" charset="0"/>
+              <a:ea typeface="楷体" panose="02010609060101010101" pitchFamily="49" charset="-122"/>
+              <a:cs typeface="Times New Roman" panose="02020603050405020304" pitchFamily="18" charset="0"/>
+            </a:endParaRPr>
+          </a:p>
+          <a:p>
+            <a:pPr marL="285750" indent="-285750">
+              <a:buFont typeface="Arial" panose="020B0604020202020204" pitchFamily="34" charset="0"/>
+              <a:buChar char="•"/>
+            </a:pPr>
+            <a:r>
+              <a:rPr lang="en-US" altLang="zh-CN" sz="2400" dirty="0" smtClean="0">
+                <a:latin typeface="Times New Roman" panose="02020603050405020304" pitchFamily="18" charset="0"/>
+                <a:ea typeface="楷体" panose="02010609060101010101" pitchFamily="49" charset="-122"/>
+                <a:cs typeface="Times New Roman" panose="02020603050405020304" pitchFamily="18" charset="0"/>
+              </a:rPr>
+              <a:t>Supportability:</a:t>
+            </a:r>
+            <a:r>
+              <a:rPr lang="zh-CN" altLang="en-US" sz="2400" dirty="0" smtClean="0">
+                <a:latin typeface="Times New Roman" panose="02020603050405020304" pitchFamily="18" charset="0"/>
+                <a:ea typeface="楷体" panose="02010609060101010101" pitchFamily="49" charset="-122"/>
+                <a:cs typeface="Times New Roman" panose="02020603050405020304" pitchFamily="18" charset="0"/>
+              </a:rPr>
+              <a:t>可支持性良好</a:t>
+            </a:r>
+            <a:endParaRPr lang="zh-CN" altLang="en-US" sz="2400" dirty="0">
+              <a:latin typeface="Times New Roman" panose="02020603050405020304" pitchFamily="18" charset="0"/>
+              <a:ea typeface="楷体" panose="02010609060101010101" pitchFamily="49" charset="-122"/>
+              <a:cs typeface="Times New Roman" panose="02020603050405020304" pitchFamily="18" charset="0"/>
+            </a:endParaRPr>
+          </a:p>
+        </p:txBody>
+      </p:sp>
+    </p:spTree>
+    <p:extLst>
+      <p:ext uri="{BB962C8B-B14F-4D97-AF65-F5344CB8AC3E}">
+        <p14:creationId xmlns:p14="http://schemas.microsoft.com/office/powerpoint/2010/main" val="3333987019"/>
       </p:ext>
     </p:extLst>
   </p:cSld>
@@ -3497,7 +6169,7 @@
         </p:nvSpPr>
         <p:spPr>
           <a:xfrm>
-            <a:off x="669073" y="871668"/>
+            <a:off x="602166" y="871668"/>
             <a:ext cx="3646449" cy="461665"/>
           </a:xfrm>
           <a:prstGeom prst="rect">
@@ -3512,11 +6184,18 @@
           <a:lstStyle/>
           <a:p>
             <a:r>
+              <a:rPr lang="en-US" altLang="zh-CN" sz="2400" dirty="0" smtClean="0">
+                <a:latin typeface="黑体" panose="02010609060101010101" pitchFamily="49" charset="-122"/>
+                <a:ea typeface="黑体" panose="02010609060101010101" pitchFamily="49" charset="-122"/>
+              </a:rPr>
+              <a:t>GitHub</a:t>
+            </a:r>
+            <a:r>
               <a:rPr lang="zh-CN" altLang="en-US" sz="2400" dirty="0" smtClean="0">
                 <a:latin typeface="黑体" panose="02010609060101010101" pitchFamily="49" charset="-122"/>
                 <a:ea typeface="黑体" panose="02010609060101010101" pitchFamily="49" charset="-122"/>
               </a:rPr>
-              <a:t>测试产品</a:t>
+              <a:t>截图</a:t>
             </a:r>
             <a:endParaRPr lang="zh-CN" altLang="en-US" sz="2400" dirty="0">
               <a:latin typeface="黑体" panose="02010609060101010101" pitchFamily="49" charset="-122"/>
@@ -3525,66 +6204,10 @@
           </a:p>
         </p:txBody>
       </p:sp>
-      <p:sp>
-        <p:nvSpPr>
-          <p:cNvPr id="8" name="矩形 7"/>
-          <p:cNvSpPr/>
-          <p:nvPr/>
-        </p:nvSpPr>
-        <p:spPr>
-          <a:xfrm>
-            <a:off x="2029522" y="1970852"/>
-            <a:ext cx="8341112" cy="3785652"/>
-          </a:xfrm>
-          <a:prstGeom prst="rect">
-            <a:avLst/>
-          </a:prstGeom>
-        </p:spPr>
-        <p:txBody>
-          <a:bodyPr wrap="square">
-            <a:spAutoFit/>
-          </a:bodyPr>
-          <a:lstStyle/>
-          <a:p>
-            <a:pPr marL="285750" indent="-285750">
-              <a:buFont typeface="Arial" panose="020B0604020202020204" pitchFamily="34" charset="0"/>
-              <a:buChar char="•"/>
-            </a:pPr>
-            <a:r>
-              <a:rPr lang="zh-CN" altLang="en-US" sz="2400" dirty="0" smtClean="0">
-                <a:latin typeface="楷体" panose="02010609060101010101" pitchFamily="49" charset="-122"/>
-                <a:ea typeface="楷体" panose="02010609060101010101" pitchFamily="49" charset="-122"/>
-              </a:rPr>
-              <a:t>该软件需要将连接在CAN总线上的CanTool装置采集的CAN信息发送到上位机（移动终端Android、iOS、Windows PC），并由运行在上位机中的CanToolApp软件接收这些信息，显示在用户图形界面上。同时在CanToolApp的界面上还可以设定CAN信息，通过GUI按钮将信息发送给CanTool装置，CanTool装置将按照规定的信息格式，将信息发送的CAN总线上。</a:t>
-            </a:r>
-            <a:endParaRPr lang="en-US" altLang="zh-CN" sz="2400" dirty="0" smtClean="0">
-              <a:latin typeface="楷体" panose="02010609060101010101" pitchFamily="49" charset="-122"/>
-              <a:ea typeface="楷体" panose="02010609060101010101" pitchFamily="49" charset="-122"/>
-            </a:endParaRPr>
-          </a:p>
-          <a:p>
-            <a:pPr marL="285750" indent="-285750">
-              <a:buFont typeface="Arial" panose="020B0604020202020204" pitchFamily="34" charset="0"/>
-              <a:buChar char="•"/>
-            </a:pPr>
-            <a:r>
-              <a:rPr lang="zh-CN" altLang="en-US" sz="2400" dirty="0" smtClean="0">
-                <a:latin typeface="楷体" panose="02010609060101010101" pitchFamily="49" charset="-122"/>
-                <a:ea typeface="楷体" panose="02010609060101010101" pitchFamily="49" charset="-122"/>
-              </a:rPr>
-              <a:t>CanToolApp可以设定CAN总线的通信参数，并通过相应的命令设置CanTool装置的CAN通信参数，以使CanTool装置能够与CAN总线上的其他被测ECU进行正常的通信。</a:t>
-            </a:r>
-            <a:endParaRPr lang="zh-CN" altLang="en-US" sz="2400" dirty="0">
-              <a:latin typeface="楷体" panose="02010609060101010101" pitchFamily="49" charset="-122"/>
-              <a:ea typeface="楷体" panose="02010609060101010101" pitchFamily="49" charset="-122"/>
-            </a:endParaRPr>
-          </a:p>
-        </p:txBody>
-      </p:sp>
     </p:spTree>
     <p:extLst>
       <p:ext uri="{BB962C8B-B14F-4D97-AF65-F5344CB8AC3E}">
-        <p14:creationId xmlns:p14="http://schemas.microsoft.com/office/powerpoint/2010/main" val="1738965271"/>
+        <p14:creationId xmlns:p14="http://schemas.microsoft.com/office/powerpoint/2010/main" val="328008952"/>
       </p:ext>
     </p:extLst>
   </p:cSld>
@@ -3611,432 +6234,67 @@
           <a:chExt cx="0" cy="0"/>
         </a:xfrm>
       </p:grpSpPr>
-      <p:pic>
-        <p:nvPicPr>
-          <p:cNvPr id="4" name="图片 3"/>
-          <p:cNvPicPr>
-            <a:picLocks noChangeAspect="1"/>
-          </p:cNvPicPr>
-          <p:nvPr/>
-        </p:nvPicPr>
-        <p:blipFill>
-          <a:blip r:embed="rId2"/>
-          <a:stretch>
-            <a:fillRect/>
-          </a:stretch>
-        </p:blipFill>
-        <p:spPr>
-          <a:xfrm>
-            <a:off x="10725333" y="0"/>
-            <a:ext cx="1466667" cy="1333333"/>
-          </a:xfrm>
-          <a:prstGeom prst="rect">
-            <a:avLst/>
-          </a:prstGeom>
-        </p:spPr>
-      </p:pic>
-      <p:sp>
-        <p:nvSpPr>
-          <p:cNvPr id="7" name="文本框 6"/>
-          <p:cNvSpPr txBox="1"/>
-          <p:nvPr/>
-        </p:nvSpPr>
-        <p:spPr>
-          <a:xfrm>
-            <a:off x="635620" y="871668"/>
-            <a:ext cx="3646449" cy="461665"/>
-          </a:xfrm>
-          <a:prstGeom prst="rect">
-            <a:avLst/>
-          </a:prstGeom>
-          <a:noFill/>
-        </p:spPr>
-        <p:txBody>
-          <a:bodyPr wrap="square" rtlCol="0">
-            <a:spAutoFit/>
-          </a:bodyPr>
-          <a:lstStyle/>
-          <a:p>
-            <a:r>
-              <a:rPr lang="zh-CN" altLang="en-US" sz="2400" dirty="0" smtClean="0">
-                <a:latin typeface="黑体" panose="02010609060101010101" pitchFamily="49" charset="-122"/>
-                <a:ea typeface="黑体" panose="02010609060101010101" pitchFamily="49" charset="-122"/>
-              </a:rPr>
-              <a:t>测试时间安排</a:t>
-            </a:r>
-            <a:endParaRPr lang="zh-CN" altLang="en-US" sz="2400" dirty="0">
-              <a:latin typeface="黑体" panose="02010609060101010101" pitchFamily="49" charset="-122"/>
-              <a:ea typeface="黑体" panose="02010609060101010101" pitchFamily="49" charset="-122"/>
-            </a:endParaRPr>
-          </a:p>
-        </p:txBody>
-      </p:sp>
-      <p:sp>
-        <p:nvSpPr>
-          <p:cNvPr id="8" name="矩形 7"/>
-          <p:cNvSpPr/>
-          <p:nvPr/>
-        </p:nvSpPr>
-        <p:spPr>
-          <a:xfrm>
-            <a:off x="1464525" y="1903944"/>
-            <a:ext cx="8937422" cy="3785652"/>
-          </a:xfrm>
-          <a:prstGeom prst="rect">
-            <a:avLst/>
-          </a:prstGeom>
-        </p:spPr>
-        <p:txBody>
-          <a:bodyPr wrap="square">
-            <a:spAutoFit/>
-          </a:bodyPr>
-          <a:lstStyle/>
-          <a:p>
-            <a:pPr marL="285750" indent="-285750">
-              <a:buFont typeface="Arial" panose="020B0604020202020204" pitchFamily="34" charset="0"/>
-              <a:buChar char="•"/>
-            </a:pPr>
-            <a:r>
-              <a:rPr lang="en-US" altLang="zh-CN" sz="2400" dirty="0" smtClean="0">
-                <a:latin typeface="楷体" panose="02010609060101010101" pitchFamily="49" charset="-122"/>
-                <a:ea typeface="楷体" panose="02010609060101010101" pitchFamily="49" charset="-122"/>
-              </a:rPr>
-              <a:t>2017</a:t>
-            </a:r>
-            <a:r>
-              <a:rPr lang="zh-CN" altLang="en-US" sz="2400" dirty="0" smtClean="0">
-                <a:latin typeface="楷体" panose="02010609060101010101" pitchFamily="49" charset="-122"/>
-                <a:ea typeface="楷体" panose="02010609060101010101" pitchFamily="49" charset="-122"/>
-              </a:rPr>
-              <a:t>年</a:t>
-            </a:r>
-            <a:r>
-              <a:rPr lang="en-US" altLang="zh-CN" sz="2400" dirty="0" smtClean="0">
-                <a:latin typeface="楷体" panose="02010609060101010101" pitchFamily="49" charset="-122"/>
-                <a:ea typeface="楷体" panose="02010609060101010101" pitchFamily="49" charset="-122"/>
-              </a:rPr>
-              <a:t>9</a:t>
-            </a:r>
-            <a:r>
-              <a:rPr lang="zh-CN" altLang="en-US" sz="2400" dirty="0" smtClean="0">
-                <a:latin typeface="楷体" panose="02010609060101010101" pitchFamily="49" charset="-122"/>
-                <a:ea typeface="楷体" panose="02010609060101010101" pitchFamily="49" charset="-122"/>
-              </a:rPr>
-              <a:t>月</a:t>
-            </a:r>
-            <a:r>
-              <a:rPr lang="en-US" altLang="zh-CN" sz="2400" dirty="0" smtClean="0">
-                <a:latin typeface="楷体" panose="02010609060101010101" pitchFamily="49" charset="-122"/>
-                <a:ea typeface="楷体" panose="02010609060101010101" pitchFamily="49" charset="-122"/>
-              </a:rPr>
-              <a:t>25</a:t>
-            </a:r>
-            <a:r>
-              <a:rPr lang="zh-CN" altLang="en-US" sz="2400" dirty="0" smtClean="0">
-                <a:latin typeface="楷体" panose="02010609060101010101" pitchFamily="49" charset="-122"/>
-                <a:ea typeface="楷体" panose="02010609060101010101" pitchFamily="49" charset="-122"/>
-              </a:rPr>
-              <a:t>日</a:t>
-            </a:r>
-            <a:r>
-              <a:rPr lang="en-US" altLang="zh-CN" sz="2400" dirty="0" smtClean="0">
-                <a:latin typeface="楷体" panose="02010609060101010101" pitchFamily="49" charset="-122"/>
-                <a:ea typeface="楷体" panose="02010609060101010101" pitchFamily="49" charset="-122"/>
-              </a:rPr>
-              <a:t>-2017</a:t>
-            </a:r>
-            <a:r>
-              <a:rPr lang="zh-CN" altLang="en-US" sz="2400" dirty="0" smtClean="0">
-                <a:latin typeface="楷体" panose="02010609060101010101" pitchFamily="49" charset="-122"/>
-                <a:ea typeface="楷体" panose="02010609060101010101" pitchFamily="49" charset="-122"/>
-              </a:rPr>
-              <a:t>年</a:t>
-            </a:r>
-            <a:r>
-              <a:rPr lang="en-US" altLang="zh-CN" sz="2400" dirty="0" smtClean="0">
-                <a:latin typeface="楷体" panose="02010609060101010101" pitchFamily="49" charset="-122"/>
-                <a:ea typeface="楷体" panose="02010609060101010101" pitchFamily="49" charset="-122"/>
-              </a:rPr>
-              <a:t>10</a:t>
-            </a:r>
-            <a:r>
-              <a:rPr lang="zh-CN" altLang="en-US" sz="2400" dirty="0" smtClean="0">
-                <a:latin typeface="楷体" panose="02010609060101010101" pitchFamily="49" charset="-122"/>
-                <a:ea typeface="楷体" panose="02010609060101010101" pitchFamily="49" charset="-122"/>
-              </a:rPr>
-              <a:t>月</a:t>
-            </a:r>
-            <a:r>
-              <a:rPr lang="en-US" altLang="zh-CN" sz="2400" dirty="0" smtClean="0">
-                <a:latin typeface="楷体" panose="02010609060101010101" pitchFamily="49" charset="-122"/>
-                <a:ea typeface="楷体" panose="02010609060101010101" pitchFamily="49" charset="-122"/>
-              </a:rPr>
-              <a:t>10</a:t>
-            </a:r>
-            <a:r>
-              <a:rPr lang="zh-CN" altLang="en-US" sz="2400" dirty="0" smtClean="0">
-                <a:latin typeface="楷体" panose="02010609060101010101" pitchFamily="49" charset="-122"/>
-                <a:ea typeface="楷体" panose="02010609060101010101" pitchFamily="49" charset="-122"/>
-              </a:rPr>
-              <a:t>日  项目需求分析，熟悉使用</a:t>
-            </a:r>
-            <a:r>
-              <a:rPr lang="en-US" altLang="zh-CN" sz="2400" dirty="0" smtClean="0">
-                <a:latin typeface="楷体" panose="02010609060101010101" pitchFamily="49" charset="-122"/>
-                <a:ea typeface="楷体" panose="02010609060101010101" pitchFamily="49" charset="-122"/>
-              </a:rPr>
-              <a:t>GitHub</a:t>
-            </a:r>
-            <a:r>
-              <a:rPr lang="zh-CN" altLang="en-US" sz="2400" dirty="0" smtClean="0">
-                <a:latin typeface="楷体" panose="02010609060101010101" pitchFamily="49" charset="-122"/>
-                <a:ea typeface="楷体" panose="02010609060101010101" pitchFamily="49" charset="-122"/>
-              </a:rPr>
-              <a:t>共同管理项目。</a:t>
-            </a:r>
-          </a:p>
-          <a:p>
-            <a:r>
-              <a:rPr lang="zh-CN" altLang="en-US" sz="2400" dirty="0" smtClean="0">
-                <a:latin typeface="楷体" panose="02010609060101010101" pitchFamily="49" charset="-122"/>
-                <a:ea typeface="楷体" panose="02010609060101010101" pitchFamily="49" charset="-122"/>
-              </a:rPr>
-              <a:t>  </a:t>
-            </a:r>
-            <a:endParaRPr lang="en-US" altLang="zh-CN" sz="2400" dirty="0" smtClean="0">
-              <a:latin typeface="楷体" panose="02010609060101010101" pitchFamily="49" charset="-122"/>
-              <a:ea typeface="楷体" panose="02010609060101010101" pitchFamily="49" charset="-122"/>
-            </a:endParaRPr>
-          </a:p>
-          <a:p>
-            <a:endParaRPr lang="zh-CN" altLang="en-US" sz="2400" dirty="0" smtClean="0">
-              <a:latin typeface="楷体" panose="02010609060101010101" pitchFamily="49" charset="-122"/>
-              <a:ea typeface="楷体" panose="02010609060101010101" pitchFamily="49" charset="-122"/>
-            </a:endParaRPr>
-          </a:p>
-          <a:p>
-            <a:pPr marL="285750" indent="-285750">
-              <a:buFont typeface="Arial" panose="020B0604020202020204" pitchFamily="34" charset="0"/>
-              <a:buChar char="•"/>
-            </a:pPr>
-            <a:r>
-              <a:rPr lang="en-US" altLang="zh-CN" sz="2400" dirty="0" smtClean="0">
-                <a:latin typeface="楷体" panose="02010609060101010101" pitchFamily="49" charset="-122"/>
-                <a:ea typeface="楷体" panose="02010609060101010101" pitchFamily="49" charset="-122"/>
-              </a:rPr>
-              <a:t>2017</a:t>
-            </a:r>
-            <a:r>
-              <a:rPr lang="zh-CN" altLang="en-US" sz="2400" dirty="0" smtClean="0">
-                <a:latin typeface="楷体" panose="02010609060101010101" pitchFamily="49" charset="-122"/>
-                <a:ea typeface="楷体" panose="02010609060101010101" pitchFamily="49" charset="-122"/>
-              </a:rPr>
-              <a:t>年</a:t>
-            </a:r>
-            <a:r>
-              <a:rPr lang="en-US" altLang="zh-CN" sz="2400" dirty="0" smtClean="0">
-                <a:latin typeface="楷体" panose="02010609060101010101" pitchFamily="49" charset="-122"/>
-                <a:ea typeface="楷体" panose="02010609060101010101" pitchFamily="49" charset="-122"/>
-              </a:rPr>
-              <a:t>10</a:t>
-            </a:r>
-            <a:r>
-              <a:rPr lang="zh-CN" altLang="en-US" sz="2400" dirty="0" smtClean="0">
-                <a:latin typeface="楷体" panose="02010609060101010101" pitchFamily="49" charset="-122"/>
-                <a:ea typeface="楷体" panose="02010609060101010101" pitchFamily="49" charset="-122"/>
-              </a:rPr>
-              <a:t>月</a:t>
-            </a:r>
-            <a:r>
-              <a:rPr lang="en-US" altLang="zh-CN" sz="2400" dirty="0" smtClean="0">
-                <a:latin typeface="楷体" panose="02010609060101010101" pitchFamily="49" charset="-122"/>
-                <a:ea typeface="楷体" panose="02010609060101010101" pitchFamily="49" charset="-122"/>
-              </a:rPr>
-              <a:t>11</a:t>
-            </a:r>
-            <a:r>
-              <a:rPr lang="zh-CN" altLang="en-US" sz="2400" dirty="0" smtClean="0">
-                <a:latin typeface="楷体" panose="02010609060101010101" pitchFamily="49" charset="-122"/>
-                <a:ea typeface="楷体" panose="02010609060101010101" pitchFamily="49" charset="-122"/>
-              </a:rPr>
-              <a:t>日</a:t>
-            </a:r>
-            <a:r>
-              <a:rPr lang="en-US" altLang="zh-CN" sz="2400" dirty="0" smtClean="0">
-                <a:latin typeface="楷体" panose="02010609060101010101" pitchFamily="49" charset="-122"/>
-                <a:ea typeface="楷体" panose="02010609060101010101" pitchFamily="49" charset="-122"/>
-              </a:rPr>
-              <a:t>-2017</a:t>
-            </a:r>
-            <a:r>
-              <a:rPr lang="zh-CN" altLang="en-US" sz="2400" dirty="0" smtClean="0">
-                <a:latin typeface="楷体" panose="02010609060101010101" pitchFamily="49" charset="-122"/>
-                <a:ea typeface="楷体" panose="02010609060101010101" pitchFamily="49" charset="-122"/>
-              </a:rPr>
-              <a:t>年</a:t>
-            </a:r>
-            <a:r>
-              <a:rPr lang="en-US" altLang="zh-CN" sz="2400" dirty="0" smtClean="0">
-                <a:latin typeface="楷体" panose="02010609060101010101" pitchFamily="49" charset="-122"/>
-                <a:ea typeface="楷体" panose="02010609060101010101" pitchFamily="49" charset="-122"/>
-              </a:rPr>
-              <a:t>10</a:t>
-            </a:r>
-            <a:r>
-              <a:rPr lang="zh-CN" altLang="en-US" sz="2400" dirty="0" smtClean="0">
-                <a:latin typeface="楷体" panose="02010609060101010101" pitchFamily="49" charset="-122"/>
-                <a:ea typeface="楷体" panose="02010609060101010101" pitchFamily="49" charset="-122"/>
-              </a:rPr>
-              <a:t>月</a:t>
-            </a:r>
-            <a:r>
-              <a:rPr lang="en-US" altLang="zh-CN" sz="2400" dirty="0" smtClean="0">
-                <a:latin typeface="楷体" panose="02010609060101010101" pitchFamily="49" charset="-122"/>
-                <a:ea typeface="楷体" panose="02010609060101010101" pitchFamily="49" charset="-122"/>
-              </a:rPr>
-              <a:t>20</a:t>
-            </a:r>
-            <a:r>
-              <a:rPr lang="zh-CN" altLang="en-US" sz="2400" dirty="0" smtClean="0">
-                <a:latin typeface="楷体" panose="02010609060101010101" pitchFamily="49" charset="-122"/>
-                <a:ea typeface="楷体" panose="02010609060101010101" pitchFamily="49" charset="-122"/>
-              </a:rPr>
-              <a:t>日 着手编写测试用例，学习功能测试的方法。</a:t>
-            </a:r>
-          </a:p>
-          <a:p>
-            <a:r>
-              <a:rPr lang="zh-CN" altLang="en-US" sz="2400" dirty="0" smtClean="0">
-                <a:latin typeface="楷体" panose="02010609060101010101" pitchFamily="49" charset="-122"/>
-                <a:ea typeface="楷体" panose="02010609060101010101" pitchFamily="49" charset="-122"/>
-              </a:rPr>
-              <a:t> </a:t>
-            </a:r>
-            <a:endParaRPr lang="en-US" altLang="zh-CN" sz="2400" dirty="0" smtClean="0">
-              <a:latin typeface="楷体" panose="02010609060101010101" pitchFamily="49" charset="-122"/>
-              <a:ea typeface="楷体" panose="02010609060101010101" pitchFamily="49" charset="-122"/>
-            </a:endParaRPr>
-          </a:p>
-          <a:p>
-            <a:endParaRPr lang="zh-CN" altLang="en-US" sz="2400" dirty="0" smtClean="0">
-              <a:latin typeface="楷体" panose="02010609060101010101" pitchFamily="49" charset="-122"/>
-              <a:ea typeface="楷体" panose="02010609060101010101" pitchFamily="49" charset="-122"/>
-            </a:endParaRPr>
-          </a:p>
-          <a:p>
-            <a:pPr marL="285750" indent="-285750">
-              <a:buFont typeface="Arial" panose="020B0604020202020204" pitchFamily="34" charset="0"/>
-              <a:buChar char="•"/>
-            </a:pPr>
-            <a:r>
-              <a:rPr lang="en-US" altLang="zh-CN" sz="2400" dirty="0" smtClean="0">
-                <a:latin typeface="楷体" panose="02010609060101010101" pitchFamily="49" charset="-122"/>
-                <a:ea typeface="楷体" panose="02010609060101010101" pitchFamily="49" charset="-122"/>
-              </a:rPr>
-              <a:t>2017</a:t>
-            </a:r>
-            <a:r>
-              <a:rPr lang="zh-CN" altLang="en-US" sz="2400" dirty="0" smtClean="0">
-                <a:latin typeface="楷体" panose="02010609060101010101" pitchFamily="49" charset="-122"/>
-                <a:ea typeface="楷体" panose="02010609060101010101" pitchFamily="49" charset="-122"/>
-              </a:rPr>
-              <a:t>年</a:t>
-            </a:r>
-            <a:r>
-              <a:rPr lang="en-US" altLang="zh-CN" sz="2400" dirty="0" smtClean="0">
-                <a:latin typeface="楷体" panose="02010609060101010101" pitchFamily="49" charset="-122"/>
-                <a:ea typeface="楷体" panose="02010609060101010101" pitchFamily="49" charset="-122"/>
-              </a:rPr>
-              <a:t>10</a:t>
-            </a:r>
-            <a:r>
-              <a:rPr lang="zh-CN" altLang="en-US" sz="2400" dirty="0" smtClean="0">
-                <a:latin typeface="楷体" panose="02010609060101010101" pitchFamily="49" charset="-122"/>
-                <a:ea typeface="楷体" panose="02010609060101010101" pitchFamily="49" charset="-122"/>
-              </a:rPr>
-              <a:t>月</a:t>
-            </a:r>
-            <a:r>
-              <a:rPr lang="en-US" altLang="zh-CN" sz="2400" dirty="0" smtClean="0">
-                <a:latin typeface="楷体" panose="02010609060101010101" pitchFamily="49" charset="-122"/>
-                <a:ea typeface="楷体" panose="02010609060101010101" pitchFamily="49" charset="-122"/>
-              </a:rPr>
-              <a:t>20</a:t>
-            </a:r>
-            <a:r>
-              <a:rPr lang="zh-CN" altLang="en-US" sz="2400" dirty="0" smtClean="0">
-                <a:latin typeface="楷体" panose="02010609060101010101" pitchFamily="49" charset="-122"/>
-                <a:ea typeface="楷体" panose="02010609060101010101" pitchFamily="49" charset="-122"/>
-              </a:rPr>
-              <a:t>日</a:t>
-            </a:r>
-            <a:r>
-              <a:rPr lang="en-US" altLang="zh-CN" sz="2400" dirty="0" smtClean="0">
-                <a:latin typeface="楷体" panose="02010609060101010101" pitchFamily="49" charset="-122"/>
-                <a:ea typeface="楷体" panose="02010609060101010101" pitchFamily="49" charset="-122"/>
-              </a:rPr>
-              <a:t>-2017</a:t>
-            </a:r>
-            <a:r>
-              <a:rPr lang="zh-CN" altLang="en-US" sz="2400" dirty="0" smtClean="0">
-                <a:latin typeface="楷体" panose="02010609060101010101" pitchFamily="49" charset="-122"/>
-                <a:ea typeface="楷体" panose="02010609060101010101" pitchFamily="49" charset="-122"/>
-              </a:rPr>
-              <a:t>年</a:t>
-            </a:r>
-            <a:r>
-              <a:rPr lang="en-US" altLang="zh-CN" sz="2400" dirty="0" smtClean="0">
-                <a:latin typeface="楷体" panose="02010609060101010101" pitchFamily="49" charset="-122"/>
-                <a:ea typeface="楷体" panose="02010609060101010101" pitchFamily="49" charset="-122"/>
-              </a:rPr>
-              <a:t>10</a:t>
-            </a:r>
-            <a:r>
-              <a:rPr lang="zh-CN" altLang="en-US" sz="2400" dirty="0" smtClean="0">
-                <a:latin typeface="楷体" panose="02010609060101010101" pitchFamily="49" charset="-122"/>
-                <a:ea typeface="楷体" panose="02010609060101010101" pitchFamily="49" charset="-122"/>
-              </a:rPr>
-              <a:t>月</a:t>
-            </a:r>
-            <a:r>
-              <a:rPr lang="en-US" altLang="zh-CN" sz="2400" dirty="0" smtClean="0">
-                <a:latin typeface="楷体" panose="02010609060101010101" pitchFamily="49" charset="-122"/>
-                <a:ea typeface="楷体" panose="02010609060101010101" pitchFamily="49" charset="-122"/>
-              </a:rPr>
-              <a:t>29</a:t>
-            </a:r>
-            <a:r>
-              <a:rPr lang="zh-CN" altLang="en-US" sz="2400" dirty="0" smtClean="0">
-                <a:latin typeface="楷体" panose="02010609060101010101" pitchFamily="49" charset="-122"/>
-                <a:ea typeface="楷体" panose="02010609060101010101" pitchFamily="49" charset="-122"/>
-              </a:rPr>
-              <a:t>日 测试软件，写测试报告，总结测试工作，制作</a:t>
-            </a:r>
-            <a:r>
-              <a:rPr lang="en-US" altLang="zh-CN" sz="2400" dirty="0" smtClean="0">
-                <a:latin typeface="楷体" panose="02010609060101010101" pitchFamily="49" charset="-122"/>
-                <a:ea typeface="楷体" panose="02010609060101010101" pitchFamily="49" charset="-122"/>
-              </a:rPr>
-              <a:t>PPT</a:t>
-            </a:r>
-            <a:r>
-              <a:rPr lang="zh-CN" altLang="en-US" sz="2400" dirty="0" smtClean="0">
-                <a:latin typeface="楷体" panose="02010609060101010101" pitchFamily="49" charset="-122"/>
-                <a:ea typeface="楷体" panose="02010609060101010101" pitchFamily="49" charset="-122"/>
-              </a:rPr>
-              <a:t>。</a:t>
-            </a:r>
-            <a:endParaRPr lang="zh-CN" altLang="en-US" sz="2400" dirty="0">
-              <a:latin typeface="楷体" panose="02010609060101010101" pitchFamily="49" charset="-122"/>
-              <a:ea typeface="楷体" panose="02010609060101010101" pitchFamily="49" charset="-122"/>
-            </a:endParaRPr>
+      <p:sp>
+        <p:nvSpPr>
+          <p:cNvPr id="2" name="标题 1"/>
+          <p:cNvSpPr>
+            <a:spLocks noGrp="1"/>
+          </p:cNvSpPr>
+          <p:nvPr>
+            <p:ph type="title"/>
+          </p:nvPr>
+        </p:nvSpPr>
+        <p:spPr/>
+        <p:txBody>
+          <a:bodyPr/>
+          <a:lstStyle/>
+          <a:p>
+            <a:r>
+              <a:rPr lang="zh-CN" altLang="en-US" dirty="0" smtClean="0"/>
+              <a:t>项目分工</a:t>
+            </a:r>
+            <a:endParaRPr lang="zh-CN" altLang="en-US" dirty="0"/>
+          </a:p>
+        </p:txBody>
+      </p:sp>
+      <p:sp>
+        <p:nvSpPr>
+          <p:cNvPr id="3" name="内容占位符 2"/>
+          <p:cNvSpPr>
+            <a:spLocks noGrp="1"/>
+          </p:cNvSpPr>
+          <p:nvPr>
+            <p:ph idx="1"/>
+          </p:nvPr>
+        </p:nvSpPr>
+        <p:spPr/>
+        <p:txBody>
+          <a:bodyPr/>
+          <a:lstStyle/>
+          <a:p>
+            <a:r>
+              <a:rPr lang="en-US" altLang="zh-CN" dirty="0" err="1" smtClean="0"/>
+              <a:t>Cantool</a:t>
+            </a:r>
+            <a:r>
+              <a:rPr lang="zh-CN" altLang="en-US" dirty="0" smtClean="0"/>
+              <a:t>装置：邓达、樊家辉</a:t>
+            </a:r>
+            <a:endParaRPr lang="en-US" altLang="zh-CN" dirty="0" smtClean="0"/>
+          </a:p>
+          <a:p>
+            <a:r>
+              <a:rPr lang="zh-CN" altLang="en-US" dirty="0" smtClean="0"/>
+              <a:t>测试：杨家安、郑吉星</a:t>
+            </a:r>
+            <a:endParaRPr lang="zh-CN" altLang="en-US" dirty="0"/>
           </a:p>
         </p:txBody>
       </p:sp>
     </p:spTree>
     <p:extLst>
       <p:ext uri="{BB962C8B-B14F-4D97-AF65-F5344CB8AC3E}">
-        <p14:creationId xmlns:p14="http://schemas.microsoft.com/office/powerpoint/2010/main" val="767427437"/>
+        <p14:creationId xmlns:p14="http://schemas.microsoft.com/office/powerpoint/2010/main" val="2160939788"/>
       </p:ext>
     </p:extLst>
   </p:cSld>
@@ -4095,7 +6353,7 @@
         </p:nvSpPr>
         <p:spPr>
           <a:xfrm>
-            <a:off x="602166" y="871668"/>
+            <a:off x="669073" y="871668"/>
             <a:ext cx="3646449" cy="461665"/>
           </a:xfrm>
           <a:prstGeom prst="rect">
@@ -4110,18 +6368,11 @@
           <a:lstStyle/>
           <a:p>
             <a:r>
-              <a:rPr lang="en-US" altLang="zh-CN" sz="2400" dirty="0" smtClean="0">
-                <a:latin typeface="黑体" panose="02010609060101010101" pitchFamily="49" charset="-122"/>
-                <a:ea typeface="黑体" panose="02010609060101010101" pitchFamily="49" charset="-122"/>
-              </a:rPr>
-              <a:t>GitHub</a:t>
-            </a:r>
-            <a:r>
               <a:rPr lang="zh-CN" altLang="en-US" sz="2400" dirty="0" smtClean="0">
                 <a:latin typeface="黑体" panose="02010609060101010101" pitchFamily="49" charset="-122"/>
                 <a:ea typeface="黑体" panose="02010609060101010101" pitchFamily="49" charset="-122"/>
               </a:rPr>
-              <a:t>截图</a:t>
+              <a:t>测试产品</a:t>
             </a:r>
             <a:endParaRPr lang="zh-CN" altLang="en-US" sz="2400" dirty="0">
               <a:latin typeface="黑体" panose="02010609060101010101" pitchFamily="49" charset="-122"/>
@@ -4130,10 +6381,66 @@
           </a:p>
         </p:txBody>
       </p:sp>
+      <p:sp>
+        <p:nvSpPr>
+          <p:cNvPr id="8" name="矩形 7"/>
+          <p:cNvSpPr/>
+          <p:nvPr/>
+        </p:nvSpPr>
+        <p:spPr>
+          <a:xfrm>
+            <a:off x="2029522" y="1970852"/>
+            <a:ext cx="8341112" cy="3785652"/>
+          </a:xfrm>
+          <a:prstGeom prst="rect">
+            <a:avLst/>
+          </a:prstGeom>
+        </p:spPr>
+        <p:txBody>
+          <a:bodyPr wrap="square">
+            <a:spAutoFit/>
+          </a:bodyPr>
+          <a:lstStyle/>
+          <a:p>
+            <a:pPr marL="285750" indent="-285750">
+              <a:buFont typeface="Arial" panose="020B0604020202020204" pitchFamily="34" charset="0"/>
+              <a:buChar char="•"/>
+            </a:pPr>
+            <a:r>
+              <a:rPr lang="zh-CN" altLang="en-US" sz="2400" dirty="0" smtClean="0">
+                <a:latin typeface="楷体" panose="02010609060101010101" pitchFamily="49" charset="-122"/>
+                <a:ea typeface="楷体" panose="02010609060101010101" pitchFamily="49" charset="-122"/>
+              </a:rPr>
+              <a:t>该软件需要将连接在CAN总线上的CanTool装置采集的CAN信息发送到上位机（移动终端Android、iOS、Windows PC），并由运行在上位机中的CanToolApp软件接收这些信息，显示在用户图形界面上。同时在CanToolApp的界面上还可以设定CAN信息，通过GUI按钮将信息发送给CanTool装置，CanTool装置将按照规定的信息格式，将信息发送的CAN总线上。</a:t>
+            </a:r>
+            <a:endParaRPr lang="en-US" altLang="zh-CN" sz="2400" dirty="0" smtClean="0">
+              <a:latin typeface="楷体" panose="02010609060101010101" pitchFamily="49" charset="-122"/>
+              <a:ea typeface="楷体" panose="02010609060101010101" pitchFamily="49" charset="-122"/>
+            </a:endParaRPr>
+          </a:p>
+          <a:p>
+            <a:pPr marL="285750" indent="-285750">
+              <a:buFont typeface="Arial" panose="020B0604020202020204" pitchFamily="34" charset="0"/>
+              <a:buChar char="•"/>
+            </a:pPr>
+            <a:r>
+              <a:rPr lang="zh-CN" altLang="en-US" sz="2400" dirty="0" smtClean="0">
+                <a:latin typeface="楷体" panose="02010609060101010101" pitchFamily="49" charset="-122"/>
+                <a:ea typeface="楷体" panose="02010609060101010101" pitchFamily="49" charset="-122"/>
+              </a:rPr>
+              <a:t>CanToolApp可以设定CAN总线的通信参数，并通过相应的命令设置CanTool装置的CAN通信参数，以使CanTool装置能够与CAN总线上的其他被测ECU进行正常的通信。</a:t>
+            </a:r>
+            <a:endParaRPr lang="zh-CN" altLang="en-US" sz="2400" dirty="0">
+              <a:latin typeface="楷体" panose="02010609060101010101" pitchFamily="49" charset="-122"/>
+              <a:ea typeface="楷体" panose="02010609060101010101" pitchFamily="49" charset="-122"/>
+            </a:endParaRPr>
+          </a:p>
+        </p:txBody>
+      </p:sp>
     </p:spTree>
     <p:extLst>
       <p:ext uri="{BB962C8B-B14F-4D97-AF65-F5344CB8AC3E}">
-        <p14:creationId xmlns:p14="http://schemas.microsoft.com/office/powerpoint/2010/main" val="328008952"/>
+        <p14:creationId xmlns:p14="http://schemas.microsoft.com/office/powerpoint/2010/main" val="1738965271"/>
       </p:ext>
     </p:extLst>
   </p:cSld>
@@ -4192,7 +6499,7 @@
         </p:nvSpPr>
         <p:spPr>
           <a:xfrm>
-            <a:off x="591015" y="871668"/>
+            <a:off x="635620" y="871668"/>
             <a:ext cx="3646449" cy="461665"/>
           </a:xfrm>
           <a:prstGeom prst="rect">
@@ -4211,7 +6518,7 @@
                 <a:latin typeface="黑体" panose="02010609060101010101" pitchFamily="49" charset="-122"/>
                 <a:ea typeface="黑体" panose="02010609060101010101" pitchFamily="49" charset="-122"/>
               </a:rPr>
-              <a:t>主要测试工作</a:t>
+              <a:t>测试时间安排</a:t>
             </a:r>
             <a:endParaRPr lang="zh-CN" altLang="en-US" sz="2400" dirty="0">
               <a:latin typeface="黑体" panose="02010609060101010101" pitchFamily="49" charset="-122"/>
@@ -4228,15 +6535,15 @@
         </p:nvSpPr>
         <p:spPr>
           <a:xfrm>
-            <a:off x="3048000" y="1859340"/>
-            <a:ext cx="6096000" cy="3416320"/>
+            <a:off x="1464525" y="1903944"/>
+            <a:ext cx="8937422" cy="3785652"/>
           </a:xfrm>
           <a:prstGeom prst="rect">
             <a:avLst/>
           </a:prstGeom>
         </p:spPr>
         <p:txBody>
-          <a:bodyPr>
+          <a:bodyPr wrap="square">
             <a:spAutoFit/>
           </a:bodyPr>
           <a:lstStyle/>
@@ -4246,25 +6553,111 @@
               <a:buChar char="•"/>
             </a:pPr>
             <a:r>
+              <a:rPr lang="en-US" altLang="zh-CN" sz="2400" dirty="0" smtClean="0">
+                <a:latin typeface="楷体" panose="02010609060101010101" pitchFamily="49" charset="-122"/>
+                <a:ea typeface="楷体" panose="02010609060101010101" pitchFamily="49" charset="-122"/>
+              </a:rPr>
+              <a:t>2017</a:t>
+            </a:r>
+            <a:r>
               <a:rPr lang="zh-CN" altLang="en-US" sz="2400" dirty="0" smtClean="0">
                 <a:latin typeface="楷体" panose="02010609060101010101" pitchFamily="49" charset="-122"/>
                 <a:ea typeface="楷体" panose="02010609060101010101" pitchFamily="49" charset="-122"/>
               </a:rPr>
-              <a:t>测试计划（</a:t>
+              <a:t>年</a:t>
             </a:r>
             <a:r>
               <a:rPr lang="en-US" altLang="zh-CN" sz="2400" dirty="0" smtClean="0">
                 <a:latin typeface="楷体" panose="02010609060101010101" pitchFamily="49" charset="-122"/>
                 <a:ea typeface="楷体" panose="02010609060101010101" pitchFamily="49" charset="-122"/>
               </a:rPr>
-              <a:t>Test Plan</a:t>
+              <a:t>9</a:t>
             </a:r>
             <a:r>
               <a:rPr lang="zh-CN" altLang="en-US" sz="2400" dirty="0" smtClean="0">
                 <a:latin typeface="楷体" panose="02010609060101010101" pitchFamily="49" charset="-122"/>
                 <a:ea typeface="楷体" panose="02010609060101010101" pitchFamily="49" charset="-122"/>
               </a:rPr>
-              <a:t>）</a:t>
+              <a:t>月</a:t>
+            </a:r>
+            <a:r>
+              <a:rPr lang="en-US" altLang="zh-CN" sz="2400" dirty="0" smtClean="0">
+                <a:latin typeface="楷体" panose="02010609060101010101" pitchFamily="49" charset="-122"/>
+                <a:ea typeface="楷体" panose="02010609060101010101" pitchFamily="49" charset="-122"/>
+              </a:rPr>
+              <a:t>25</a:t>
+            </a:r>
+            <a:r>
+              <a:rPr lang="zh-CN" altLang="en-US" sz="2400" dirty="0" smtClean="0">
+                <a:latin typeface="楷体" panose="02010609060101010101" pitchFamily="49" charset="-122"/>
+                <a:ea typeface="楷体" panose="02010609060101010101" pitchFamily="49" charset="-122"/>
+              </a:rPr>
+              <a:t>日</a:t>
+            </a:r>
+            <a:r>
+              <a:rPr lang="en-US" altLang="zh-CN" sz="2400" dirty="0" smtClean="0">
+                <a:latin typeface="楷体" panose="02010609060101010101" pitchFamily="49" charset="-122"/>
+                <a:ea typeface="楷体" panose="02010609060101010101" pitchFamily="49" charset="-122"/>
+              </a:rPr>
+              <a:t>-2017</a:t>
+            </a:r>
+            <a:r>
+              <a:rPr lang="zh-CN" altLang="en-US" sz="2400" dirty="0" smtClean="0">
+                <a:latin typeface="楷体" panose="02010609060101010101" pitchFamily="49" charset="-122"/>
+                <a:ea typeface="楷体" panose="02010609060101010101" pitchFamily="49" charset="-122"/>
+              </a:rPr>
+              <a:t>年</a:t>
+            </a:r>
+            <a:r>
+              <a:rPr lang="en-US" altLang="zh-CN" sz="2400" dirty="0" smtClean="0">
+                <a:latin typeface="楷体" panose="02010609060101010101" pitchFamily="49" charset="-122"/>
+                <a:ea typeface="楷体" panose="02010609060101010101" pitchFamily="49" charset="-122"/>
+              </a:rPr>
+              <a:t>10</a:t>
+            </a:r>
+            <a:r>
+              <a:rPr lang="zh-CN" altLang="en-US" sz="2400" dirty="0" smtClean="0">
+                <a:latin typeface="楷体" panose="02010609060101010101" pitchFamily="49" charset="-122"/>
+                <a:ea typeface="楷体" panose="02010609060101010101" pitchFamily="49" charset="-122"/>
+              </a:rPr>
+              <a:t>月</a:t>
+            </a:r>
+            <a:r>
+              <a:rPr lang="en-US" altLang="zh-CN" sz="2400" dirty="0" smtClean="0">
+                <a:latin typeface="楷体" panose="02010609060101010101" pitchFamily="49" charset="-122"/>
+                <a:ea typeface="楷体" panose="02010609060101010101" pitchFamily="49" charset="-122"/>
+              </a:rPr>
+              <a:t>10</a:t>
+            </a:r>
+            <a:r>
+              <a:rPr lang="zh-CN" altLang="en-US" sz="2400" dirty="0" smtClean="0">
+                <a:latin typeface="楷体" panose="02010609060101010101" pitchFamily="49" charset="-122"/>
+                <a:ea typeface="楷体" panose="02010609060101010101" pitchFamily="49" charset="-122"/>
+              </a:rPr>
+              <a:t>日  项目需求分析，熟悉使用</a:t>
+            </a:r>
+            <a:r>
+              <a:rPr lang="en-US" altLang="zh-CN" sz="2400" dirty="0" smtClean="0">
+                <a:latin typeface="楷体" panose="02010609060101010101" pitchFamily="49" charset="-122"/>
+                <a:ea typeface="楷体" panose="02010609060101010101" pitchFamily="49" charset="-122"/>
+              </a:rPr>
+              <a:t>GitHub</a:t>
+            </a:r>
+            <a:r>
+              <a:rPr lang="zh-CN" altLang="en-US" sz="2400" dirty="0" smtClean="0">
+                <a:latin typeface="楷体" panose="02010609060101010101" pitchFamily="49" charset="-122"/>
+                <a:ea typeface="楷体" panose="02010609060101010101" pitchFamily="49" charset="-122"/>
+              </a:rPr>
+              <a:t>共同管理项目。</a:t>
+            </a:r>
+          </a:p>
+          <a:p>
+            <a:r>
+              <a:rPr lang="zh-CN" altLang="en-US" sz="2400" dirty="0" smtClean="0">
+                <a:latin typeface="楷体" panose="02010609060101010101" pitchFamily="49" charset="-122"/>
+                <a:ea typeface="楷体" panose="02010609060101010101" pitchFamily="49" charset="-122"/>
+              </a:rPr>
+              <a:t>  </a:t>
             </a:r>
             <a:endParaRPr lang="en-US" altLang="zh-CN" sz="2400" dirty="0" smtClean="0">
               <a:latin typeface="楷体" panose="02010609060101010101" pitchFamily="49" charset="-122"/>
@@ -4272,11 +6665,116 @@
             </a:endParaRPr>
           </a:p>
           <a:p>
+            <a:endParaRPr lang="zh-CN" altLang="en-US" sz="2400" dirty="0" smtClean="0">
+              <a:latin typeface="楷体" panose="02010609060101010101" pitchFamily="49" charset="-122"/>
+              <a:ea typeface="楷体" panose="02010609060101010101" pitchFamily="49" charset="-122"/>
+            </a:endParaRPr>
+          </a:p>
+          <a:p>
             <a:pPr marL="285750" indent="-285750">
               <a:buFont typeface="Arial" panose="020B0604020202020204" pitchFamily="34" charset="0"/>
               <a:buChar char="•"/>
             </a:pPr>
-            <a:endParaRPr lang="en-US" altLang="zh-CN" sz="2400" dirty="0">
+            <a:r>
+              <a:rPr lang="en-US" altLang="zh-CN" sz="2400" dirty="0" smtClean="0">
+                <a:latin typeface="楷体" panose="02010609060101010101" pitchFamily="49" charset="-122"/>
+                <a:ea typeface="楷体" panose="02010609060101010101" pitchFamily="49" charset="-122"/>
+              </a:rPr>
+              <a:t>2017</a:t>
+            </a:r>
+            <a:r>
+              <a:rPr lang="zh-CN" altLang="en-US" sz="2400" dirty="0" smtClean="0">
+                <a:latin typeface="楷体" panose="02010609060101010101" pitchFamily="49" charset="-122"/>
+                <a:ea typeface="楷体" panose="02010609060101010101" pitchFamily="49" charset="-122"/>
+              </a:rPr>
+              <a:t>年</a:t>
+            </a:r>
+            <a:r>
+              <a:rPr lang="en-US" altLang="zh-CN" sz="2400" dirty="0" smtClean="0">
+                <a:latin typeface="楷体" panose="02010609060101010101" pitchFamily="49" charset="-122"/>
+                <a:ea typeface="楷体" panose="02010609060101010101" pitchFamily="49" charset="-122"/>
+              </a:rPr>
+              <a:t>10</a:t>
+            </a:r>
+            <a:r>
+              <a:rPr lang="zh-CN" altLang="en-US" sz="2400" dirty="0" smtClean="0">
+                <a:latin typeface="楷体" panose="02010609060101010101" pitchFamily="49" charset="-122"/>
+                <a:ea typeface="楷体" panose="02010609060101010101" pitchFamily="49" charset="-122"/>
+              </a:rPr>
+              <a:t>月</a:t>
+            </a:r>
+            <a:r>
+              <a:rPr lang="en-US" altLang="zh-CN" sz="2400" dirty="0" smtClean="0">
+                <a:latin typeface="楷体" panose="02010609060101010101" pitchFamily="49" charset="-122"/>
+                <a:ea typeface="楷体" panose="02010609060101010101" pitchFamily="49" charset="-122"/>
+              </a:rPr>
+              <a:t>11</a:t>
+            </a:r>
+            <a:r>
+              <a:rPr lang="zh-CN" altLang="en-US" sz="2400" dirty="0" smtClean="0">
+                <a:latin typeface="楷体" panose="02010609060101010101" pitchFamily="49" charset="-122"/>
+                <a:ea typeface="楷体" panose="02010609060101010101" pitchFamily="49" charset="-122"/>
+              </a:rPr>
+              <a:t>日</a:t>
+            </a:r>
+            <a:r>
+              <a:rPr lang="en-US" altLang="zh-CN" sz="2400" dirty="0" smtClean="0">
+                <a:latin typeface="楷体" panose="02010609060101010101" pitchFamily="49" charset="-122"/>
+                <a:ea typeface="楷体" panose="02010609060101010101" pitchFamily="49" charset="-122"/>
+              </a:rPr>
+              <a:t>-2017</a:t>
+            </a:r>
+            <a:r>
+              <a:rPr lang="zh-CN" altLang="en-US" sz="2400" dirty="0" smtClean="0">
+                <a:latin typeface="楷体" panose="02010609060101010101" pitchFamily="49" charset="-122"/>
+                <a:ea typeface="楷体" panose="02010609060101010101" pitchFamily="49" charset="-122"/>
+              </a:rPr>
+              <a:t>年</a:t>
+            </a:r>
+            <a:r>
+              <a:rPr lang="en-US" altLang="zh-CN" sz="2400" dirty="0" smtClean="0">
+                <a:latin typeface="楷体" panose="02010609060101010101" pitchFamily="49" charset="-122"/>
+                <a:ea typeface="楷体" panose="02010609060101010101" pitchFamily="49" charset="-122"/>
+              </a:rPr>
+              <a:t>10</a:t>
+            </a:r>
+            <a:r>
+              <a:rPr lang="zh-CN" altLang="en-US" sz="2400" dirty="0" smtClean="0">
+                <a:latin typeface="楷体" panose="02010609060101010101" pitchFamily="49" charset="-122"/>
+                <a:ea typeface="楷体" panose="02010609060101010101" pitchFamily="49" charset="-122"/>
+              </a:rPr>
+              <a:t>月</a:t>
+            </a:r>
+            <a:r>
+              <a:rPr lang="en-US" altLang="zh-CN" sz="2400" dirty="0" smtClean="0">
+                <a:latin typeface="楷体" panose="02010609060101010101" pitchFamily="49" charset="-122"/>
+                <a:ea typeface="楷体" panose="02010609060101010101" pitchFamily="49" charset="-122"/>
+              </a:rPr>
+              <a:t>20</a:t>
+            </a:r>
+            <a:r>
+              <a:rPr lang="zh-CN" altLang="en-US" sz="2400" dirty="0" smtClean="0">
+                <a:latin typeface="楷体" panose="02010609060101010101" pitchFamily="49" charset="-122"/>
+                <a:ea typeface="楷体" panose="02010609060101010101" pitchFamily="49" charset="-122"/>
+              </a:rPr>
+              <a:t>日 着手编写测试用例，学习功能测试的方法。</a:t>
+            </a:r>
+          </a:p>
+          <a:p>
+            <a:r>
+              <a:rPr lang="zh-CN" altLang="en-US" sz="2400" dirty="0" smtClean="0">
+                <a:latin typeface="楷体" panose="02010609060101010101" pitchFamily="49" charset="-122"/>
+                <a:ea typeface="楷体" panose="02010609060101010101" pitchFamily="49" charset="-122"/>
+              </a:rPr>
+              <a:t> </a:t>
+            </a:r>
+            <a:endParaRPr lang="en-US" altLang="zh-CN" sz="2400" dirty="0" smtClean="0">
+              <a:latin typeface="楷体" panose="02010609060101010101" pitchFamily="49" charset="-122"/>
+              <a:ea typeface="楷体" panose="02010609060101010101" pitchFamily="49" charset="-122"/>
+            </a:endParaRPr>
+          </a:p>
+          <a:p>
+            <a:endParaRPr lang="zh-CN" altLang="en-US" sz="2400" dirty="0" smtClean="0">
               <a:latin typeface="楷体" panose="02010609060101010101" pitchFamily="49" charset="-122"/>
               <a:ea typeface="楷体" panose="02010609060101010101" pitchFamily="49" charset="-122"/>
             </a:endParaRPr>
@@ -4287,148 +6785,102 @@
               <a:buChar char="•"/>
             </a:pPr>
             <a:r>
+              <a:rPr lang="en-US" altLang="zh-CN" sz="2400" dirty="0" smtClean="0">
+                <a:latin typeface="楷体" panose="02010609060101010101" pitchFamily="49" charset="-122"/>
+                <a:ea typeface="楷体" panose="02010609060101010101" pitchFamily="49" charset="-122"/>
+              </a:rPr>
+              <a:t>2017</a:t>
+            </a:r>
+            <a:r>
               <a:rPr lang="zh-CN" altLang="en-US" sz="2400" dirty="0" smtClean="0">
                 <a:latin typeface="楷体" panose="02010609060101010101" pitchFamily="49" charset="-122"/>
                 <a:ea typeface="楷体" panose="02010609060101010101" pitchFamily="49" charset="-122"/>
               </a:rPr>
-              <a:t>测试设计说明书（</a:t>
+              <a:t>年</a:t>
             </a:r>
             <a:r>
               <a:rPr lang="en-US" altLang="zh-CN" sz="2400" dirty="0" smtClean="0">
                 <a:latin typeface="楷体" panose="02010609060101010101" pitchFamily="49" charset="-122"/>
                 <a:ea typeface="楷体" panose="02010609060101010101" pitchFamily="49" charset="-122"/>
               </a:rPr>
-              <a:t>TDS</a:t>
+              <a:t>10</a:t>
             </a:r>
             <a:r>
               <a:rPr lang="zh-CN" altLang="en-US" sz="2400" dirty="0" smtClean="0">
                 <a:latin typeface="楷体" panose="02010609060101010101" pitchFamily="49" charset="-122"/>
                 <a:ea typeface="楷体" panose="02010609060101010101" pitchFamily="49" charset="-122"/>
               </a:rPr>
-              <a:t>）</a:t>
-            </a:r>
-            <a:endParaRPr lang="en-US" altLang="zh-CN" sz="2400" dirty="0" smtClean="0">
-              <a:latin typeface="楷体" panose="02010609060101010101" pitchFamily="49" charset="-122"/>
-              <a:ea typeface="楷体" panose="02010609060101010101" pitchFamily="49" charset="-122"/>
-            </a:endParaRPr>
-          </a:p>
-          <a:p>
-            <a:pPr marL="285750" indent="-285750">
-              <a:buFont typeface="Arial" panose="020B0604020202020204" pitchFamily="34" charset="0"/>
-              <a:buChar char="•"/>
-            </a:pPr>
-            <a:endParaRPr lang="en-US" altLang="zh-CN" sz="2400" dirty="0">
-              <a:latin typeface="楷体" panose="02010609060101010101" pitchFamily="49" charset="-122"/>
-              <a:ea typeface="楷体" panose="02010609060101010101" pitchFamily="49" charset="-122"/>
-            </a:endParaRPr>
-          </a:p>
-          <a:p>
-            <a:pPr marL="285750" indent="-285750">
-              <a:buFont typeface="Arial" panose="020B0604020202020204" pitchFamily="34" charset="0"/>
-              <a:buChar char="•"/>
-            </a:pPr>
+              <a:t>月</a:t>
+            </a:r>
+            <a:r>
+              <a:rPr lang="en-US" altLang="zh-CN" sz="2400" dirty="0" smtClean="0">
+                <a:latin typeface="楷体" panose="02010609060101010101" pitchFamily="49" charset="-122"/>
+                <a:ea typeface="楷体" panose="02010609060101010101" pitchFamily="49" charset="-122"/>
+              </a:rPr>
+              <a:t>20</a:t>
+            </a:r>
             <a:r>
               <a:rPr lang="zh-CN" altLang="en-US" sz="2400" dirty="0" smtClean="0">
                 <a:latin typeface="楷体" panose="02010609060101010101" pitchFamily="49" charset="-122"/>
                 <a:ea typeface="楷体" panose="02010609060101010101" pitchFamily="49" charset="-122"/>
               </a:rPr>
-              <a:t>测试用例（</a:t>
+              <a:t>日</a:t>
             </a:r>
             <a:r>
               <a:rPr lang="en-US" altLang="zh-CN" sz="2400" dirty="0" smtClean="0">
                 <a:latin typeface="楷体" panose="02010609060101010101" pitchFamily="49" charset="-122"/>
                 <a:ea typeface="楷体" panose="02010609060101010101" pitchFamily="49" charset="-122"/>
               </a:rPr>
-              <a:t>Test Case</a:t>
+              <a:t>-2017</a:t>
             </a:r>
             <a:r>
               <a:rPr lang="zh-CN" altLang="en-US" sz="2400" dirty="0" smtClean="0">
                 <a:latin typeface="楷体" panose="02010609060101010101" pitchFamily="49" charset="-122"/>
                 <a:ea typeface="楷体" panose="02010609060101010101" pitchFamily="49" charset="-122"/>
               </a:rPr>
-              <a:t>）</a:t>
-            </a:r>
-            <a:endParaRPr lang="en-US" altLang="zh-CN" sz="2400" dirty="0" smtClean="0">
-              <a:latin typeface="楷体" panose="02010609060101010101" pitchFamily="49" charset="-122"/>
-              <a:ea typeface="楷体" panose="02010609060101010101" pitchFamily="49" charset="-122"/>
-            </a:endParaRPr>
-          </a:p>
-          <a:p>
-            <a:pPr marL="285750" indent="-285750">
-              <a:buFont typeface="Arial" panose="020B0604020202020204" pitchFamily="34" charset="0"/>
-              <a:buChar char="•"/>
-            </a:pPr>
-            <a:endParaRPr lang="en-US" altLang="zh-CN" sz="2400" dirty="0">
-              <a:latin typeface="楷体" panose="02010609060101010101" pitchFamily="49" charset="-122"/>
-              <a:ea typeface="楷体" panose="02010609060101010101" pitchFamily="49" charset="-122"/>
-            </a:endParaRPr>
-          </a:p>
-          <a:p>
-            <a:pPr marL="285750" indent="-285750">
-              <a:buFont typeface="Arial" panose="020B0604020202020204" pitchFamily="34" charset="0"/>
-              <a:buChar char="•"/>
-            </a:pPr>
+              <a:t>年</a:t>
+            </a:r>
+            <a:r>
+              <a:rPr lang="en-US" altLang="zh-CN" sz="2400" dirty="0" smtClean="0">
+                <a:latin typeface="楷体" panose="02010609060101010101" pitchFamily="49" charset="-122"/>
+                <a:ea typeface="楷体" panose="02010609060101010101" pitchFamily="49" charset="-122"/>
+              </a:rPr>
+              <a:t>10</a:t>
+            </a:r>
             <a:r>
               <a:rPr lang="zh-CN" altLang="en-US" sz="2400" dirty="0" smtClean="0">
                 <a:latin typeface="楷体" panose="02010609060101010101" pitchFamily="49" charset="-122"/>
                 <a:ea typeface="楷体" panose="02010609060101010101" pitchFamily="49" charset="-122"/>
               </a:rPr>
-              <a:t>程序错误报告（</a:t>
+              <a:t>月</a:t>
             </a:r>
             <a:r>
               <a:rPr lang="en-US" altLang="zh-CN" sz="2400" dirty="0" smtClean="0">
                 <a:latin typeface="楷体" panose="02010609060101010101" pitchFamily="49" charset="-122"/>
                 <a:ea typeface="楷体" panose="02010609060101010101" pitchFamily="49" charset="-122"/>
               </a:rPr>
-              <a:t>Bug Report</a:t>
+              <a:t>29</a:t>
             </a:r>
             <a:r>
               <a:rPr lang="zh-CN" altLang="en-US" sz="2400" dirty="0" smtClean="0">
                 <a:latin typeface="楷体" panose="02010609060101010101" pitchFamily="49" charset="-122"/>
                 <a:ea typeface="楷体" panose="02010609060101010101" pitchFamily="49" charset="-122"/>
               </a:rPr>
-              <a:t>）</a:t>
-            </a:r>
-            <a:endParaRPr lang="en-US" altLang="zh-CN" sz="2400" dirty="0" smtClean="0">
-              <a:latin typeface="楷体" panose="02010609060101010101" pitchFamily="49" charset="-122"/>
-              <a:ea typeface="楷体" panose="02010609060101010101" pitchFamily="49" charset="-122"/>
-            </a:endParaRPr>
-          </a:p>
-          <a:p>
-            <a:pPr marL="285750" indent="-285750">
-              <a:buFont typeface="Arial" panose="020B0604020202020204" pitchFamily="34" charset="0"/>
-              <a:buChar char="•"/>
-            </a:pPr>
-            <a:endParaRPr lang="en-US" altLang="zh-CN" sz="2400" dirty="0">
-              <a:latin typeface="楷体" panose="02010609060101010101" pitchFamily="49" charset="-122"/>
-              <a:ea typeface="楷体" panose="02010609060101010101" pitchFamily="49" charset="-122"/>
-            </a:endParaRPr>
-          </a:p>
-          <a:p>
-            <a:pPr marL="285750" indent="-285750">
-              <a:buFont typeface="Arial" panose="020B0604020202020204" pitchFamily="34" charset="0"/>
-              <a:buChar char="•"/>
-            </a:pPr>
+              <a:t>日 测试软件，写测试报告，总结测试工作，制作</a:t>
+            </a:r>
+            <a:r>
+              <a:rPr lang="en-US" altLang="zh-CN" sz="2400" dirty="0" smtClean="0">
+                <a:latin typeface="楷体" panose="02010609060101010101" pitchFamily="49" charset="-122"/>
+                <a:ea typeface="楷体" panose="02010609060101010101" pitchFamily="49" charset="-122"/>
+              </a:rPr>
+              <a:t>PPT</a:t>
+            </a:r>
             <a:r>
               <a:rPr lang="zh-CN" altLang="en-US" sz="2400" dirty="0" smtClean="0">
                 <a:latin typeface="楷体" panose="02010609060101010101" pitchFamily="49" charset="-122"/>
                 <a:ea typeface="楷体" panose="02010609060101010101" pitchFamily="49" charset="-122"/>
               </a:rPr>
-              <a:t>测试报告（</a:t>
-            </a:r>
-            <a:r>
-              <a:rPr lang="en-US" altLang="zh-CN" sz="2400" dirty="0" smtClean="0">
-                <a:latin typeface="楷体" panose="02010609060101010101" pitchFamily="49" charset="-122"/>
-                <a:ea typeface="楷体" panose="02010609060101010101" pitchFamily="49" charset="-122"/>
-              </a:rPr>
-              <a:t>Test Report</a:t>
-            </a:r>
-            <a:r>
-              <a:rPr lang="zh-CN" altLang="en-US" sz="2400" dirty="0" smtClean="0">
-                <a:latin typeface="楷体" panose="02010609060101010101" pitchFamily="49" charset="-122"/>
-                <a:ea typeface="楷体" panose="02010609060101010101" pitchFamily="49" charset="-122"/>
-              </a:rPr>
-              <a:t>）</a:t>
+              <a:t>。</a:t>
             </a:r>
             <a:endParaRPr lang="zh-CN" altLang="en-US" sz="2400" dirty="0">
               <a:latin typeface="楷体" panose="02010609060101010101" pitchFamily="49" charset="-122"/>
@@ -4440,7 +6892,7 @@
     </p:spTree>
     <p:extLst>
       <p:ext uri="{BB962C8B-B14F-4D97-AF65-F5344CB8AC3E}">
-        <p14:creationId xmlns:p14="http://schemas.microsoft.com/office/powerpoint/2010/main" val="3392198894"/>
+        <p14:creationId xmlns:p14="http://schemas.microsoft.com/office/powerpoint/2010/main" val="767427437"/>
       </p:ext>
     </p:extLst>
   </p:cSld>
@@ -4499,8 +6951,8 @@
         </p:nvSpPr>
         <p:spPr>
           <a:xfrm>
-            <a:off x="579864" y="871668"/>
-            <a:ext cx="3980985" cy="461665"/>
+            <a:off x="591015" y="871668"/>
+            <a:ext cx="3646449" cy="461665"/>
           </a:xfrm>
           <a:prstGeom prst="rect">
             <a:avLst/>
@@ -4518,21 +6970,7 @@
                 <a:latin typeface="黑体" panose="02010609060101010101" pitchFamily="49" charset="-122"/>
                 <a:ea typeface="黑体" panose="02010609060101010101" pitchFamily="49" charset="-122"/>
               </a:rPr>
-              <a:t>二三组</a:t>
-            </a:r>
-            <a:r>
-              <a:rPr lang="en-US" altLang="zh-CN" sz="2400" dirty="0" smtClean="0">
-                <a:latin typeface="黑体" panose="02010609060101010101" pitchFamily="49" charset="-122"/>
-                <a:ea typeface="黑体" panose="02010609060101010101" pitchFamily="49" charset="-122"/>
-              </a:rPr>
-              <a:t>CanToolApp</a:t>
-            </a:r>
-            <a:r>
-              <a:rPr lang="zh-CN" altLang="en-US" sz="2400" dirty="0" smtClean="0">
-                <a:latin typeface="黑体" panose="02010609060101010101" pitchFamily="49" charset="-122"/>
-                <a:ea typeface="黑体" panose="02010609060101010101" pitchFamily="49" charset="-122"/>
-              </a:rPr>
-              <a:t>测试总结</a:t>
+              <a:t>主要测试工作</a:t>
             </a:r>
             <a:endParaRPr lang="zh-CN" altLang="en-US" sz="2400" dirty="0">
               <a:latin typeface="黑体" panose="02010609060101010101" pitchFamily="49" charset="-122"/>
@@ -4543,191 +6981,225 @@
       </p:sp>
       <p:sp>
         <p:nvSpPr>
-          <p:cNvPr id="2" name="文本框 1"/>
-          <p:cNvSpPr txBox="1"/>
+          <p:cNvPr id="8" name="矩形 7"/>
+          <p:cNvSpPr/>
           <p:nvPr/>
         </p:nvSpPr>
         <p:spPr>
           <a:xfrm>
-            <a:off x="1037063" y="2732049"/>
-            <a:ext cx="10281425" cy="1569660"/>
+            <a:off x="3048000" y="1859340"/>
+            <a:ext cx="6096000" cy="3416320"/>
           </a:xfrm>
           <a:prstGeom prst="rect">
             <a:avLst/>
           </a:prstGeom>
-          <a:noFill/>
         </p:spPr>
         <p:txBody>
-          <a:bodyPr wrap="square" rtlCol="0">
+          <a:bodyPr>
             <a:spAutoFit/>
           </a:bodyPr>
           <a:lstStyle/>
           <a:p>
+            <a:pPr marL="285750" indent="-285750">
+              <a:buFont typeface="Arial" panose="020B0604020202020204" pitchFamily="34" charset="0"/>
+              <a:buChar char="•"/>
+            </a:pPr>
             <a:r>
               <a:rPr lang="zh-CN" altLang="en-US" sz="2400" dirty="0" smtClean="0">
                 <a:latin typeface="楷体" panose="02010609060101010101" pitchFamily="49" charset="-122"/>
                 <a:ea typeface="楷体" panose="02010609060101010101" pitchFamily="49" charset="-122"/>
               </a:rPr>
-              <a:t>    该组</a:t>
+              <a:t>测试计划（</a:t>
             </a:r>
             <a:r>
               <a:rPr lang="en-US" altLang="zh-CN" sz="2400" dirty="0" smtClean="0">
                 <a:latin typeface="楷体" panose="02010609060101010101" pitchFamily="49" charset="-122"/>
                 <a:ea typeface="楷体" panose="02010609060101010101" pitchFamily="49" charset="-122"/>
               </a:rPr>
-              <a:t>CanToolApp</a:t>
+              <a:t>Test Plan</a:t>
             </a:r>
             <a:r>
               <a:rPr lang="zh-CN" altLang="en-US" sz="2400" dirty="0" smtClean="0">
                 <a:latin typeface="楷体" panose="02010609060101010101" pitchFamily="49" charset="-122"/>
                 <a:ea typeface="楷体" panose="02010609060101010101" pitchFamily="49" charset="-122"/>
               </a:rPr>
-              <a:t>软件安装简单，实现了</a:t>
-            </a:r>
-            <a:r>
-              <a:rPr lang="en-US" altLang="zh-CN" sz="2400" dirty="0" smtClean="0">
-                <a:latin typeface="楷体" panose="02010609060101010101" pitchFamily="49" charset="-122"/>
-                <a:ea typeface="楷体" panose="02010609060101010101" pitchFamily="49" charset="-122"/>
-              </a:rPr>
-              <a:t>CanToolApp</a:t>
-            </a:r>
-            <a:r>
-              <a:rPr lang="zh-CN" altLang="en-US" sz="2400" dirty="0" smtClean="0">
-                <a:latin typeface="楷体" panose="02010609060101010101" pitchFamily="49" charset="-122"/>
-                <a:ea typeface="楷体" panose="02010609060101010101" pitchFamily="49" charset="-122"/>
-              </a:rPr>
-              <a:t>软件需求分析中的基本功能，有少部分功能没有实现</a:t>
-            </a:r>
-            <a:r>
-              <a:rPr lang="zh-CN" altLang="en-US" sz="2400" dirty="0" smtClean="0">
-                <a:latin typeface="楷体" panose="02010609060101010101" pitchFamily="49" charset="-122"/>
-                <a:ea typeface="楷体" panose="02010609060101010101" pitchFamily="49" charset="-122"/>
-              </a:rPr>
-              <a:t>。测试</a:t>
-            </a:r>
-            <a:r>
-              <a:rPr lang="zh-CN" altLang="en-US" sz="2400" dirty="0" smtClean="0">
-                <a:latin typeface="楷体" panose="02010609060101010101" pitchFamily="49" charset="-122"/>
-                <a:ea typeface="楷体" panose="02010609060101010101" pitchFamily="49" charset="-122"/>
-              </a:rPr>
-              <a:t>使用了</a:t>
-            </a:r>
-            <a:r>
-              <a:rPr lang="en-US" altLang="zh-CN" sz="2400" dirty="0" smtClean="0">
-                <a:latin typeface="楷体" panose="02010609060101010101" pitchFamily="49" charset="-122"/>
-                <a:ea typeface="楷体" panose="02010609060101010101" pitchFamily="49" charset="-122"/>
-              </a:rPr>
-              <a:t>21</a:t>
-            </a:r>
-            <a:r>
-              <a:rPr lang="zh-CN" altLang="en-US" sz="2400" dirty="0" smtClean="0">
-                <a:latin typeface="楷体" panose="02010609060101010101" pitchFamily="49" charset="-122"/>
-                <a:ea typeface="楷体" panose="02010609060101010101" pitchFamily="49" charset="-122"/>
-              </a:rPr>
-              <a:t>组</a:t>
-            </a:r>
-            <a:r>
-              <a:rPr lang="zh-CN" altLang="en-US" sz="2400" dirty="0" smtClean="0">
-                <a:latin typeface="楷体" panose="02010609060101010101" pitchFamily="49" charset="-122"/>
-                <a:ea typeface="楷体" panose="02010609060101010101" pitchFamily="49" charset="-122"/>
-              </a:rPr>
-              <a:t>测试用例，成功通过测试用例</a:t>
-            </a:r>
-            <a:r>
-              <a:rPr lang="en-US" altLang="zh-CN" sz="2400" dirty="0" smtClean="0">
-                <a:latin typeface="楷体" panose="02010609060101010101" pitchFamily="49" charset="-122"/>
-                <a:ea typeface="楷体" panose="02010609060101010101" pitchFamily="49" charset="-122"/>
-              </a:rPr>
-              <a:t>16</a:t>
-            </a:r>
-            <a:r>
-              <a:rPr lang="zh-CN" altLang="en-US" sz="2400" dirty="0" smtClean="0">
-                <a:latin typeface="楷体" panose="02010609060101010101" pitchFamily="49" charset="-122"/>
-                <a:ea typeface="楷体" panose="02010609060101010101" pitchFamily="49" charset="-122"/>
-              </a:rPr>
-              <a:t>组</a:t>
-            </a:r>
-            <a:r>
-              <a:rPr lang="zh-CN" altLang="en-US" sz="2400" dirty="0" smtClean="0">
-                <a:latin typeface="楷体" panose="02010609060101010101" pitchFamily="49" charset="-122"/>
-                <a:ea typeface="楷体" panose="02010609060101010101" pitchFamily="49" charset="-122"/>
-              </a:rPr>
-              <a:t>，</a:t>
-            </a:r>
-            <a:r>
-              <a:rPr lang="zh-CN" altLang="en-US" sz="2400" dirty="0" smtClean="0">
-                <a:latin typeface="楷体" panose="02010609060101010101" pitchFamily="49" charset="-122"/>
-                <a:ea typeface="楷体" panose="02010609060101010101" pitchFamily="49" charset="-122"/>
-              </a:rPr>
-              <a:t>有</a:t>
-            </a:r>
-            <a:r>
-              <a:rPr lang="en-US" altLang="zh-CN" sz="2400" dirty="0" smtClean="0">
-                <a:latin typeface="楷体" panose="02010609060101010101" pitchFamily="49" charset="-122"/>
-                <a:ea typeface="楷体" panose="02010609060101010101" pitchFamily="49" charset="-122"/>
-              </a:rPr>
-              <a:t>2</a:t>
-            </a:r>
-            <a:r>
-              <a:rPr lang="zh-CN" altLang="en-US" sz="2400" dirty="0" smtClean="0">
-                <a:latin typeface="楷体" panose="02010609060101010101" pitchFamily="49" charset="-122"/>
-                <a:ea typeface="楷体" panose="02010609060101010101" pitchFamily="49" charset="-122"/>
-              </a:rPr>
-              <a:t>组</a:t>
-            </a:r>
-            <a:r>
-              <a:rPr lang="zh-CN" altLang="en-US" sz="2400" dirty="0" smtClean="0">
-                <a:latin typeface="楷体" panose="02010609060101010101" pitchFamily="49" charset="-122"/>
-                <a:ea typeface="楷体" panose="02010609060101010101" pitchFamily="49" charset="-122"/>
-              </a:rPr>
-              <a:t>测试用例显示功能不全，</a:t>
-            </a:r>
-            <a:r>
-              <a:rPr lang="en-US" altLang="zh-CN" sz="2400" dirty="0" smtClean="0">
-                <a:latin typeface="楷体" panose="02010609060101010101" pitchFamily="49" charset="-122"/>
-                <a:ea typeface="楷体" panose="02010609060101010101" pitchFamily="49" charset="-122"/>
-              </a:rPr>
-              <a:t>2</a:t>
-            </a:r>
-            <a:r>
-              <a:rPr lang="zh-CN" altLang="en-US" sz="2400" dirty="0" smtClean="0">
-                <a:latin typeface="楷体" panose="02010609060101010101" pitchFamily="49" charset="-122"/>
-                <a:ea typeface="楷体" panose="02010609060101010101" pitchFamily="49" charset="-122"/>
-              </a:rPr>
-              <a:t>组功能缺失，</a:t>
-            </a:r>
-            <a:r>
-              <a:rPr lang="en-US" altLang="zh-CN" sz="2400" dirty="0" smtClean="0">
-                <a:latin typeface="楷体" panose="02010609060101010101" pitchFamily="49" charset="-122"/>
-                <a:ea typeface="楷体" panose="02010609060101010101" pitchFamily="49" charset="-122"/>
-              </a:rPr>
-              <a:t>1</a:t>
-            </a:r>
-            <a:r>
-              <a:rPr lang="zh-CN" altLang="en-US" sz="2400" dirty="0" smtClean="0">
-                <a:latin typeface="楷体" panose="02010609060101010101" pitchFamily="49" charset="-122"/>
-                <a:ea typeface="楷体" panose="02010609060101010101" pitchFamily="49" charset="-122"/>
-              </a:rPr>
-              <a:t>组无法测试。软件</a:t>
-            </a:r>
-            <a:r>
-              <a:rPr lang="zh-CN" altLang="en-US" sz="2400" dirty="0" smtClean="0">
-                <a:latin typeface="楷体" panose="02010609060101010101" pitchFamily="49" charset="-122"/>
-                <a:ea typeface="楷体" panose="02010609060101010101" pitchFamily="49" charset="-122"/>
-              </a:rPr>
-              <a:t>实现了基本的传送数据功能，总体使用情况良好。</a:t>
+              <a:t>）</a:t>
             </a:r>
             <a:endParaRPr lang="en-US" altLang="zh-CN" sz="2400" dirty="0" smtClean="0">
               <a:latin typeface="楷体" panose="02010609060101010101" pitchFamily="49" charset="-122"/>
               <a:ea typeface="楷体" panose="02010609060101010101" pitchFamily="49" charset="-122"/>
             </a:endParaRPr>
           </a:p>
+          <a:p>
+            <a:pPr marL="285750" indent="-285750">
+              <a:buFont typeface="Arial" panose="020B0604020202020204" pitchFamily="34" charset="0"/>
+              <a:buChar char="•"/>
+            </a:pPr>
+            <a:endParaRPr lang="en-US" altLang="zh-CN" sz="2400" dirty="0">
+              <a:latin typeface="楷体" panose="02010609060101010101" pitchFamily="49" charset="-122"/>
+              <a:ea typeface="楷体" panose="02010609060101010101" pitchFamily="49" charset="-122"/>
+            </a:endParaRPr>
+          </a:p>
+          <a:p>
+            <a:pPr marL="285750" indent="-285750">
+              <a:buFont typeface="Arial" panose="020B0604020202020204" pitchFamily="34" charset="0"/>
+              <a:buChar char="•"/>
+            </a:pPr>
+            <a:r>
+              <a:rPr lang="zh-CN" altLang="en-US" sz="2400" dirty="0" smtClean="0">
+                <a:latin typeface="楷体" panose="02010609060101010101" pitchFamily="49" charset="-122"/>
+                <a:ea typeface="楷体" panose="02010609060101010101" pitchFamily="49" charset="-122"/>
+              </a:rPr>
+              <a:t>测试设计说明书（</a:t>
+            </a:r>
+            <a:r>
+              <a:rPr lang="en-US" altLang="zh-CN" sz="2400" dirty="0" smtClean="0">
+                <a:latin typeface="楷体" panose="02010609060101010101" pitchFamily="49" charset="-122"/>
+                <a:ea typeface="楷体" panose="02010609060101010101" pitchFamily="49" charset="-122"/>
+              </a:rPr>
+              <a:t>TDS</a:t>
+            </a:r>
+            <a:r>
+              <a:rPr lang="zh-CN" altLang="en-US" sz="2400" dirty="0" smtClean="0">
+                <a:latin typeface="楷体" panose="02010609060101010101" pitchFamily="49" charset="-122"/>
+                <a:ea typeface="楷体" panose="02010609060101010101" pitchFamily="49" charset="-122"/>
+              </a:rPr>
+              <a:t>）</a:t>
+            </a:r>
+            <a:endParaRPr lang="en-US" altLang="zh-CN" sz="2400" dirty="0" smtClean="0">
+              <a:latin typeface="楷体" panose="02010609060101010101" pitchFamily="49" charset="-122"/>
+              <a:ea typeface="楷体" panose="02010609060101010101" pitchFamily="49" charset="-122"/>
+            </a:endParaRPr>
+          </a:p>
+          <a:p>
+            <a:pPr marL="285750" indent="-285750">
+              <a:buFont typeface="Arial" panose="020B0604020202020204" pitchFamily="34" charset="0"/>
+              <a:buChar char="•"/>
+            </a:pPr>
+            <a:endParaRPr lang="en-US" altLang="zh-CN" sz="2400" dirty="0">
+              <a:latin typeface="楷体" panose="02010609060101010101" pitchFamily="49" charset="-122"/>
+              <a:ea typeface="楷体" panose="02010609060101010101" pitchFamily="49" charset="-122"/>
+            </a:endParaRPr>
+          </a:p>
+          <a:p>
+            <a:pPr marL="285750" indent="-285750">
+              <a:buFont typeface="Arial" panose="020B0604020202020204" pitchFamily="34" charset="0"/>
+              <a:buChar char="•"/>
+            </a:pPr>
+            <a:r>
+              <a:rPr lang="zh-CN" altLang="en-US" sz="2400" dirty="0" smtClean="0">
+                <a:latin typeface="楷体" panose="02010609060101010101" pitchFamily="49" charset="-122"/>
+                <a:ea typeface="楷体" panose="02010609060101010101" pitchFamily="49" charset="-122"/>
+              </a:rPr>
+              <a:t>测试用例（</a:t>
+            </a:r>
+            <a:r>
+              <a:rPr lang="en-US" altLang="zh-CN" sz="2400" dirty="0" smtClean="0">
+                <a:latin typeface="楷体" panose="02010609060101010101" pitchFamily="49" charset="-122"/>
+                <a:ea typeface="楷体" panose="02010609060101010101" pitchFamily="49" charset="-122"/>
+              </a:rPr>
+              <a:t>Test Case</a:t>
+            </a:r>
+            <a:r>
+              <a:rPr lang="zh-CN" altLang="en-US" sz="2400" dirty="0" smtClean="0">
+                <a:latin typeface="楷体" panose="02010609060101010101" pitchFamily="49" charset="-122"/>
+                <a:ea typeface="楷体" panose="02010609060101010101" pitchFamily="49" charset="-122"/>
+              </a:rPr>
+              <a:t>）</a:t>
+            </a:r>
+            <a:endParaRPr lang="en-US" altLang="zh-CN" sz="2400" dirty="0" smtClean="0">
+              <a:latin typeface="楷体" panose="02010609060101010101" pitchFamily="49" charset="-122"/>
+              <a:ea typeface="楷体" panose="02010609060101010101" pitchFamily="49" charset="-122"/>
+            </a:endParaRPr>
+          </a:p>
+          <a:p>
+            <a:pPr marL="285750" indent="-285750">
+              <a:buFont typeface="Arial" panose="020B0604020202020204" pitchFamily="34" charset="0"/>
+              <a:buChar char="•"/>
+            </a:pPr>
+            <a:endParaRPr lang="en-US" altLang="zh-CN" sz="2400" dirty="0">
+              <a:latin typeface="楷体" panose="02010609060101010101" pitchFamily="49" charset="-122"/>
+              <a:ea typeface="楷体" panose="02010609060101010101" pitchFamily="49" charset="-122"/>
+            </a:endParaRPr>
+          </a:p>
+          <a:p>
+            <a:pPr marL="285750" indent="-285750">
+              <a:buFont typeface="Arial" panose="020B0604020202020204" pitchFamily="34" charset="0"/>
+              <a:buChar char="•"/>
+            </a:pPr>
+            <a:r>
+              <a:rPr lang="zh-CN" altLang="en-US" sz="2400" dirty="0" smtClean="0">
+                <a:latin typeface="楷体" panose="02010609060101010101" pitchFamily="49" charset="-122"/>
+                <a:ea typeface="楷体" panose="02010609060101010101" pitchFamily="49" charset="-122"/>
+              </a:rPr>
+              <a:t>程序错误报告（</a:t>
+            </a:r>
+            <a:r>
+              <a:rPr lang="en-US" altLang="zh-CN" sz="2400" dirty="0" smtClean="0">
+                <a:latin typeface="楷体" panose="02010609060101010101" pitchFamily="49" charset="-122"/>
+                <a:ea typeface="楷体" panose="02010609060101010101" pitchFamily="49" charset="-122"/>
+              </a:rPr>
+              <a:t>Bug Report</a:t>
+            </a:r>
+            <a:r>
+              <a:rPr lang="zh-CN" altLang="en-US" sz="2400" dirty="0" smtClean="0">
+                <a:latin typeface="楷体" panose="02010609060101010101" pitchFamily="49" charset="-122"/>
+                <a:ea typeface="楷体" panose="02010609060101010101" pitchFamily="49" charset="-122"/>
+              </a:rPr>
+              <a:t>）</a:t>
+            </a:r>
+            <a:endParaRPr lang="en-US" altLang="zh-CN" sz="2400" dirty="0" smtClean="0">
+              <a:latin typeface="楷体" panose="02010609060101010101" pitchFamily="49" charset="-122"/>
+              <a:ea typeface="楷体" panose="02010609060101010101" pitchFamily="49" charset="-122"/>
+            </a:endParaRPr>
+          </a:p>
+          <a:p>
+            <a:pPr marL="285750" indent="-285750">
+              <a:buFont typeface="Arial" panose="020B0604020202020204" pitchFamily="34" charset="0"/>
+              <a:buChar char="•"/>
+            </a:pPr>
+            <a:endParaRPr lang="en-US" altLang="zh-CN" sz="2400" dirty="0">
+              <a:latin typeface="楷体" panose="02010609060101010101" pitchFamily="49" charset="-122"/>
+              <a:ea typeface="楷体" panose="02010609060101010101" pitchFamily="49" charset="-122"/>
+            </a:endParaRPr>
+          </a:p>
+          <a:p>
+            <a:pPr marL="285750" indent="-285750">
+              <a:buFont typeface="Arial" panose="020B0604020202020204" pitchFamily="34" charset="0"/>
+              <a:buChar char="•"/>
+            </a:pPr>
+            <a:r>
+              <a:rPr lang="zh-CN" altLang="en-US" sz="2400" dirty="0" smtClean="0">
+                <a:latin typeface="楷体" panose="02010609060101010101" pitchFamily="49" charset="-122"/>
+                <a:ea typeface="楷体" panose="02010609060101010101" pitchFamily="49" charset="-122"/>
+              </a:rPr>
+              <a:t>测试报告（</a:t>
+            </a:r>
+            <a:r>
+              <a:rPr lang="en-US" altLang="zh-CN" sz="2400" dirty="0" smtClean="0">
+                <a:latin typeface="楷体" panose="02010609060101010101" pitchFamily="49" charset="-122"/>
+                <a:ea typeface="楷体" panose="02010609060101010101" pitchFamily="49" charset="-122"/>
+              </a:rPr>
+              <a:t>Test Report</a:t>
+            </a:r>
+            <a:r>
+              <a:rPr lang="zh-CN" altLang="en-US" sz="2400" dirty="0" smtClean="0">
+                <a:latin typeface="楷体" panose="02010609060101010101" pitchFamily="49" charset="-122"/>
+                <a:ea typeface="楷体" panose="02010609060101010101" pitchFamily="49" charset="-122"/>
+              </a:rPr>
+              <a:t>）</a:t>
+            </a:r>
+            <a:endParaRPr lang="zh-CN" altLang="en-US" sz="2400" dirty="0">
+              <a:latin typeface="楷体" panose="02010609060101010101" pitchFamily="49" charset="-122"/>
+              <a:ea typeface="楷体" panose="02010609060101010101" pitchFamily="49" charset="-122"/>
+            </a:endParaRPr>
+          </a:p>
         </p:txBody>
       </p:sp>
     </p:spTree>
     <p:extLst>
       <p:ext uri="{BB962C8B-B14F-4D97-AF65-F5344CB8AC3E}">
-        <p14:creationId xmlns:p14="http://schemas.microsoft.com/office/powerpoint/2010/main" val="595075559"/>
+        <p14:creationId xmlns:p14="http://schemas.microsoft.com/office/powerpoint/2010/main" val="3392198894"/>
       </p:ext>
     </p:extLst>
   </p:cSld>
@@ -4780,14 +7252,14 @@
       </p:pic>
       <p:sp>
         <p:nvSpPr>
-          <p:cNvPr id="2" name="文本框 1"/>
+          <p:cNvPr id="7" name="文本框 6"/>
           <p:cNvSpPr txBox="1"/>
           <p:nvPr/>
         </p:nvSpPr>
         <p:spPr>
           <a:xfrm>
-            <a:off x="2185639" y="1650380"/>
-            <a:ext cx="7694342" cy="3416320"/>
+            <a:off x="579864" y="871668"/>
+            <a:ext cx="3980985" cy="461665"/>
           </a:xfrm>
           <a:prstGeom prst="rect">
             <a:avLst/>
@@ -4800,198 +7272,185 @@
           </a:bodyPr>
           <a:lstStyle/>
           <a:p>
-            <a:pPr marL="285750" indent="-285750">
-              <a:buFont typeface="Arial" panose="020B0604020202020204" pitchFamily="34" charset="0"/>
-              <a:buChar char="•"/>
-            </a:pPr>
+            <a:r>
+              <a:rPr lang="zh-CN" altLang="en-US" sz="2400" dirty="0" smtClean="0">
+                <a:latin typeface="黑体" panose="02010609060101010101" pitchFamily="49" charset="-122"/>
+                <a:ea typeface="黑体" panose="02010609060101010101" pitchFamily="49" charset="-122"/>
+              </a:rPr>
+              <a:t>十一组</a:t>
+            </a:r>
             <a:r>
               <a:rPr lang="en-US" altLang="zh-CN" sz="2400" dirty="0" smtClean="0">
-                <a:latin typeface="Times New Roman" panose="02020603050405020304" pitchFamily="18" charset="0"/>
-                <a:ea typeface="楷体" panose="02010609060101010101" pitchFamily="49" charset="-122"/>
-                <a:cs typeface="Times New Roman" panose="02020603050405020304" pitchFamily="18" charset="0"/>
-              </a:rPr>
-              <a:t>Functionality:</a:t>
+                <a:latin typeface="黑体" panose="02010609060101010101" pitchFamily="49" charset="-122"/>
+                <a:ea typeface="黑体" panose="02010609060101010101" pitchFamily="49" charset="-122"/>
+              </a:rPr>
+              <a:t>CanToolApp</a:t>
             </a:r>
             <a:r>
               <a:rPr lang="zh-CN" altLang="en-US" sz="2400" dirty="0" smtClean="0">
-                <a:latin typeface="Times New Roman" panose="02020603050405020304" pitchFamily="18" charset="0"/>
-                <a:ea typeface="楷体" panose="02010609060101010101" pitchFamily="49" charset="-122"/>
-                <a:cs typeface="Times New Roman" panose="02020603050405020304" pitchFamily="18" charset="0"/>
-              </a:rPr>
-              <a:t>实现基本功能，少部分功能未实现</a:t>
+                <a:latin typeface="黑体" panose="02010609060101010101" pitchFamily="49" charset="-122"/>
+                <a:ea typeface="黑体" panose="02010609060101010101" pitchFamily="49" charset="-122"/>
+              </a:rPr>
+              <a:t>测试总结</a:t>
+            </a:r>
+            <a:endParaRPr lang="zh-CN" altLang="en-US" sz="2400" dirty="0">
+              <a:latin typeface="黑体" panose="02010609060101010101" pitchFamily="49" charset="-122"/>
+              <a:ea typeface="黑体" panose="02010609060101010101" pitchFamily="49" charset="-122"/>
+            </a:endParaRPr>
+          </a:p>
+        </p:txBody>
+      </p:sp>
+      <p:sp>
+        <p:nvSpPr>
+          <p:cNvPr id="2" name="文本框 1"/>
+          <p:cNvSpPr txBox="1"/>
+          <p:nvPr/>
+        </p:nvSpPr>
+        <p:spPr>
+          <a:xfrm>
+            <a:off x="1037063" y="2732049"/>
+            <a:ext cx="10281425" cy="1938992"/>
+          </a:xfrm>
+          <a:prstGeom prst="rect">
+            <a:avLst/>
+          </a:prstGeom>
+          <a:noFill/>
+        </p:spPr>
+        <p:txBody>
+          <a:bodyPr wrap="square" rtlCol="0">
+            <a:spAutoFit/>
+          </a:bodyPr>
+          <a:lstStyle/>
+          <a:p>
+            <a:r>
+              <a:rPr lang="zh-CN" altLang="en-US" sz="2400" dirty="0" smtClean="0">
+                <a:latin typeface="楷体" panose="02010609060101010101" pitchFamily="49" charset="-122"/>
+                <a:ea typeface="楷体" panose="02010609060101010101" pitchFamily="49" charset="-122"/>
+              </a:rPr>
+              <a:t>    该组</a:t>
+            </a:r>
+            <a:r>
+              <a:rPr lang="en-US" altLang="zh-CN" sz="2400" dirty="0" smtClean="0">
+                <a:latin typeface="楷体" panose="02010609060101010101" pitchFamily="49" charset="-122"/>
+                <a:ea typeface="楷体" panose="02010609060101010101" pitchFamily="49" charset="-122"/>
+              </a:rPr>
+              <a:t>CanToolApp</a:t>
+            </a:r>
+            <a:r>
+              <a:rPr lang="zh-CN" altLang="en-US" sz="2400" dirty="0" smtClean="0">
+                <a:latin typeface="楷体" panose="02010609060101010101" pitchFamily="49" charset="-122"/>
+                <a:ea typeface="楷体" panose="02010609060101010101" pitchFamily="49" charset="-122"/>
+              </a:rPr>
+              <a:t>软件安装简单，实现了</a:t>
+            </a:r>
+            <a:r>
+              <a:rPr lang="en-US" altLang="zh-CN" sz="2400" dirty="0" smtClean="0">
+                <a:latin typeface="楷体" panose="02010609060101010101" pitchFamily="49" charset="-122"/>
+                <a:ea typeface="楷体" panose="02010609060101010101" pitchFamily="49" charset="-122"/>
+              </a:rPr>
+              <a:t>CanToolApp</a:t>
+            </a:r>
+            <a:r>
+              <a:rPr lang="zh-CN" altLang="en-US" sz="2400" dirty="0" smtClean="0">
+                <a:latin typeface="楷体" panose="02010609060101010101" pitchFamily="49" charset="-122"/>
+                <a:ea typeface="楷体" panose="02010609060101010101" pitchFamily="49" charset="-122"/>
+              </a:rPr>
+              <a:t>软件需求分析中的基本功能，有少部分功能没有实现。操作界面简洁，但测试是使用的按钮和文本框没有取消。测试使用了</a:t>
+            </a:r>
+            <a:r>
+              <a:rPr lang="en-US" altLang="zh-CN" sz="2400" dirty="0" smtClean="0">
+                <a:latin typeface="楷体" panose="02010609060101010101" pitchFamily="49" charset="-122"/>
+                <a:ea typeface="楷体" panose="02010609060101010101" pitchFamily="49" charset="-122"/>
+              </a:rPr>
+              <a:t>21</a:t>
+            </a:r>
+            <a:r>
+              <a:rPr lang="zh-CN" altLang="en-US" sz="2400" dirty="0" smtClean="0">
+                <a:latin typeface="楷体" panose="02010609060101010101" pitchFamily="49" charset="-122"/>
+                <a:ea typeface="楷体" panose="02010609060101010101" pitchFamily="49" charset="-122"/>
+              </a:rPr>
+              <a:t>组</a:t>
+            </a:r>
+            <a:r>
+              <a:rPr lang="zh-CN" altLang="en-US" sz="2400" dirty="0" smtClean="0">
+                <a:latin typeface="楷体" panose="02010609060101010101" pitchFamily="49" charset="-122"/>
+                <a:ea typeface="楷体" panose="02010609060101010101" pitchFamily="49" charset="-122"/>
+              </a:rPr>
+              <a:t>测试用例，成功通过测试用例</a:t>
+            </a:r>
+            <a:r>
+              <a:rPr lang="en-US" altLang="zh-CN" sz="2400" dirty="0" smtClean="0">
+                <a:latin typeface="楷体" panose="02010609060101010101" pitchFamily="49" charset="-122"/>
+                <a:ea typeface="楷体" panose="02010609060101010101" pitchFamily="49" charset="-122"/>
+              </a:rPr>
+              <a:t>17</a:t>
+            </a:r>
+            <a:r>
+              <a:rPr lang="zh-CN" altLang="en-US" sz="2400" dirty="0" smtClean="0">
+                <a:latin typeface="楷体" panose="02010609060101010101" pitchFamily="49" charset="-122"/>
+                <a:ea typeface="楷体" panose="02010609060101010101" pitchFamily="49" charset="-122"/>
+              </a:rPr>
+              <a:t>组，</a:t>
+            </a:r>
+            <a:r>
+              <a:rPr lang="zh-CN" altLang="en-US" sz="2400" dirty="0" smtClean="0">
+                <a:latin typeface="楷体" panose="02010609060101010101" pitchFamily="49" charset="-122"/>
+                <a:ea typeface="楷体" panose="02010609060101010101" pitchFamily="49" charset="-122"/>
+              </a:rPr>
+              <a:t>有</a:t>
+            </a:r>
+            <a:r>
+              <a:rPr lang="en-US" altLang="zh-CN" sz="2400" dirty="0">
+                <a:latin typeface="楷体" panose="02010609060101010101" pitchFamily="49" charset="-122"/>
+                <a:ea typeface="楷体" panose="02010609060101010101" pitchFamily="49" charset="-122"/>
+              </a:rPr>
+              <a:t>5</a:t>
+            </a:r>
+            <a:r>
+              <a:rPr lang="zh-CN" altLang="en-US" sz="2400" dirty="0" smtClean="0">
+                <a:latin typeface="楷体" panose="02010609060101010101" pitchFamily="49" charset="-122"/>
+                <a:ea typeface="楷体" panose="02010609060101010101" pitchFamily="49" charset="-122"/>
+              </a:rPr>
+              <a:t>组</a:t>
+            </a:r>
+            <a:r>
+              <a:rPr lang="zh-CN" altLang="en-US" sz="2400" dirty="0" smtClean="0">
+                <a:latin typeface="楷体" panose="02010609060101010101" pitchFamily="49" charset="-122"/>
+                <a:ea typeface="楷体" panose="02010609060101010101" pitchFamily="49" charset="-122"/>
+              </a:rPr>
+              <a:t>测试用例没有</a:t>
+            </a:r>
+            <a:r>
+              <a:rPr lang="zh-CN" altLang="en-US" sz="2400" dirty="0" smtClean="0">
+                <a:latin typeface="楷体" panose="02010609060101010101" pitchFamily="49" charset="-122"/>
+                <a:ea typeface="楷体" panose="02010609060101010101" pitchFamily="49" charset="-122"/>
+              </a:rPr>
+              <a:t>通过。软件</a:t>
+            </a:r>
+            <a:r>
+              <a:rPr lang="zh-CN" altLang="en-US" sz="2400" dirty="0" smtClean="0">
+                <a:latin typeface="楷体" panose="02010609060101010101" pitchFamily="49" charset="-122"/>
+                <a:ea typeface="楷体" panose="02010609060101010101" pitchFamily="49" charset="-122"/>
+              </a:rPr>
+              <a:t>实现了基本的传送</a:t>
+            </a:r>
+            <a:r>
+              <a:rPr lang="zh-CN" altLang="en-US" sz="2400" dirty="0" smtClean="0">
+                <a:latin typeface="楷体" panose="02010609060101010101" pitchFamily="49" charset="-122"/>
+                <a:ea typeface="楷体" panose="02010609060101010101" pitchFamily="49" charset="-122"/>
+              </a:rPr>
+              <a:t>数据解析数据功能</a:t>
+            </a:r>
+            <a:r>
+              <a:rPr lang="zh-CN" altLang="en-US" sz="2400" dirty="0" smtClean="0">
+                <a:latin typeface="楷体" panose="02010609060101010101" pitchFamily="49" charset="-122"/>
+                <a:ea typeface="楷体" panose="02010609060101010101" pitchFamily="49" charset="-122"/>
+              </a:rPr>
+              <a:t>，总体使用情况良好。</a:t>
             </a:r>
             <a:endParaRPr lang="en-US" altLang="zh-CN" sz="2400" dirty="0" smtClean="0">
-              <a:latin typeface="Times New Roman" panose="02020603050405020304" pitchFamily="18" charset="0"/>
+              <a:latin typeface="楷体" panose="02010609060101010101" pitchFamily="49" charset="-122"/>
               <a:ea typeface="楷体" panose="02010609060101010101" pitchFamily="49" charset="-122"/>
-              <a:cs typeface="Times New Roman" panose="02020603050405020304" pitchFamily="18" charset="0"/>
-            </a:endParaRPr>
-          </a:p>
-          <a:p>
-            <a:pPr marL="285750" indent="-285750">
-              <a:buFont typeface="Arial" panose="020B0604020202020204" pitchFamily="34" charset="0"/>
-              <a:buChar char="•"/>
-            </a:pPr>
-            <a:endParaRPr lang="en-US" altLang="zh-CN" sz="2400" dirty="0">
-              <a:latin typeface="Times New Roman" panose="02020603050405020304" pitchFamily="18" charset="0"/>
-              <a:ea typeface="楷体" panose="02010609060101010101" pitchFamily="49" charset="-122"/>
-              <a:cs typeface="Times New Roman" panose="02020603050405020304" pitchFamily="18" charset="0"/>
-            </a:endParaRPr>
-          </a:p>
-          <a:p>
-            <a:pPr marL="285750" indent="-285750">
-              <a:buFont typeface="Arial" panose="020B0604020202020204" pitchFamily="34" charset="0"/>
-              <a:buChar char="•"/>
-            </a:pPr>
-            <a:r>
-              <a:rPr lang="en-US" altLang="zh-CN" sz="2400" dirty="0" smtClean="0">
-                <a:latin typeface="Times New Roman" panose="02020603050405020304" pitchFamily="18" charset="0"/>
-                <a:ea typeface="楷体" panose="02010609060101010101" pitchFamily="49" charset="-122"/>
-                <a:cs typeface="Times New Roman" panose="02020603050405020304" pitchFamily="18" charset="0"/>
-              </a:rPr>
-              <a:t>Usability:</a:t>
-            </a:r>
-            <a:r>
-              <a:rPr lang="zh-CN" altLang="en-US" sz="2400" dirty="0" smtClean="0">
-                <a:latin typeface="Times New Roman" panose="02020603050405020304" pitchFamily="18" charset="0"/>
-                <a:ea typeface="楷体" panose="02010609060101010101" pitchFamily="49" charset="-122"/>
-                <a:cs typeface="Times New Roman" panose="02020603050405020304" pitchFamily="18" charset="0"/>
-              </a:rPr>
-              <a:t>可用性良好</a:t>
-            </a:r>
-            <a:endParaRPr lang="en-US" altLang="zh-CN" sz="2400" dirty="0" smtClean="0">
-              <a:latin typeface="Times New Roman" panose="02020603050405020304" pitchFamily="18" charset="0"/>
-              <a:ea typeface="楷体" panose="02010609060101010101" pitchFamily="49" charset="-122"/>
-              <a:cs typeface="Times New Roman" panose="02020603050405020304" pitchFamily="18" charset="0"/>
-            </a:endParaRPr>
-          </a:p>
-          <a:p>
-            <a:pPr marL="285750" indent="-285750">
-              <a:buFont typeface="Arial" panose="020B0604020202020204" pitchFamily="34" charset="0"/>
-              <a:buChar char="•"/>
-            </a:pPr>
-            <a:endParaRPr lang="en-US" altLang="zh-CN" sz="2400" dirty="0">
-              <a:latin typeface="Times New Roman" panose="02020603050405020304" pitchFamily="18" charset="0"/>
-              <a:ea typeface="楷体" panose="02010609060101010101" pitchFamily="49" charset="-122"/>
-              <a:cs typeface="Times New Roman" panose="02020603050405020304" pitchFamily="18" charset="0"/>
-            </a:endParaRPr>
-          </a:p>
-          <a:p>
-            <a:pPr marL="285750" indent="-285750">
-              <a:buFont typeface="Arial" panose="020B0604020202020204" pitchFamily="34" charset="0"/>
-              <a:buChar char="•"/>
-            </a:pPr>
-            <a:r>
-              <a:rPr lang="en-US" altLang="zh-CN" sz="2400" dirty="0" smtClean="0">
-                <a:latin typeface="Times New Roman" panose="02020603050405020304" pitchFamily="18" charset="0"/>
-                <a:ea typeface="楷体" panose="02010609060101010101" pitchFamily="49" charset="-122"/>
-                <a:cs typeface="Times New Roman" panose="02020603050405020304" pitchFamily="18" charset="0"/>
-              </a:rPr>
-              <a:t>Reliability:</a:t>
-            </a:r>
-            <a:r>
-              <a:rPr lang="zh-CN" altLang="en-US" sz="2400" dirty="0" smtClean="0">
-                <a:latin typeface="Times New Roman" panose="02020603050405020304" pitchFamily="18" charset="0"/>
-                <a:ea typeface="楷体" panose="02010609060101010101" pitchFamily="49" charset="-122"/>
-                <a:cs typeface="Times New Roman" panose="02020603050405020304" pitchFamily="18" charset="0"/>
-              </a:rPr>
-              <a:t>可靠性良好，部分</a:t>
-            </a:r>
-            <a:r>
-              <a:rPr lang="en-US" altLang="zh-CN" sz="2400" dirty="0" smtClean="0">
-                <a:latin typeface="Times New Roman" panose="02020603050405020304" pitchFamily="18" charset="0"/>
-                <a:ea typeface="楷体" panose="02010609060101010101" pitchFamily="49" charset="-122"/>
-                <a:cs typeface="Times New Roman" panose="02020603050405020304" pitchFamily="18" charset="0"/>
-              </a:rPr>
-              <a:t>Bug</a:t>
-            </a:r>
-            <a:r>
-              <a:rPr lang="zh-CN" altLang="en-US" sz="2400" dirty="0" smtClean="0">
-                <a:latin typeface="Times New Roman" panose="02020603050405020304" pitchFamily="18" charset="0"/>
-                <a:ea typeface="楷体" panose="02010609060101010101" pitchFamily="49" charset="-122"/>
-                <a:cs typeface="Times New Roman" panose="02020603050405020304" pitchFamily="18" charset="0"/>
-              </a:rPr>
-              <a:t>导致程序崩溃</a:t>
-            </a:r>
-            <a:endParaRPr lang="en-US" altLang="zh-CN" sz="2400" dirty="0" smtClean="0">
-              <a:latin typeface="Times New Roman" panose="02020603050405020304" pitchFamily="18" charset="0"/>
-              <a:ea typeface="楷体" panose="02010609060101010101" pitchFamily="49" charset="-122"/>
-              <a:cs typeface="Times New Roman" panose="02020603050405020304" pitchFamily="18" charset="0"/>
-            </a:endParaRPr>
-          </a:p>
-          <a:p>
-            <a:pPr marL="285750" indent="-285750">
-              <a:buFont typeface="Arial" panose="020B0604020202020204" pitchFamily="34" charset="0"/>
-              <a:buChar char="•"/>
-            </a:pPr>
-            <a:endParaRPr lang="en-US" altLang="zh-CN" sz="2400" dirty="0">
-              <a:latin typeface="Times New Roman" panose="02020603050405020304" pitchFamily="18" charset="0"/>
-              <a:ea typeface="楷体" panose="02010609060101010101" pitchFamily="49" charset="-122"/>
-              <a:cs typeface="Times New Roman" panose="02020603050405020304" pitchFamily="18" charset="0"/>
-            </a:endParaRPr>
-          </a:p>
-          <a:p>
-            <a:pPr marL="285750" indent="-285750">
-              <a:buFont typeface="Arial" panose="020B0604020202020204" pitchFamily="34" charset="0"/>
-              <a:buChar char="•"/>
-            </a:pPr>
-            <a:r>
-              <a:rPr lang="en-US" altLang="zh-CN" sz="2400" dirty="0" smtClean="0">
-                <a:latin typeface="Times New Roman" panose="02020603050405020304" pitchFamily="18" charset="0"/>
-                <a:ea typeface="楷体" panose="02010609060101010101" pitchFamily="49" charset="-122"/>
-                <a:cs typeface="Times New Roman" panose="02020603050405020304" pitchFamily="18" charset="0"/>
-              </a:rPr>
-              <a:t>Performance:</a:t>
-            </a:r>
-            <a:r>
-              <a:rPr lang="zh-CN" altLang="en-US" sz="2400" dirty="0" smtClean="0">
-                <a:latin typeface="Times New Roman" panose="02020603050405020304" pitchFamily="18" charset="0"/>
-                <a:ea typeface="楷体" panose="02010609060101010101" pitchFamily="49" charset="-122"/>
-                <a:cs typeface="Times New Roman" panose="02020603050405020304" pitchFamily="18" charset="0"/>
-              </a:rPr>
-              <a:t>性能处理正常</a:t>
-            </a:r>
-            <a:endParaRPr lang="en-US" altLang="zh-CN" sz="2400" dirty="0" smtClean="0">
-              <a:latin typeface="Times New Roman" panose="02020603050405020304" pitchFamily="18" charset="0"/>
-              <a:ea typeface="楷体" panose="02010609060101010101" pitchFamily="49" charset="-122"/>
-              <a:cs typeface="Times New Roman" panose="02020603050405020304" pitchFamily="18" charset="0"/>
-            </a:endParaRPr>
-          </a:p>
-          <a:p>
-            <a:pPr marL="285750" indent="-285750">
-              <a:buFont typeface="Arial" panose="020B0604020202020204" pitchFamily="34" charset="0"/>
-              <a:buChar char="•"/>
-            </a:pPr>
-            <a:endParaRPr lang="en-US" altLang="zh-CN" sz="2400" dirty="0">
-              <a:latin typeface="Times New Roman" panose="02020603050405020304" pitchFamily="18" charset="0"/>
-              <a:ea typeface="楷体" panose="02010609060101010101" pitchFamily="49" charset="-122"/>
-              <a:cs typeface="Times New Roman" panose="02020603050405020304" pitchFamily="18" charset="0"/>
-            </a:endParaRPr>
-          </a:p>
-          <a:p>
-            <a:pPr marL="285750" indent="-285750">
-              <a:buFont typeface="Arial" panose="020B0604020202020204" pitchFamily="34" charset="0"/>
-              <a:buChar char="•"/>
-            </a:pPr>
-            <a:r>
-              <a:rPr lang="en-US" altLang="zh-CN" sz="2400" dirty="0" smtClean="0">
-                <a:latin typeface="Times New Roman" panose="02020603050405020304" pitchFamily="18" charset="0"/>
-                <a:ea typeface="楷体" panose="02010609060101010101" pitchFamily="49" charset="-122"/>
-                <a:cs typeface="Times New Roman" panose="02020603050405020304" pitchFamily="18" charset="0"/>
-              </a:rPr>
-              <a:t>Supportability:</a:t>
-            </a:r>
-            <a:r>
-              <a:rPr lang="zh-CN" altLang="en-US" sz="2400" dirty="0" smtClean="0">
-                <a:latin typeface="Times New Roman" panose="02020603050405020304" pitchFamily="18" charset="0"/>
-                <a:ea typeface="楷体" panose="02010609060101010101" pitchFamily="49" charset="-122"/>
-                <a:cs typeface="Times New Roman" panose="02020603050405020304" pitchFamily="18" charset="0"/>
-              </a:rPr>
-              <a:t>可支持性良好</a:t>
-            </a:r>
-            <a:endParaRPr lang="zh-CN" altLang="en-US" sz="2400" dirty="0">
-              <a:latin typeface="Times New Roman" panose="02020603050405020304" pitchFamily="18" charset="0"/>
-              <a:ea typeface="楷体" panose="02010609060101010101" pitchFamily="49" charset="-122"/>
-              <a:cs typeface="Times New Roman" panose="02020603050405020304" pitchFamily="18" charset="0"/>
             </a:endParaRPr>
           </a:p>
         </p:txBody>
@@ -4999,7 +7458,7 @@
     </p:spTree>
     <p:extLst>
       <p:ext uri="{BB962C8B-B14F-4D97-AF65-F5344CB8AC3E}">
-        <p14:creationId xmlns:p14="http://schemas.microsoft.com/office/powerpoint/2010/main" val="3333987019"/>
+        <p14:creationId xmlns:p14="http://schemas.microsoft.com/office/powerpoint/2010/main" val="356084128"/>
       </p:ext>
     </p:extLst>
   </p:cSld>
@@ -5052,14 +7511,14 @@
       </p:pic>
       <p:sp>
         <p:nvSpPr>
-          <p:cNvPr id="7" name="文本框 6"/>
+          <p:cNvPr id="2" name="文本框 1"/>
           <p:cNvSpPr txBox="1"/>
           <p:nvPr/>
         </p:nvSpPr>
         <p:spPr>
           <a:xfrm>
-            <a:off x="579864" y="871668"/>
-            <a:ext cx="3980985" cy="461665"/>
+            <a:off x="2185639" y="1650380"/>
+            <a:ext cx="7694342" cy="3416320"/>
           </a:xfrm>
           <a:prstGeom prst="rect">
             <a:avLst/>
@@ -5072,178 +7531,198 @@
           </a:bodyPr>
           <a:lstStyle/>
           <a:p>
+            <a:pPr marL="285750" indent="-285750">
+              <a:buFont typeface="Arial" panose="020B0604020202020204" pitchFamily="34" charset="0"/>
+              <a:buChar char="•"/>
+            </a:pPr>
+            <a:r>
+              <a:rPr lang="en-US" altLang="zh-CN" sz="2400" dirty="0" smtClean="0">
+                <a:latin typeface="Times New Roman" panose="02020603050405020304" pitchFamily="18" charset="0"/>
+                <a:ea typeface="楷体" panose="02010609060101010101" pitchFamily="49" charset="-122"/>
+                <a:cs typeface="Times New Roman" panose="02020603050405020304" pitchFamily="18" charset="0"/>
+              </a:rPr>
+              <a:t>Functionality:</a:t>
+            </a:r>
             <a:r>
               <a:rPr lang="zh-CN" altLang="en-US" sz="2400" dirty="0" smtClean="0">
-                <a:latin typeface="黑体" panose="02010609060101010101" pitchFamily="49" charset="-122"/>
-                <a:ea typeface="黑体" panose="02010609060101010101" pitchFamily="49" charset="-122"/>
-              </a:rPr>
-              <a:t>十一组</a:t>
-            </a:r>
+                <a:latin typeface="Times New Roman" panose="02020603050405020304" pitchFamily="18" charset="0"/>
+                <a:ea typeface="楷体" panose="02010609060101010101" pitchFamily="49" charset="-122"/>
+                <a:cs typeface="Times New Roman" panose="02020603050405020304" pitchFamily="18" charset="0"/>
+              </a:rPr>
+              <a:t>实现基本功能，少部分功能未实现</a:t>
+            </a:r>
+            <a:endParaRPr lang="en-US" altLang="zh-CN" sz="2400" dirty="0" smtClean="0">
+              <a:latin typeface="Times New Roman" panose="02020603050405020304" pitchFamily="18" charset="0"/>
+              <a:ea typeface="楷体" panose="02010609060101010101" pitchFamily="49" charset="-122"/>
+              <a:cs typeface="Times New Roman" panose="02020603050405020304" pitchFamily="18" charset="0"/>
+            </a:endParaRPr>
+          </a:p>
+          <a:p>
+            <a:pPr marL="285750" indent="-285750">
+              <a:buFont typeface="Arial" panose="020B0604020202020204" pitchFamily="34" charset="0"/>
+              <a:buChar char="•"/>
+            </a:pPr>
+            <a:endParaRPr lang="en-US" altLang="zh-CN" sz="2400" dirty="0">
+              <a:latin typeface="Times New Roman" panose="02020603050405020304" pitchFamily="18" charset="0"/>
+              <a:ea typeface="楷体" panose="02010609060101010101" pitchFamily="49" charset="-122"/>
+              <a:cs typeface="Times New Roman" panose="02020603050405020304" pitchFamily="18" charset="0"/>
+            </a:endParaRPr>
+          </a:p>
+          <a:p>
+            <a:pPr marL="285750" indent="-285750">
+              <a:buFont typeface="Arial" panose="020B0604020202020204" pitchFamily="34" charset="0"/>
+              <a:buChar char="•"/>
+            </a:pPr>
             <a:r>
               <a:rPr lang="en-US" altLang="zh-CN" sz="2400" dirty="0" smtClean="0">
-                <a:latin typeface="黑体" panose="02010609060101010101" pitchFamily="49" charset="-122"/>
-                <a:ea typeface="黑体" panose="02010609060101010101" pitchFamily="49" charset="-122"/>
-              </a:rPr>
-              <a:t>CanToolApp</a:t>
+                <a:latin typeface="Times New Roman" panose="02020603050405020304" pitchFamily="18" charset="0"/>
+                <a:ea typeface="楷体" panose="02010609060101010101" pitchFamily="49" charset="-122"/>
+                <a:cs typeface="Times New Roman" panose="02020603050405020304" pitchFamily="18" charset="0"/>
+              </a:rPr>
+              <a:t>Usability:</a:t>
             </a:r>
             <a:r>
               <a:rPr lang="zh-CN" altLang="en-US" sz="2400" dirty="0" smtClean="0">
-                <a:latin typeface="黑体" panose="02010609060101010101" pitchFamily="49" charset="-122"/>
-                <a:ea typeface="黑体" panose="02010609060101010101" pitchFamily="49" charset="-122"/>
-              </a:rPr>
-              <a:t>测试总结</a:t>
+                <a:latin typeface="Times New Roman" panose="02020603050405020304" pitchFamily="18" charset="0"/>
+                <a:ea typeface="楷体" panose="02010609060101010101" pitchFamily="49" charset="-122"/>
+                <a:cs typeface="Times New Roman" panose="02020603050405020304" pitchFamily="18" charset="0"/>
+              </a:rPr>
+              <a:t>可用性良好</a:t>
+            </a:r>
+            <a:endParaRPr lang="en-US" altLang="zh-CN" sz="2400" dirty="0" smtClean="0">
+              <a:latin typeface="Times New Roman" panose="02020603050405020304" pitchFamily="18" charset="0"/>
+              <a:ea typeface="楷体" panose="02010609060101010101" pitchFamily="49" charset="-122"/>
+              <a:cs typeface="Times New Roman" panose="02020603050405020304" pitchFamily="18" charset="0"/>
+            </a:endParaRPr>
+          </a:p>
+          <a:p>
+            <a:pPr marL="285750" indent="-285750">
+              <a:buFont typeface="Arial" panose="020B0604020202020204" pitchFamily="34" charset="0"/>
+              <a:buChar char="•"/>
+            </a:pPr>
+            <a:endParaRPr lang="en-US" altLang="zh-CN" sz="2400" dirty="0">
+              <a:latin typeface="Times New Roman" panose="02020603050405020304" pitchFamily="18" charset="0"/>
+              <a:ea typeface="楷体" panose="02010609060101010101" pitchFamily="49" charset="-122"/>
+              <a:cs typeface="Times New Roman" panose="02020603050405020304" pitchFamily="18" charset="0"/>
+            </a:endParaRPr>
+          </a:p>
+          <a:p>
+            <a:pPr marL="285750" indent="-285750">
+              <a:buFont typeface="Arial" panose="020B0604020202020204" pitchFamily="34" charset="0"/>
+              <a:buChar char="•"/>
+            </a:pPr>
+            <a:r>
+              <a:rPr lang="en-US" altLang="zh-CN" sz="2400" dirty="0" smtClean="0">
+                <a:latin typeface="Times New Roman" panose="02020603050405020304" pitchFamily="18" charset="0"/>
+                <a:ea typeface="楷体" panose="02010609060101010101" pitchFamily="49" charset="-122"/>
+                <a:cs typeface="Times New Roman" panose="02020603050405020304" pitchFamily="18" charset="0"/>
+              </a:rPr>
+              <a:t>Reliability:</a:t>
+            </a:r>
+            <a:r>
+              <a:rPr lang="zh-CN" altLang="en-US" sz="2400" dirty="0" smtClean="0">
+                <a:latin typeface="Times New Roman" panose="02020603050405020304" pitchFamily="18" charset="0"/>
+                <a:ea typeface="楷体" panose="02010609060101010101" pitchFamily="49" charset="-122"/>
+                <a:cs typeface="Times New Roman" panose="02020603050405020304" pitchFamily="18" charset="0"/>
+              </a:rPr>
+              <a:t>可靠性</a:t>
+            </a:r>
+            <a:r>
+              <a:rPr lang="zh-CN" altLang="en-US" sz="2400" dirty="0" smtClean="0">
+                <a:latin typeface="Times New Roman" panose="02020603050405020304" pitchFamily="18" charset="0"/>
+                <a:ea typeface="楷体" panose="02010609060101010101" pitchFamily="49" charset="-122"/>
+                <a:cs typeface="Times New Roman" panose="02020603050405020304" pitchFamily="18" charset="0"/>
+              </a:rPr>
+              <a:t>良好</a:t>
+            </a:r>
+            <a:r>
+              <a:rPr lang="zh-CN" altLang="en-US" sz="2400" dirty="0" smtClean="0">
+                <a:latin typeface="Times New Roman" panose="02020603050405020304" pitchFamily="18" charset="0"/>
+                <a:ea typeface="楷体" panose="02010609060101010101" pitchFamily="49" charset="-122"/>
+                <a:cs typeface="Times New Roman" panose="02020603050405020304" pitchFamily="18" charset="0"/>
+              </a:rPr>
+              <a:t>。</a:t>
+            </a:r>
+            <a:endParaRPr lang="en-US" altLang="zh-CN" sz="2400" dirty="0" smtClean="0">
+              <a:latin typeface="Times New Roman" panose="02020603050405020304" pitchFamily="18" charset="0"/>
+              <a:ea typeface="楷体" panose="02010609060101010101" pitchFamily="49" charset="-122"/>
+              <a:cs typeface="Times New Roman" panose="02020603050405020304" pitchFamily="18" charset="0"/>
+            </a:endParaRPr>
+          </a:p>
+          <a:p>
+            <a:pPr marL="285750" indent="-285750">
+              <a:buFont typeface="Arial" panose="020B0604020202020204" pitchFamily="34" charset="0"/>
+              <a:buChar char="•"/>
+            </a:pPr>
+            <a:endParaRPr lang="en-US" altLang="zh-CN" sz="2400" dirty="0">
+              <a:latin typeface="Times New Roman" panose="02020603050405020304" pitchFamily="18" charset="0"/>
+              <a:ea typeface="楷体" panose="02010609060101010101" pitchFamily="49" charset="-122"/>
+              <a:cs typeface="Times New Roman" panose="02020603050405020304" pitchFamily="18" charset="0"/>
+            </a:endParaRPr>
+          </a:p>
+          <a:p>
+            <a:pPr marL="285750" indent="-285750">
+              <a:buFont typeface="Arial" panose="020B0604020202020204" pitchFamily="34" charset="0"/>
+              <a:buChar char="•"/>
+            </a:pPr>
+            <a:r>
+              <a:rPr lang="en-US" altLang="zh-CN" sz="2400" dirty="0" smtClean="0">
+                <a:latin typeface="Times New Roman" panose="02020603050405020304" pitchFamily="18" charset="0"/>
+                <a:ea typeface="楷体" panose="02010609060101010101" pitchFamily="49" charset="-122"/>
+                <a:cs typeface="Times New Roman" panose="02020603050405020304" pitchFamily="18" charset="0"/>
+              </a:rPr>
+              <a:t>Performance:</a:t>
+            </a:r>
+            <a:r>
+              <a:rPr lang="zh-CN" altLang="en-US" sz="2400" dirty="0" smtClean="0">
+                <a:latin typeface="Times New Roman" panose="02020603050405020304" pitchFamily="18" charset="0"/>
+                <a:ea typeface="楷体" panose="02010609060101010101" pitchFamily="49" charset="-122"/>
+                <a:cs typeface="Times New Roman" panose="02020603050405020304" pitchFamily="18" charset="0"/>
+              </a:rPr>
+              <a:t>性能处理正常</a:t>
+            </a:r>
+            <a:endParaRPr lang="en-US" altLang="zh-CN" sz="2400" dirty="0" smtClean="0">
+              <a:latin typeface="Times New Roman" panose="02020603050405020304" pitchFamily="18" charset="0"/>
+              <a:ea typeface="楷体" panose="02010609060101010101" pitchFamily="49" charset="-122"/>
+              <a:cs typeface="Times New Roman" panose="02020603050405020304" pitchFamily="18" charset="0"/>
+            </a:endParaRPr>
+          </a:p>
+          <a:p>
+            <a:pPr marL="285750" indent="-285750">
+              <a:buFont typeface="Arial" panose="020B0604020202020204" pitchFamily="34" charset="0"/>
+              <a:buChar char="•"/>
+            </a:pPr>
+            <a:endParaRPr lang="en-US" altLang="zh-CN" sz="2400" dirty="0">
+              <a:latin typeface="Times New Roman" panose="02020603050405020304" pitchFamily="18" charset="0"/>
+              <a:ea typeface="楷体" panose="02010609060101010101" pitchFamily="49" charset="-122"/>
+              <a:cs typeface="Times New Roman" panose="02020603050405020304" pitchFamily="18" charset="0"/>
+            </a:endParaRPr>
+          </a:p>
+          <a:p>
+            <a:pPr marL="285750" indent="-285750">
+              <a:buFont typeface="Arial" panose="020B0604020202020204" pitchFamily="34" charset="0"/>
+              <a:buChar char="•"/>
+            </a:pPr>
+            <a:r>
+              <a:rPr lang="en-US" altLang="zh-CN" sz="2400" dirty="0" smtClean="0">
+                <a:latin typeface="Times New Roman" panose="02020603050405020304" pitchFamily="18" charset="0"/>
+                <a:ea typeface="楷体" panose="02010609060101010101" pitchFamily="49" charset="-122"/>
+                <a:cs typeface="Times New Roman" panose="02020603050405020304" pitchFamily="18" charset="0"/>
+              </a:rPr>
+              <a:t>Supportability:</a:t>
+            </a:r>
+            <a:r>
+              <a:rPr lang="zh-CN" altLang="en-US" sz="2400" dirty="0" smtClean="0">
+                <a:latin typeface="Times New Roman" panose="02020603050405020304" pitchFamily="18" charset="0"/>
+                <a:ea typeface="楷体" panose="02010609060101010101" pitchFamily="49" charset="-122"/>
+                <a:cs typeface="Times New Roman" panose="02020603050405020304" pitchFamily="18" charset="0"/>
+              </a:rPr>
+              <a:t>可支持性良好</a:t>
             </a:r>
             <a:endParaRPr lang="zh-CN" altLang="en-US" sz="2400" dirty="0">
-              <a:latin typeface="黑体" panose="02010609060101010101" pitchFamily="49" charset="-122"/>
-              <a:ea typeface="黑体" panose="02010609060101010101" pitchFamily="49" charset="-122"/>
-            </a:endParaRPr>
-          </a:p>
-        </p:txBody>
-      </p:sp>
-      <p:sp>
-        <p:nvSpPr>
-          <p:cNvPr id="2" name="文本框 1"/>
-          <p:cNvSpPr txBox="1"/>
-          <p:nvPr/>
-        </p:nvSpPr>
-        <p:spPr>
-          <a:xfrm>
-            <a:off x="1037063" y="2732049"/>
-            <a:ext cx="10281425" cy="2308324"/>
-          </a:xfrm>
-          <a:prstGeom prst="rect">
-            <a:avLst/>
-          </a:prstGeom>
-          <a:noFill/>
-        </p:spPr>
-        <p:txBody>
-          <a:bodyPr wrap="square" rtlCol="0">
-            <a:spAutoFit/>
-          </a:bodyPr>
-          <a:lstStyle/>
-          <a:p>
-            <a:r>
-              <a:rPr lang="zh-CN" altLang="en-US" sz="2400" dirty="0" smtClean="0">
-                <a:latin typeface="楷体" panose="02010609060101010101" pitchFamily="49" charset="-122"/>
-                <a:ea typeface="楷体" panose="02010609060101010101" pitchFamily="49" charset="-122"/>
-              </a:rPr>
-              <a:t>    该组</a:t>
-            </a:r>
-            <a:r>
-              <a:rPr lang="en-US" altLang="zh-CN" sz="2400" dirty="0" smtClean="0">
-                <a:latin typeface="楷体" panose="02010609060101010101" pitchFamily="49" charset="-122"/>
-                <a:ea typeface="楷体" panose="02010609060101010101" pitchFamily="49" charset="-122"/>
-              </a:rPr>
-              <a:t>CanToolApp</a:t>
-            </a:r>
-            <a:r>
-              <a:rPr lang="zh-CN" altLang="en-US" sz="2400" dirty="0" smtClean="0">
-                <a:latin typeface="楷体" panose="02010609060101010101" pitchFamily="49" charset="-122"/>
-                <a:ea typeface="楷体" panose="02010609060101010101" pitchFamily="49" charset="-122"/>
-              </a:rPr>
-              <a:t>软件安装简单，实现了</a:t>
-            </a:r>
-            <a:r>
-              <a:rPr lang="en-US" altLang="zh-CN" sz="2400" dirty="0" smtClean="0">
-                <a:latin typeface="楷体" panose="02010609060101010101" pitchFamily="49" charset="-122"/>
-                <a:ea typeface="楷体" panose="02010609060101010101" pitchFamily="49" charset="-122"/>
-              </a:rPr>
-              <a:t>CanToolApp</a:t>
-            </a:r>
-            <a:r>
-              <a:rPr lang="zh-CN" altLang="en-US" sz="2400" dirty="0" smtClean="0">
-                <a:latin typeface="楷体" panose="02010609060101010101" pitchFamily="49" charset="-122"/>
-                <a:ea typeface="楷体" panose="02010609060101010101" pitchFamily="49" charset="-122"/>
-              </a:rPr>
-              <a:t>软件需求分析中的基本功能，有少部分功能没有实现。操作界面简洁，但测试是使用的按钮和文本框没有取消。测试使用了</a:t>
-            </a:r>
-            <a:r>
-              <a:rPr lang="en-US" altLang="zh-CN" sz="2400" dirty="0" smtClean="0">
-                <a:latin typeface="楷体" panose="02010609060101010101" pitchFamily="49" charset="-122"/>
-                <a:ea typeface="楷体" panose="02010609060101010101" pitchFamily="49" charset="-122"/>
-              </a:rPr>
-              <a:t>29</a:t>
-            </a:r>
-            <a:r>
-              <a:rPr lang="zh-CN" altLang="en-US" sz="2400" dirty="0" smtClean="0">
-                <a:latin typeface="楷体" panose="02010609060101010101" pitchFamily="49" charset="-122"/>
-                <a:ea typeface="楷体" panose="02010609060101010101" pitchFamily="49" charset="-122"/>
-              </a:rPr>
-              <a:t>组测试用例，成功通过测试用例</a:t>
-            </a:r>
-            <a:r>
-              <a:rPr lang="en-US" altLang="zh-CN" sz="2400" dirty="0" smtClean="0">
-                <a:latin typeface="楷体" panose="02010609060101010101" pitchFamily="49" charset="-122"/>
-                <a:ea typeface="楷体" panose="02010609060101010101" pitchFamily="49" charset="-122"/>
-              </a:rPr>
-              <a:t>17</a:t>
-            </a:r>
-            <a:r>
-              <a:rPr lang="zh-CN" altLang="en-US" sz="2400" dirty="0" smtClean="0">
-                <a:latin typeface="楷体" panose="02010609060101010101" pitchFamily="49" charset="-122"/>
-                <a:ea typeface="楷体" panose="02010609060101010101" pitchFamily="49" charset="-122"/>
-              </a:rPr>
-              <a:t>组，有</a:t>
-            </a:r>
-            <a:r>
-              <a:rPr lang="en-US" altLang="zh-CN" sz="2400" dirty="0" smtClean="0">
-                <a:latin typeface="楷体" panose="02010609060101010101" pitchFamily="49" charset="-122"/>
-                <a:ea typeface="楷体" panose="02010609060101010101" pitchFamily="49" charset="-122"/>
-              </a:rPr>
-              <a:t>12</a:t>
-            </a:r>
-            <a:r>
-              <a:rPr lang="zh-CN" altLang="en-US" sz="2400" dirty="0" smtClean="0">
-                <a:latin typeface="楷体" panose="02010609060101010101" pitchFamily="49" charset="-122"/>
-                <a:ea typeface="楷体" panose="02010609060101010101" pitchFamily="49" charset="-122"/>
-              </a:rPr>
-              <a:t>组测试用例没有通过（其中</a:t>
-            </a:r>
-            <a:r>
-              <a:rPr lang="en-US" altLang="zh-CN" sz="2400" dirty="0" smtClean="0">
-                <a:latin typeface="楷体" panose="02010609060101010101" pitchFamily="49" charset="-122"/>
-                <a:ea typeface="楷体" panose="02010609060101010101" pitchFamily="49" charset="-122"/>
-              </a:rPr>
-              <a:t>6</a:t>
-            </a:r>
-            <a:r>
-              <a:rPr lang="zh-CN" altLang="en-US" sz="2400" dirty="0" smtClean="0">
-                <a:latin typeface="楷体" panose="02010609060101010101" pitchFamily="49" charset="-122"/>
-                <a:ea typeface="楷体" panose="02010609060101010101" pitchFamily="49" charset="-122"/>
-              </a:rPr>
-              <a:t>组测试用例可归属于同一功能）。出现</a:t>
-            </a:r>
-            <a:r>
-              <a:rPr lang="en-US" altLang="zh-CN" sz="2400" dirty="0" smtClean="0">
-                <a:latin typeface="楷体" panose="02010609060101010101" pitchFamily="49" charset="-122"/>
-                <a:ea typeface="楷体" panose="02010609060101010101" pitchFamily="49" charset="-122"/>
-              </a:rPr>
-              <a:t>3</a:t>
-            </a:r>
-            <a:r>
-              <a:rPr lang="zh-CN" altLang="en-US" sz="2400" dirty="0" smtClean="0">
-                <a:latin typeface="楷体" panose="02010609060101010101" pitchFamily="49" charset="-122"/>
-                <a:ea typeface="楷体" panose="02010609060101010101" pitchFamily="49" charset="-122"/>
-              </a:rPr>
-              <a:t>出严重</a:t>
-            </a:r>
-            <a:r>
-              <a:rPr lang="en-US" altLang="zh-CN" sz="2400" dirty="0" smtClean="0">
-                <a:latin typeface="楷体" panose="02010609060101010101" pitchFamily="49" charset="-122"/>
-                <a:ea typeface="楷体" panose="02010609060101010101" pitchFamily="49" charset="-122"/>
-              </a:rPr>
-              <a:t>Bug</a:t>
-            </a:r>
-            <a:r>
-              <a:rPr lang="zh-CN" altLang="en-US" sz="2400" dirty="0" smtClean="0">
-                <a:latin typeface="楷体" panose="02010609060101010101" pitchFamily="49" charset="-122"/>
-                <a:ea typeface="楷体" panose="02010609060101010101" pitchFamily="49" charset="-122"/>
-              </a:rPr>
-              <a:t>，程序崩溃自动退出。软件实现了基本的传送数据功能，总体使用情况良好。</a:t>
-            </a:r>
-            <a:endParaRPr lang="en-US" altLang="zh-CN" sz="2400" dirty="0" smtClean="0">
-              <a:latin typeface="楷体" panose="02010609060101010101" pitchFamily="49" charset="-122"/>
+              <a:latin typeface="Times New Roman" panose="02020603050405020304" pitchFamily="18" charset="0"/>
               <a:ea typeface="楷体" panose="02010609060101010101" pitchFamily="49" charset="-122"/>
+              <a:cs typeface="Times New Roman" panose="02020603050405020304" pitchFamily="18" charset="0"/>
             </a:endParaRPr>
           </a:p>
         </p:txBody>
@@ -5251,7 +7730,7 @@
     </p:spTree>
     <p:extLst>
       <p:ext uri="{BB962C8B-B14F-4D97-AF65-F5344CB8AC3E}">
-        <p14:creationId xmlns:p14="http://schemas.microsoft.com/office/powerpoint/2010/main" val="356084128"/>
+        <p14:creationId xmlns:p14="http://schemas.microsoft.com/office/powerpoint/2010/main" val="1334239317"/>
       </p:ext>
     </p:extLst>
   </p:cSld>
@@ -5304,14 +7783,14 @@
       </p:pic>
       <p:sp>
         <p:nvSpPr>
-          <p:cNvPr id="2" name="文本框 1"/>
+          <p:cNvPr id="7" name="文本框 6"/>
           <p:cNvSpPr txBox="1"/>
           <p:nvPr/>
         </p:nvSpPr>
         <p:spPr>
           <a:xfrm>
-            <a:off x="2185639" y="1650380"/>
-            <a:ext cx="7694342" cy="3416320"/>
+            <a:off x="579864" y="871668"/>
+            <a:ext cx="3980985" cy="461665"/>
           </a:xfrm>
           <a:prstGeom prst="rect">
             <a:avLst/>
@@ -5324,198 +7803,164 @@
           </a:bodyPr>
           <a:lstStyle/>
           <a:p>
-            <a:pPr marL="285750" indent="-285750">
-              <a:buFont typeface="Arial" panose="020B0604020202020204" pitchFamily="34" charset="0"/>
-              <a:buChar char="•"/>
-            </a:pPr>
+            <a:r>
+              <a:rPr lang="zh-CN" altLang="en-US" sz="2400" dirty="0" smtClean="0">
+                <a:latin typeface="黑体" panose="02010609060101010101" pitchFamily="49" charset="-122"/>
+                <a:ea typeface="黑体" panose="02010609060101010101" pitchFamily="49" charset="-122"/>
+              </a:rPr>
+              <a:t>二三组</a:t>
+            </a:r>
             <a:r>
               <a:rPr lang="en-US" altLang="zh-CN" sz="2400" dirty="0" smtClean="0">
-                <a:latin typeface="Times New Roman" panose="02020603050405020304" pitchFamily="18" charset="0"/>
-                <a:ea typeface="楷体" panose="02010609060101010101" pitchFamily="49" charset="-122"/>
-                <a:cs typeface="Times New Roman" panose="02020603050405020304" pitchFamily="18" charset="0"/>
-              </a:rPr>
-              <a:t>Functionality:</a:t>
+                <a:latin typeface="黑体" panose="02010609060101010101" pitchFamily="49" charset="-122"/>
+                <a:ea typeface="黑体" panose="02010609060101010101" pitchFamily="49" charset="-122"/>
+              </a:rPr>
+              <a:t>CanToolApp</a:t>
             </a:r>
             <a:r>
               <a:rPr lang="zh-CN" altLang="en-US" sz="2400" dirty="0" smtClean="0">
-                <a:latin typeface="Times New Roman" panose="02020603050405020304" pitchFamily="18" charset="0"/>
-                <a:ea typeface="楷体" panose="02010609060101010101" pitchFamily="49" charset="-122"/>
-                <a:cs typeface="Times New Roman" panose="02020603050405020304" pitchFamily="18" charset="0"/>
-              </a:rPr>
-              <a:t>实现基本功能，少部分功能未实现</a:t>
+                <a:latin typeface="黑体" panose="02010609060101010101" pitchFamily="49" charset="-122"/>
+                <a:ea typeface="黑体" panose="02010609060101010101" pitchFamily="49" charset="-122"/>
+              </a:rPr>
+              <a:t>测试总结</a:t>
+            </a:r>
+            <a:endParaRPr lang="zh-CN" altLang="en-US" sz="2400" dirty="0">
+              <a:latin typeface="黑体" panose="02010609060101010101" pitchFamily="49" charset="-122"/>
+              <a:ea typeface="黑体" panose="02010609060101010101" pitchFamily="49" charset="-122"/>
+            </a:endParaRPr>
+          </a:p>
+        </p:txBody>
+      </p:sp>
+      <p:sp>
+        <p:nvSpPr>
+          <p:cNvPr id="2" name="文本框 1"/>
+          <p:cNvSpPr txBox="1"/>
+          <p:nvPr/>
+        </p:nvSpPr>
+        <p:spPr>
+          <a:xfrm>
+            <a:off x="1037063" y="2732049"/>
+            <a:ext cx="10281425" cy="1569660"/>
+          </a:xfrm>
+          <a:prstGeom prst="rect">
+            <a:avLst/>
+          </a:prstGeom>
+          <a:noFill/>
+        </p:spPr>
+        <p:txBody>
+          <a:bodyPr wrap="square" rtlCol="0">
+            <a:spAutoFit/>
+          </a:bodyPr>
+          <a:lstStyle/>
+          <a:p>
+            <a:r>
+              <a:rPr lang="zh-CN" altLang="en-US" sz="2400" dirty="0" smtClean="0">
+                <a:latin typeface="楷体" panose="02010609060101010101" pitchFamily="49" charset="-122"/>
+                <a:ea typeface="楷体" panose="02010609060101010101" pitchFamily="49" charset="-122"/>
+              </a:rPr>
+              <a:t>    该组</a:t>
+            </a:r>
+            <a:r>
+              <a:rPr lang="en-US" altLang="zh-CN" sz="2400" dirty="0" smtClean="0">
+                <a:latin typeface="楷体" panose="02010609060101010101" pitchFamily="49" charset="-122"/>
+                <a:ea typeface="楷体" panose="02010609060101010101" pitchFamily="49" charset="-122"/>
+              </a:rPr>
+              <a:t>CanToolApp</a:t>
+            </a:r>
+            <a:r>
+              <a:rPr lang="zh-CN" altLang="en-US" sz="2400" dirty="0" smtClean="0">
+                <a:latin typeface="楷体" panose="02010609060101010101" pitchFamily="49" charset="-122"/>
+                <a:ea typeface="楷体" panose="02010609060101010101" pitchFamily="49" charset="-122"/>
+              </a:rPr>
+              <a:t>软件安装简单，实现了</a:t>
+            </a:r>
+            <a:r>
+              <a:rPr lang="en-US" altLang="zh-CN" sz="2400" dirty="0" smtClean="0">
+                <a:latin typeface="楷体" panose="02010609060101010101" pitchFamily="49" charset="-122"/>
+                <a:ea typeface="楷体" panose="02010609060101010101" pitchFamily="49" charset="-122"/>
+              </a:rPr>
+              <a:t>CanToolApp</a:t>
+            </a:r>
+            <a:r>
+              <a:rPr lang="zh-CN" altLang="en-US" sz="2400" dirty="0" smtClean="0">
+                <a:latin typeface="楷体" panose="02010609060101010101" pitchFamily="49" charset="-122"/>
+                <a:ea typeface="楷体" panose="02010609060101010101" pitchFamily="49" charset="-122"/>
+              </a:rPr>
+              <a:t>软件需求分析中的基本功能，有少部分功能没有实现。测试使用了</a:t>
+            </a:r>
+            <a:r>
+              <a:rPr lang="en-US" altLang="zh-CN" sz="2400" dirty="0" smtClean="0">
+                <a:latin typeface="楷体" panose="02010609060101010101" pitchFamily="49" charset="-122"/>
+                <a:ea typeface="楷体" panose="02010609060101010101" pitchFamily="49" charset="-122"/>
+              </a:rPr>
+              <a:t>21</a:t>
+            </a:r>
+            <a:r>
+              <a:rPr lang="zh-CN" altLang="en-US" sz="2400" dirty="0" smtClean="0">
+                <a:latin typeface="楷体" panose="02010609060101010101" pitchFamily="49" charset="-122"/>
+                <a:ea typeface="楷体" panose="02010609060101010101" pitchFamily="49" charset="-122"/>
+              </a:rPr>
+              <a:t>组测试用例，成功通过测试用例</a:t>
+            </a:r>
+            <a:r>
+              <a:rPr lang="en-US" altLang="zh-CN" sz="2400" dirty="0" smtClean="0">
+                <a:latin typeface="楷体" panose="02010609060101010101" pitchFamily="49" charset="-122"/>
+                <a:ea typeface="楷体" panose="02010609060101010101" pitchFamily="49" charset="-122"/>
+              </a:rPr>
+              <a:t>16</a:t>
+            </a:r>
+            <a:r>
+              <a:rPr lang="zh-CN" altLang="en-US" sz="2400" dirty="0" smtClean="0">
+                <a:latin typeface="楷体" panose="02010609060101010101" pitchFamily="49" charset="-122"/>
+                <a:ea typeface="楷体" panose="02010609060101010101" pitchFamily="49" charset="-122"/>
+              </a:rPr>
+              <a:t>组，有</a:t>
+            </a:r>
+            <a:r>
+              <a:rPr lang="en-US" altLang="zh-CN" sz="2400" dirty="0" smtClean="0">
+                <a:latin typeface="楷体" panose="02010609060101010101" pitchFamily="49" charset="-122"/>
+                <a:ea typeface="楷体" panose="02010609060101010101" pitchFamily="49" charset="-122"/>
+              </a:rPr>
+              <a:t>2</a:t>
+            </a:r>
+            <a:r>
+              <a:rPr lang="zh-CN" altLang="en-US" sz="2400" dirty="0" smtClean="0">
+                <a:latin typeface="楷体" panose="02010609060101010101" pitchFamily="49" charset="-122"/>
+                <a:ea typeface="楷体" panose="02010609060101010101" pitchFamily="49" charset="-122"/>
+              </a:rPr>
+              <a:t>组测试用例显示功能不全，</a:t>
+            </a:r>
+            <a:r>
+              <a:rPr lang="en-US" altLang="zh-CN" sz="2400" dirty="0" smtClean="0">
+                <a:latin typeface="楷体" panose="02010609060101010101" pitchFamily="49" charset="-122"/>
+                <a:ea typeface="楷体" panose="02010609060101010101" pitchFamily="49" charset="-122"/>
+              </a:rPr>
+              <a:t>2</a:t>
+            </a:r>
+            <a:r>
+              <a:rPr lang="zh-CN" altLang="en-US" sz="2400" dirty="0" smtClean="0">
+                <a:latin typeface="楷体" panose="02010609060101010101" pitchFamily="49" charset="-122"/>
+                <a:ea typeface="楷体" panose="02010609060101010101" pitchFamily="49" charset="-122"/>
+              </a:rPr>
+              <a:t>组功能缺失，</a:t>
+            </a:r>
+            <a:r>
+              <a:rPr lang="en-US" altLang="zh-CN" sz="2400" dirty="0" smtClean="0">
+                <a:latin typeface="楷体" panose="02010609060101010101" pitchFamily="49" charset="-122"/>
+                <a:ea typeface="楷体" panose="02010609060101010101" pitchFamily="49" charset="-122"/>
+              </a:rPr>
+              <a:t>1</a:t>
+            </a:r>
+            <a:r>
+              <a:rPr lang="zh-CN" altLang="en-US" sz="2400" dirty="0" smtClean="0">
+                <a:latin typeface="楷体" panose="02010609060101010101" pitchFamily="49" charset="-122"/>
+                <a:ea typeface="楷体" panose="02010609060101010101" pitchFamily="49" charset="-122"/>
+              </a:rPr>
+              <a:t>组无法测试。软件实现了基本的传送数据功能，总体使用情况良好。</a:t>
             </a:r>
             <a:endParaRPr lang="en-US" altLang="zh-CN" sz="2400" dirty="0" smtClean="0">
-              <a:latin typeface="Times New Roman" panose="02020603050405020304" pitchFamily="18" charset="0"/>
+              <a:latin typeface="楷体" panose="02010609060101010101" pitchFamily="49" charset="-122"/>
               <a:ea typeface="楷体" panose="02010609060101010101" pitchFamily="49" charset="-122"/>
-              <a:cs typeface="Times New Roman" panose="02020603050405020304" pitchFamily="18" charset="0"/>
-            </a:endParaRPr>
-          </a:p>
-          <a:p>
-            <a:pPr marL="285750" indent="-285750">
-              <a:buFont typeface="Arial" panose="020B0604020202020204" pitchFamily="34" charset="0"/>
-              <a:buChar char="•"/>
-            </a:pPr>
-            <a:endParaRPr lang="en-US" altLang="zh-CN" sz="2400" dirty="0">
-              <a:latin typeface="Times New Roman" panose="02020603050405020304" pitchFamily="18" charset="0"/>
-              <a:ea typeface="楷体" panose="02010609060101010101" pitchFamily="49" charset="-122"/>
-              <a:cs typeface="Times New Roman" panose="02020603050405020304" pitchFamily="18" charset="0"/>
-            </a:endParaRPr>
-          </a:p>
-          <a:p>
-            <a:pPr marL="285750" indent="-285750">
-              <a:buFont typeface="Arial" panose="020B0604020202020204" pitchFamily="34" charset="0"/>
-              <a:buChar char="•"/>
-            </a:pPr>
-            <a:r>
-              <a:rPr lang="en-US" altLang="zh-CN" sz="2400" dirty="0" smtClean="0">
-                <a:latin typeface="Times New Roman" panose="02020603050405020304" pitchFamily="18" charset="0"/>
-                <a:ea typeface="楷体" panose="02010609060101010101" pitchFamily="49" charset="-122"/>
-                <a:cs typeface="Times New Roman" panose="02020603050405020304" pitchFamily="18" charset="0"/>
-              </a:rPr>
-              <a:t>Usability:</a:t>
-            </a:r>
-            <a:r>
-              <a:rPr lang="zh-CN" altLang="en-US" sz="2400" dirty="0" smtClean="0">
-                <a:latin typeface="Times New Roman" panose="02020603050405020304" pitchFamily="18" charset="0"/>
-                <a:ea typeface="楷体" panose="02010609060101010101" pitchFamily="49" charset="-122"/>
-                <a:cs typeface="Times New Roman" panose="02020603050405020304" pitchFamily="18" charset="0"/>
-              </a:rPr>
-              <a:t>可用性良好</a:t>
-            </a:r>
-            <a:endParaRPr lang="en-US" altLang="zh-CN" sz="2400" dirty="0" smtClean="0">
-              <a:latin typeface="Times New Roman" panose="02020603050405020304" pitchFamily="18" charset="0"/>
-              <a:ea typeface="楷体" panose="02010609060101010101" pitchFamily="49" charset="-122"/>
-              <a:cs typeface="Times New Roman" panose="02020603050405020304" pitchFamily="18" charset="0"/>
-            </a:endParaRPr>
-          </a:p>
-          <a:p>
-            <a:pPr marL="285750" indent="-285750">
-              <a:buFont typeface="Arial" panose="020B0604020202020204" pitchFamily="34" charset="0"/>
-              <a:buChar char="•"/>
-            </a:pPr>
-            <a:endParaRPr lang="en-US" altLang="zh-CN" sz="2400" dirty="0">
-              <a:latin typeface="Times New Roman" panose="02020603050405020304" pitchFamily="18" charset="0"/>
-              <a:ea typeface="楷体" panose="02010609060101010101" pitchFamily="49" charset="-122"/>
-              <a:cs typeface="Times New Roman" panose="02020603050405020304" pitchFamily="18" charset="0"/>
-            </a:endParaRPr>
-          </a:p>
-          <a:p>
-            <a:pPr marL="285750" indent="-285750">
-              <a:buFont typeface="Arial" panose="020B0604020202020204" pitchFamily="34" charset="0"/>
-              <a:buChar char="•"/>
-            </a:pPr>
-            <a:r>
-              <a:rPr lang="en-US" altLang="zh-CN" sz="2400" dirty="0" smtClean="0">
-                <a:latin typeface="Times New Roman" panose="02020603050405020304" pitchFamily="18" charset="0"/>
-                <a:ea typeface="楷体" panose="02010609060101010101" pitchFamily="49" charset="-122"/>
-                <a:cs typeface="Times New Roman" panose="02020603050405020304" pitchFamily="18" charset="0"/>
-              </a:rPr>
-              <a:t>Reliability:</a:t>
-            </a:r>
-            <a:r>
-              <a:rPr lang="zh-CN" altLang="en-US" sz="2400" dirty="0" smtClean="0">
-                <a:latin typeface="Times New Roman" panose="02020603050405020304" pitchFamily="18" charset="0"/>
-                <a:ea typeface="楷体" panose="02010609060101010101" pitchFamily="49" charset="-122"/>
-                <a:cs typeface="Times New Roman" panose="02020603050405020304" pitchFamily="18" charset="0"/>
-              </a:rPr>
-              <a:t>可靠性良好，部分</a:t>
-            </a:r>
-            <a:r>
-              <a:rPr lang="en-US" altLang="zh-CN" sz="2400" dirty="0" smtClean="0">
-                <a:latin typeface="Times New Roman" panose="02020603050405020304" pitchFamily="18" charset="0"/>
-                <a:ea typeface="楷体" panose="02010609060101010101" pitchFamily="49" charset="-122"/>
-                <a:cs typeface="Times New Roman" panose="02020603050405020304" pitchFamily="18" charset="0"/>
-              </a:rPr>
-              <a:t>Bug</a:t>
-            </a:r>
-            <a:r>
-              <a:rPr lang="zh-CN" altLang="en-US" sz="2400" dirty="0" smtClean="0">
-                <a:latin typeface="Times New Roman" panose="02020603050405020304" pitchFamily="18" charset="0"/>
-                <a:ea typeface="楷体" panose="02010609060101010101" pitchFamily="49" charset="-122"/>
-                <a:cs typeface="Times New Roman" panose="02020603050405020304" pitchFamily="18" charset="0"/>
-              </a:rPr>
-              <a:t>导致程序崩溃</a:t>
-            </a:r>
-            <a:endParaRPr lang="en-US" altLang="zh-CN" sz="2400" dirty="0" smtClean="0">
-              <a:latin typeface="Times New Roman" panose="02020603050405020304" pitchFamily="18" charset="0"/>
-              <a:ea typeface="楷体" panose="02010609060101010101" pitchFamily="49" charset="-122"/>
-              <a:cs typeface="Times New Roman" panose="02020603050405020304" pitchFamily="18" charset="0"/>
-            </a:endParaRPr>
-          </a:p>
-          <a:p>
-            <a:pPr marL="285750" indent="-285750">
-              <a:buFont typeface="Arial" panose="020B0604020202020204" pitchFamily="34" charset="0"/>
-              <a:buChar char="•"/>
-            </a:pPr>
-            <a:endParaRPr lang="en-US" altLang="zh-CN" sz="2400" dirty="0">
-              <a:latin typeface="Times New Roman" panose="02020603050405020304" pitchFamily="18" charset="0"/>
-              <a:ea typeface="楷体" panose="02010609060101010101" pitchFamily="49" charset="-122"/>
-              <a:cs typeface="Times New Roman" panose="02020603050405020304" pitchFamily="18" charset="0"/>
-            </a:endParaRPr>
-          </a:p>
-          <a:p>
-            <a:pPr marL="285750" indent="-285750">
-              <a:buFont typeface="Arial" panose="020B0604020202020204" pitchFamily="34" charset="0"/>
-              <a:buChar char="•"/>
-            </a:pPr>
-            <a:r>
-              <a:rPr lang="en-US" altLang="zh-CN" sz="2400" dirty="0" smtClean="0">
-                <a:latin typeface="Times New Roman" panose="02020603050405020304" pitchFamily="18" charset="0"/>
-                <a:ea typeface="楷体" panose="02010609060101010101" pitchFamily="49" charset="-122"/>
-                <a:cs typeface="Times New Roman" panose="02020603050405020304" pitchFamily="18" charset="0"/>
-              </a:rPr>
-              <a:t>Performance:</a:t>
-            </a:r>
-            <a:r>
-              <a:rPr lang="zh-CN" altLang="en-US" sz="2400" dirty="0" smtClean="0">
-                <a:latin typeface="Times New Roman" panose="02020603050405020304" pitchFamily="18" charset="0"/>
-                <a:ea typeface="楷体" panose="02010609060101010101" pitchFamily="49" charset="-122"/>
-                <a:cs typeface="Times New Roman" panose="02020603050405020304" pitchFamily="18" charset="0"/>
-              </a:rPr>
-              <a:t>性能处理正常</a:t>
-            </a:r>
-            <a:endParaRPr lang="en-US" altLang="zh-CN" sz="2400" dirty="0" smtClean="0">
-              <a:latin typeface="Times New Roman" panose="02020603050405020304" pitchFamily="18" charset="0"/>
-              <a:ea typeface="楷体" panose="02010609060101010101" pitchFamily="49" charset="-122"/>
-              <a:cs typeface="Times New Roman" panose="02020603050405020304" pitchFamily="18" charset="0"/>
-            </a:endParaRPr>
-          </a:p>
-          <a:p>
-            <a:pPr marL="285750" indent="-285750">
-              <a:buFont typeface="Arial" panose="020B0604020202020204" pitchFamily="34" charset="0"/>
-              <a:buChar char="•"/>
-            </a:pPr>
-            <a:endParaRPr lang="en-US" altLang="zh-CN" sz="2400" dirty="0">
-              <a:latin typeface="Times New Roman" panose="02020603050405020304" pitchFamily="18" charset="0"/>
-              <a:ea typeface="楷体" panose="02010609060101010101" pitchFamily="49" charset="-122"/>
-              <a:cs typeface="Times New Roman" panose="02020603050405020304" pitchFamily="18" charset="0"/>
-            </a:endParaRPr>
-          </a:p>
-          <a:p>
-            <a:pPr marL="285750" indent="-285750">
-              <a:buFont typeface="Arial" panose="020B0604020202020204" pitchFamily="34" charset="0"/>
-              <a:buChar char="•"/>
-            </a:pPr>
-            <a:r>
-              <a:rPr lang="en-US" altLang="zh-CN" sz="2400" dirty="0" smtClean="0">
-                <a:latin typeface="Times New Roman" panose="02020603050405020304" pitchFamily="18" charset="0"/>
-                <a:ea typeface="楷体" panose="02010609060101010101" pitchFamily="49" charset="-122"/>
-                <a:cs typeface="Times New Roman" panose="02020603050405020304" pitchFamily="18" charset="0"/>
-              </a:rPr>
-              <a:t>Supportability:</a:t>
-            </a:r>
-            <a:r>
-              <a:rPr lang="zh-CN" altLang="en-US" sz="2400" dirty="0" smtClean="0">
-                <a:latin typeface="Times New Roman" panose="02020603050405020304" pitchFamily="18" charset="0"/>
-                <a:ea typeface="楷体" panose="02010609060101010101" pitchFamily="49" charset="-122"/>
-                <a:cs typeface="Times New Roman" panose="02020603050405020304" pitchFamily="18" charset="0"/>
-              </a:rPr>
-              <a:t>可支持性良好</a:t>
-            </a:r>
-            <a:endParaRPr lang="zh-CN" altLang="en-US" sz="2400" dirty="0">
-              <a:latin typeface="Times New Roman" panose="02020603050405020304" pitchFamily="18" charset="0"/>
-              <a:ea typeface="楷体" panose="02010609060101010101" pitchFamily="49" charset="-122"/>
-              <a:cs typeface="Times New Roman" panose="02020603050405020304" pitchFamily="18" charset="0"/>
             </a:endParaRPr>
           </a:p>
         </p:txBody>
@@ -5523,7 +7968,7 @@
     </p:spTree>
     <p:extLst>
       <p:ext uri="{BB962C8B-B14F-4D97-AF65-F5344CB8AC3E}">
-        <p14:creationId xmlns:p14="http://schemas.microsoft.com/office/powerpoint/2010/main" val="1334239317"/>
+        <p14:creationId xmlns:p14="http://schemas.microsoft.com/office/powerpoint/2010/main" val="595075559"/>
       </p:ext>
     </p:extLst>
   </p:cSld>
@@ -5534,9 +7979,9 @@
 </file>
 
 <file path=ppt/theme/theme1.xml><?xml version="1.0" encoding="utf-8"?>
-<a:theme xmlns:a="http://schemas.openxmlformats.org/drawingml/2006/main" name="Office 主题​​">
+<a:theme xmlns:a="http://schemas.openxmlformats.org/drawingml/2006/main" name="切片">
   <a:themeElements>
-    <a:clrScheme name="Office">
+    <a:clrScheme name="切片">
       <a:dk1>
         <a:sysClr val="windowText" lastClr="000000"/>
       </a:dk1>
@@ -5544,83 +7989,48 @@
         <a:sysClr val="window" lastClr="FFFFFF"/>
       </a:lt1>
       <a:dk2>
-        <a:srgbClr val="44546A"/>
+        <a:srgbClr val="146194"/>
       </a:dk2>
       <a:lt2>
-        <a:srgbClr val="E7E6E6"/>
+        <a:srgbClr val="76DBF4"/>
       </a:lt2>
       <a:accent1>
-        <a:srgbClr val="5B9BD5"/>
+        <a:srgbClr val="052F61"/>
       </a:accent1>
       <a:accent2>
-        <a:srgbClr val="ED7D31"/>
+        <a:srgbClr val="A50E82"/>
       </a:accent2>
       <a:accent3>
-        <a:srgbClr val="A5A5A5"/>
+        <a:srgbClr val="14967C"/>
       </a:accent3>
       <a:accent4>
-        <a:srgbClr val="FFC000"/>
+        <a:srgbClr val="6A9E1F"/>
       </a:accent4>
       <a:accent5>
-        <a:srgbClr val="4472C4"/>
+        <a:srgbClr val="E87D37"/>
       </a:accent5>
       <a:accent6>
-        <a:srgbClr val="70AD47"/>
+        <a:srgbClr val="C62324"/>
       </a:accent6>
       <a:hlink>
-        <a:srgbClr val="0563C1"/>
+        <a:srgbClr val="0D2E46"/>
       </a:hlink>
       <a:folHlink>
-        <a:srgbClr val="954F72"/>
+        <a:srgbClr val="356A95"/>
       </a:folHlink>
     </a:clrScheme>
-    <a:fontScheme name="Office">
+    <a:fontScheme name="切片">
       <a:majorFont>
-        <a:latin typeface="等线 Light" panose="020F0302020204030204"/>
+        <a:latin typeface="Century Gothic" panose="020B0502020202020204"/>
         <a:ea typeface=""/>
         <a:cs typeface=""/>
-        <a:font script="Jpan" typeface="游ゴシック Light"/>
-        <a:font script="Hang" typeface="맑은 고딕"/>
-        <a:font script="Hans" typeface="等线 Light"/>
-        <a:font script="Hant" typeface="新細明體"/>
-        <a:font script="Arab" typeface="Times New Roman"/>
-        <a:font script="Hebr" typeface="Times New Roman"/>
-        <a:font script="Thai" typeface="Angsana New"/>
-        <a:font script="Ethi" typeface="Nyala"/>
-        <a:font script="Beng" typeface="Vrinda"/>
-        <a:font script="Gujr" typeface="Shruti"/>
-        <a:font script="Khmr" typeface="MoolBoran"/>
-        <a:font script="Knda" typeface="Tunga"/>
-        <a:font script="Guru" typeface="Raavi"/>
-        <a:font script="Cans" typeface="Euphemia"/>
-        <a:font script="Cher" typeface="Plantagenet Cherokee"/>
-        <a:font script="Yiii" typeface="Microsoft Yi Baiti"/>
-        <a:font script="Tibt" typeface="Microsoft Himalaya"/>
-        <a:font script="Thaa" typeface="MV Boli"/>
-        <a:font script="Deva" typeface="Mangal"/>
-        <a:font script="Telu" typeface="Gautami"/>
-        <a:font script="Taml" typeface="Latha"/>
-        <a:font script="Syrc" typeface="Estrangelo Edessa"/>
-        <a:font script="Orya" typeface="Kalinga"/>
-        <a:font script="Mlym" typeface="Kartika"/>
-        <a:font script="Laoo" typeface="DokChampa"/>
-        <a:font script="Sinh" typeface="Iskoola Pota"/>
-        <a:font script="Mong" typeface="Mongolian Baiti"/>
-        <a:font script="Viet" typeface="Times New Roman"/>
-        <a:font script="Uigh" typeface="Microsoft Uighur"/>
-        <a:font script="Geor" typeface="Sylfaen"/>
-      </a:majorFont>
-      <a:minorFont>
-        <a:latin typeface="等线" panose="020F0502020204030204"/>
-        <a:ea typeface=""/>
-        <a:cs typeface=""/>
-        <a:font script="Jpan" typeface="游ゴシック"/>
-        <a:font script="Hang" typeface="맑은 고딕"/>
-        <a:font script="Hans" typeface="等线"/>
-        <a:font script="Hant" typeface="新細明體"/>
-        <a:font script="Arab" typeface="Arial"/>
-        <a:font script="Hebr" typeface="Arial"/>
-        <a:font script="Thai" typeface="Cordia New"/>
+        <a:font script="Jpan" typeface="メイリオ"/>
+        <a:font script="Hang" typeface="HY중고딕"/>
+        <a:font script="Hans" typeface="幼圆"/>
+        <a:font script="Hant" typeface="微軟正黑體"/>
+        <a:font script="Arab" typeface="Tahoma"/>
+        <a:font script="Hebr" typeface="Gisha"/>
+        <a:font script="Thai" typeface="DilleniaUPC"/>
         <a:font script="Ethi" typeface="Nyala"/>
         <a:font script="Beng" typeface="Vrinda"/>
         <a:font script="Gujr" typeface="Shruti"/>
@@ -5641,12 +8051,47 @@
         <a:font script="Laoo" typeface="DokChampa"/>
         <a:font script="Sinh" typeface="Iskoola Pota"/>
         <a:font script="Mong" typeface="Mongolian Baiti"/>
-        <a:font script="Viet" typeface="Arial"/>
+        <a:font script="Viet" typeface="Tahoma"/>
+        <a:font script="Uigh" typeface="Microsoft Uighur"/>
+        <a:font script="Geor" typeface="Sylfaen"/>
+      </a:majorFont>
+      <a:minorFont>
+        <a:latin typeface="Century Gothic" panose="020B0502020202020204"/>
+        <a:ea typeface=""/>
+        <a:cs typeface=""/>
+        <a:font script="Jpan" typeface="メイリオ"/>
+        <a:font script="Hang" typeface="HY중고딕"/>
+        <a:font script="Hans" typeface="幼圆"/>
+        <a:font script="Hant" typeface="微軟正黑體"/>
+        <a:font script="Arab" typeface="Tahoma"/>
+        <a:font script="Hebr" typeface="Gisha"/>
+        <a:font script="Thai" typeface="DilleniaUPC"/>
+        <a:font script="Ethi" typeface="Nyala"/>
+        <a:font script="Beng" typeface="Vrinda"/>
+        <a:font script="Gujr" typeface="Shruti"/>
+        <a:font script="Khmr" typeface="DaunPenh"/>
+        <a:font script="Knda" typeface="Tunga"/>
+        <a:font script="Guru" typeface="Raavi"/>
+        <a:font script="Cans" typeface="Euphemia"/>
+        <a:font script="Cher" typeface="Plantagenet Cherokee"/>
+        <a:font script="Yiii" typeface="Microsoft Yi Baiti"/>
+        <a:font script="Tibt" typeface="Microsoft Himalaya"/>
+        <a:font script="Thaa" typeface="MV Boli"/>
+        <a:font script="Deva" typeface="Mangal"/>
+        <a:font script="Telu" typeface="Gautami"/>
+        <a:font script="Taml" typeface="Latha"/>
+        <a:font script="Syrc" typeface="Estrangelo Edessa"/>
+        <a:font script="Orya" typeface="Kalinga"/>
+        <a:font script="Mlym" typeface="Kartika"/>
+        <a:font script="Laoo" typeface="DokChampa"/>
+        <a:font script="Sinh" typeface="Iskoola Pota"/>
+        <a:font script="Mong" typeface="Mongolian Baiti"/>
+        <a:font script="Viet" typeface="Tahoma"/>
         <a:font script="Uigh" typeface="Microsoft Uighur"/>
         <a:font script="Geor" typeface="Sylfaen"/>
       </a:minorFont>
     </a:fontScheme>
-    <a:fmtScheme name="Office">
+    <a:fmtScheme name="切片">
       <a:fillStyleLst>
         <a:solidFill>
           <a:schemeClr val="phClr"/>
@@ -5655,23 +8100,16 @@
           <a:gsLst>
             <a:gs pos="0">
               <a:schemeClr val="phClr">
+                <a:tint val="62000"/>
+                <a:hueMod val="94000"/>
+                <a:satMod val="140000"/>
                 <a:lumMod val="110000"/>
-                <a:satMod val="105000"/>
-                <a:tint val="67000"/>
-              </a:schemeClr>
-            </a:gs>
-            <a:gs pos="50000">
-              <a:schemeClr val="phClr">
-                <a:lumMod val="105000"/>
-                <a:satMod val="103000"/>
-                <a:tint val="73000"/>
               </a:schemeClr>
             </a:gs>
             <a:gs pos="100000">
               <a:schemeClr val="phClr">
-                <a:lumMod val="105000"/>
-                <a:satMod val="109000"/>
-                <a:tint val="81000"/>
+                <a:tint val="84000"/>
+                <a:satMod val="160000"/>
               </a:schemeClr>
             </a:gs>
           </a:gsLst>
@@ -5681,23 +8119,16 @@
           <a:gsLst>
             <a:gs pos="0">
               <a:schemeClr val="phClr">
-                <a:satMod val="103000"/>
-                <a:lumMod val="102000"/>
-                <a:tint val="94000"/>
-              </a:schemeClr>
-            </a:gs>
-            <a:gs pos="50000">
-              <a:schemeClr val="phClr">
-                <a:satMod val="110000"/>
-                <a:lumMod val="100000"/>
-                <a:shade val="100000"/>
+                <a:tint val="98000"/>
+                <a:hueMod val="94000"/>
+                <a:satMod val="130000"/>
+                <a:lumMod val="128000"/>
               </a:schemeClr>
             </a:gs>
             <a:gs pos="100000">
               <a:schemeClr val="phClr">
-                <a:lumMod val="99000"/>
-                <a:satMod val="120000"/>
-                <a:shade val="78000"/>
+                <a:shade val="94000"/>
+                <a:lumMod val="88000"/>
               </a:schemeClr>
             </a:gs>
           </a:gsLst>
@@ -5705,26 +8136,29 @@
         </a:gradFill>
       </a:fillStyleLst>
       <a:lnStyleLst>
-        <a:ln w="6350" cap="flat" cmpd="sng" algn="ctr">
+        <a:ln w="9525" cap="rnd" cmpd="sng" algn="ctr">
+          <a:solidFill>
+            <a:schemeClr val="phClr">
+              <a:tint val="76000"/>
+              <a:alpha val="60000"/>
+              <a:hueMod val="94000"/>
+            </a:schemeClr>
+          </a:solidFill>
+          <a:prstDash val="solid"/>
+        </a:ln>
+        <a:ln w="15875" cap="rnd" cmpd="sng" algn="ctr">
+          <a:solidFill>
+            <a:schemeClr val="phClr">
+              <a:hueMod val="94000"/>
+            </a:schemeClr>
+          </a:solidFill>
+          <a:prstDash val="solid"/>
+        </a:ln>
+        <a:ln w="28575" cap="rnd" cmpd="sng" algn="ctr">
           <a:solidFill>
             <a:schemeClr val="phClr"/>
           </a:solidFill>
           <a:prstDash val="solid"/>
-          <a:miter lim="800000"/>
-        </a:ln>
-        <a:ln w="12700" cap="flat" cmpd="sng" algn="ctr">
-          <a:solidFill>
-            <a:schemeClr val="phClr"/>
-          </a:solidFill>
-          <a:prstDash val="solid"/>
-          <a:miter lim="800000"/>
-        </a:ln>
-        <a:ln w="19050" cap="flat" cmpd="sng" algn="ctr">
-          <a:solidFill>
-            <a:schemeClr val="phClr"/>
-          </a:solidFill>
-          <a:prstDash val="solid"/>
-          <a:miter lim="800000"/>
         </a:ln>
       </a:lnStyleLst>
       <a:effectStyleLst>
@@ -5732,54 +8166,78 @@
           <a:effectLst/>
         </a:effectStyle>
         <a:effectStyle>
-          <a:effectLst/>
+          <a:effectLst>
+            <a:innerShdw blurRad="25400" dist="12700" dir="13500000">
+              <a:srgbClr val="000000">
+                <a:alpha val="45000"/>
+              </a:srgbClr>
+            </a:innerShdw>
+          </a:effectLst>
         </a:effectStyle>
         <a:effectStyle>
           <a:effectLst>
-            <a:outerShdw blurRad="57150" dist="19050" dir="5400000" algn="ctr" rotWithShape="0">
+            <a:outerShdw blurRad="50800" dist="38100" dir="5400000" rotWithShape="0">
               <a:srgbClr val="000000">
-                <a:alpha val="63000"/>
+                <a:alpha val="46000"/>
               </a:srgbClr>
             </a:outerShdw>
           </a:effectLst>
+          <a:scene3d>
+            <a:camera prst="orthographicFront">
+              <a:rot lat="0" lon="0" rev="0"/>
+            </a:camera>
+            <a:lightRig rig="threePt" dir="t"/>
+          </a:scene3d>
+          <a:sp3d prstMaterial="plastic">
+            <a:bevelT w="25400" h="25400"/>
+          </a:sp3d>
         </a:effectStyle>
       </a:effectStyleLst>
       <a:bgFillStyleLst>
         <a:solidFill>
           <a:schemeClr val="phClr"/>
         </a:solidFill>
-        <a:solidFill>
-          <a:schemeClr val="phClr">
-            <a:tint val="95000"/>
-            <a:satMod val="170000"/>
-          </a:schemeClr>
-        </a:solidFill>
+        <a:gradFill rotWithShape="1">
+          <a:gsLst>
+            <a:gs pos="10000">
+              <a:schemeClr val="phClr">
+                <a:tint val="97000"/>
+                <a:hueMod val="92000"/>
+                <a:satMod val="169000"/>
+                <a:lumMod val="164000"/>
+              </a:schemeClr>
+            </a:gs>
+            <a:gs pos="100000">
+              <a:schemeClr val="phClr">
+                <a:shade val="96000"/>
+                <a:satMod val="120000"/>
+                <a:lumMod val="90000"/>
+              </a:schemeClr>
+            </a:gs>
+          </a:gsLst>
+          <a:lin ang="6120000" scaled="1"/>
+        </a:gradFill>
         <a:gradFill rotWithShape="1">
           <a:gsLst>
             <a:gs pos="0">
               <a:schemeClr val="phClr">
-                <a:tint val="93000"/>
-                <a:satMod val="150000"/>
-                <a:shade val="98000"/>
-                <a:lumMod val="102000"/>
-              </a:schemeClr>
-            </a:gs>
-            <a:gs pos="50000">
-              <a:schemeClr val="phClr">
-                <a:tint val="98000"/>
-                <a:satMod val="130000"/>
-                <a:shade val="90000"/>
-                <a:lumMod val="103000"/>
+                <a:tint val="97000"/>
+                <a:hueMod val="92000"/>
+                <a:satMod val="169000"/>
+                <a:lumMod val="164000"/>
               </a:schemeClr>
             </a:gs>
             <a:gs pos="100000">
               <a:schemeClr val="phClr">
-                <a:shade val="63000"/>
+                <a:shade val="96000"/>
                 <a:satMod val="120000"/>
+                <a:lumMod val="90000"/>
               </a:schemeClr>
             </a:gs>
           </a:gsLst>
-          <a:lin ang="5400000" scaled="0"/>
+          <a:path path="circle">
+            <a:fillToRect b="100000"/>
+          </a:path>
         </a:gradFill>
       </a:bgFillStyleLst>
     </a:fmtScheme>
@@ -5788,7 +8246,7 @@
   <a:extraClrSchemeLst/>
   <a:extLst>
     <a:ext uri="{05A4C25C-085E-4340-85A3-A5531E510DB2}">
-      <thm15:themeFamily xmlns:thm15="http://schemas.microsoft.com/office/thememl/2012/main" name="Office Theme" id="{62F939B6-93AF-4DB8-9C6B-D6C7DFDC589F}" vid="{4A3C46E8-61CC-4603-A589-7422A47A8E4A}"/>
+      <thm15:themeFamily xmlns:thm15="http://schemas.microsoft.com/office/thememl/2012/main" name="Slice" id="{0507925B-6AC9-4358-8E18-C330545D08F8}" vid="{13FEC7C6-62A9-40C4-99D2-581AACACAA2F}"/>
     </a:ext>
   </a:extLst>
 </a:theme>

--- a/Test/项目报告.pptx
+++ b/Test/项目报告.pptx
@@ -4500,7 +4500,7 @@
         <p:spPr>
           <a:xfrm>
             <a:off x="579864" y="871668"/>
-            <a:ext cx="3980985" cy="461665"/>
+            <a:ext cx="4148253" cy="461665"/>
           </a:xfrm>
           <a:prstGeom prst="rect">
             <a:avLst/>
@@ -4518,7 +4518,14 @@
                 <a:latin typeface="黑体" panose="02010609060101010101" pitchFamily="49" charset="-122"/>
                 <a:ea typeface="黑体" panose="02010609060101010101" pitchFamily="49" charset="-122"/>
               </a:rPr>
-              <a:t>二三组</a:t>
+              <a:t>二十三</a:t>
+            </a:r>
+            <a:r>
+              <a:rPr lang="zh-CN" altLang="en-US" sz="2400" dirty="0" smtClean="0">
+                <a:latin typeface="黑体" panose="02010609060101010101" pitchFamily="49" charset="-122"/>
+                <a:ea typeface="黑体" panose="02010609060101010101" pitchFamily="49" charset="-122"/>
+              </a:rPr>
+              <a:t>组</a:t>
             </a:r>
             <a:r>
               <a:rPr lang="en-US" altLang="zh-CN" sz="2400" dirty="0" smtClean="0">
@@ -4596,21 +4603,7 @@
                 <a:latin typeface="楷体" panose="02010609060101010101" pitchFamily="49" charset="-122"/>
                 <a:ea typeface="楷体" panose="02010609060101010101" pitchFamily="49" charset="-122"/>
               </a:rPr>
-              <a:t>软件需求分析中的基本功能，有少部分功能没有实现</a:t>
-            </a:r>
-            <a:r>
-              <a:rPr lang="zh-CN" altLang="en-US" sz="2400" dirty="0" smtClean="0">
-                <a:latin typeface="楷体" panose="02010609060101010101" pitchFamily="49" charset="-122"/>
-                <a:ea typeface="楷体" panose="02010609060101010101" pitchFamily="49" charset="-122"/>
-              </a:rPr>
-              <a:t>。测试</a:t>
-            </a:r>
-            <a:r>
-              <a:rPr lang="zh-CN" altLang="en-US" sz="2400" dirty="0" smtClean="0">
-                <a:latin typeface="楷体" panose="02010609060101010101" pitchFamily="49" charset="-122"/>
-                <a:ea typeface="楷体" panose="02010609060101010101" pitchFamily="49" charset="-122"/>
-              </a:rPr>
-              <a:t>使用了</a:t>
+              <a:t>软件需求分析中的基本功能，有少部分功能没有实现。测试使用了</a:t>
             </a:r>
             <a:r>
               <a:rPr lang="en-US" altLang="zh-CN" sz="2400" dirty="0" smtClean="0">
@@ -4624,14 +4617,7 @@
                 <a:latin typeface="楷体" panose="02010609060101010101" pitchFamily="49" charset="-122"/>
                 <a:ea typeface="楷体" panose="02010609060101010101" pitchFamily="49" charset="-122"/>
               </a:rPr>
-              <a:t>组</a:t>
-            </a:r>
-            <a:r>
-              <a:rPr lang="zh-CN" altLang="en-US" sz="2400" dirty="0" smtClean="0">
-                <a:latin typeface="楷体" panose="02010609060101010101" pitchFamily="49" charset="-122"/>
-                <a:ea typeface="楷体" panose="02010609060101010101" pitchFamily="49" charset="-122"/>
-              </a:rPr>
-              <a:t>测试用例，成功通过测试用例</a:t>
+              <a:t>组测试用例，成功通过测试用例</a:t>
             </a:r>
             <a:r>
               <a:rPr lang="en-US" altLang="zh-CN" sz="2400" dirty="0" smtClean="0">
@@ -4645,21 +4631,7 @@
                 <a:latin typeface="楷体" panose="02010609060101010101" pitchFamily="49" charset="-122"/>
                 <a:ea typeface="楷体" panose="02010609060101010101" pitchFamily="49" charset="-122"/>
               </a:rPr>
-              <a:t>组</a:t>
-            </a:r>
-            <a:r>
-              <a:rPr lang="zh-CN" altLang="en-US" sz="2400" dirty="0" smtClean="0">
-                <a:latin typeface="楷体" panose="02010609060101010101" pitchFamily="49" charset="-122"/>
-                <a:ea typeface="楷体" panose="02010609060101010101" pitchFamily="49" charset="-122"/>
-              </a:rPr>
-              <a:t>，</a:t>
-            </a:r>
-            <a:r>
-              <a:rPr lang="zh-CN" altLang="en-US" sz="2400" dirty="0" smtClean="0">
-                <a:latin typeface="楷体" panose="02010609060101010101" pitchFamily="49" charset="-122"/>
-                <a:ea typeface="楷体" panose="02010609060101010101" pitchFamily="49" charset="-122"/>
-              </a:rPr>
-              <a:t>有</a:t>
+              <a:t>组，有</a:t>
             </a:r>
             <a:r>
               <a:rPr lang="en-US" altLang="zh-CN" sz="2400" dirty="0" smtClean="0">
@@ -4673,14 +4645,7 @@
                 <a:latin typeface="楷体" panose="02010609060101010101" pitchFamily="49" charset="-122"/>
                 <a:ea typeface="楷体" panose="02010609060101010101" pitchFamily="49" charset="-122"/>
               </a:rPr>
-              <a:t>组</a:t>
-            </a:r>
-            <a:r>
-              <a:rPr lang="zh-CN" altLang="en-US" sz="2400" dirty="0" smtClean="0">
-                <a:latin typeface="楷体" panose="02010609060101010101" pitchFamily="49" charset="-122"/>
-                <a:ea typeface="楷体" panose="02010609060101010101" pitchFamily="49" charset="-122"/>
-              </a:rPr>
-              <a:t>测试用例显示功能不全，</a:t>
+              <a:t>组测试用例显示功能不全，</a:t>
             </a:r>
             <a:r>
               <a:rPr lang="en-US" altLang="zh-CN" sz="2400" dirty="0" smtClean="0">
@@ -4708,14 +4673,7 @@
                 <a:latin typeface="楷体" panose="02010609060101010101" pitchFamily="49" charset="-122"/>
                 <a:ea typeface="楷体" panose="02010609060101010101" pitchFamily="49" charset="-122"/>
               </a:rPr>
-              <a:t>组无法测试。软件</a:t>
-            </a:r>
-            <a:r>
-              <a:rPr lang="zh-CN" altLang="en-US" sz="2400" dirty="0" smtClean="0">
-                <a:latin typeface="楷体" panose="02010609060101010101" pitchFamily="49" charset="-122"/>
-                <a:ea typeface="楷体" panose="02010609060101010101" pitchFamily="49" charset="-122"/>
-              </a:rPr>
-              <a:t>实现了基本的传送数据功能，总体使用情况良好。</a:t>
+              <a:t>组无法测试。软件实现了基本的传送数据功能，总体使用情况良好。</a:t>
             </a:r>
             <a:endParaRPr lang="en-US" altLang="zh-CN" sz="2400" dirty="0" smtClean="0">
               <a:latin typeface="楷体" panose="02010609060101010101" pitchFamily="49" charset="-122"/>
@@ -4894,23 +4852,15 @@
                 <a:ea typeface="楷体" panose="02010609060101010101" pitchFamily="49" charset="-122"/>
                 <a:cs typeface="Times New Roman" panose="02020603050405020304" pitchFamily="18" charset="0"/>
               </a:rPr>
-              <a:t>可靠性良好，部分</a:t>
-            </a:r>
-            <a:r>
-              <a:rPr lang="en-US" altLang="zh-CN" sz="2400" dirty="0" smtClean="0">
+              <a:t>可靠性</a:t>
+            </a:r>
+            <a:r>
+              <a:rPr lang="zh-CN" altLang="en-US" sz="2400" dirty="0" smtClean="0">
                 <a:latin typeface="Times New Roman" panose="02020603050405020304" pitchFamily="18" charset="0"/>
                 <a:ea typeface="楷体" panose="02010609060101010101" pitchFamily="49" charset="-122"/>
                 <a:cs typeface="Times New Roman" panose="02020603050405020304" pitchFamily="18" charset="0"/>
               </a:rPr>
-              <a:t>Bug</a:t>
-            </a:r>
-            <a:r>
-              <a:rPr lang="zh-CN" altLang="en-US" sz="2400" dirty="0" smtClean="0">
-                <a:latin typeface="Times New Roman" panose="02020603050405020304" pitchFamily="18" charset="0"/>
-                <a:ea typeface="楷体" panose="02010609060101010101" pitchFamily="49" charset="-122"/>
-                <a:cs typeface="Times New Roman" panose="02020603050405020304" pitchFamily="18" charset="0"/>
-              </a:rPr>
-              <a:t>导致程序崩溃</a:t>
+              <a:t>良好</a:t>
             </a:r>
             <a:endParaRPr lang="en-US" altLang="zh-CN" sz="2400" dirty="0" smtClean="0">
               <a:latin typeface="Times New Roman" panose="02020603050405020304" pitchFamily="18" charset="0"/>
